--- a/Problem Statement 5.pptx
+++ b/Problem Statement 5.pptx
@@ -14,7 +14,9 @@
     <p:sldId id="266" r:id="rId8"/>
     <p:sldId id="267" r:id="rId9"/>
     <p:sldId id="261" r:id="rId10"/>
-    <p:sldId id="268" r:id="rId11"/>
+    <p:sldId id="269" r:id="rId11"/>
+    <p:sldId id="270" r:id="rId12"/>
+    <p:sldId id="271" r:id="rId13"/>
   </p:sldIdLst>
   <p:sldSz cx="12192000" cy="6858000"/>
   <p:notesSz cx="6858000" cy="9144000"/>
@@ -124,7 +126,7 @@
 <file path=ppt/revisionInfo.xml><?xml version="1.0" encoding="utf-8"?>
 <p1510:revInfo xmlns:a="http://schemas.openxmlformats.org/drawingml/2006/main" xmlns:r="http://schemas.openxmlformats.org/officeDocument/2006/relationships" xmlns:p1510="http://schemas.microsoft.com/office/powerpoint/2015/10/main">
   <p1510:revLst>
-    <p1510:client id="{7235A3AA-14F5-4691-837A-ED4FBC327758}" v="35" dt="2020-04-11T02:55:12.658"/>
+    <p1510:client id="{7235A3AA-14F5-4691-837A-ED4FBC327758}" v="43" dt="2020-04-16T00:42:33.522"/>
   </p1510:revLst>
 </p1510:revInfo>
 </file>
@@ -133,8 +135,8 @@
 <pc:chgInfo xmlns:a="http://schemas.openxmlformats.org/drawingml/2006/main" xmlns:r="http://schemas.openxmlformats.org/officeDocument/2006/relationships" xmlns:ac="http://schemas.microsoft.com/office/drawing/2013/main/command" xmlns:pc="http://schemas.microsoft.com/office/powerpoint/2013/main/command">
   <pc:docChgLst>
     <pc:chgData name="Mohit Roy" userId="47d316e8-f525-442f-91a8-6c2a3c1813ae" providerId="ADAL" clId="{7235A3AA-14F5-4691-837A-ED4FBC327758}"/>
-    <pc:docChg chg="undo custSel mod addSld delSld modSld sldOrd">
-      <pc:chgData name="Mohit Roy" userId="47d316e8-f525-442f-91a8-6c2a3c1813ae" providerId="ADAL" clId="{7235A3AA-14F5-4691-837A-ED4FBC327758}" dt="2020-04-11T02:55:17.671" v="3382" actId="14100"/>
+    <pc:docChg chg="undo redo custSel mod addSld delSld modSld sldOrd">
+      <pc:chgData name="Mohit Roy" userId="47d316e8-f525-442f-91a8-6c2a3c1813ae" providerId="ADAL" clId="{7235A3AA-14F5-4691-837A-ED4FBC327758}" dt="2020-04-16T00:51:27.237" v="4172" actId="26606"/>
       <pc:docMkLst>
         <pc:docMk/>
       </pc:docMkLst>
@@ -366,13 +368,13 @@
         </pc:picChg>
       </pc:sldChg>
       <pc:sldChg chg="addSp delSp modSp add mod ord setBg">
-        <pc:chgData name="Mohit Roy" userId="47d316e8-f525-442f-91a8-6c2a3c1813ae" providerId="ADAL" clId="{7235A3AA-14F5-4691-837A-ED4FBC327758}" dt="2020-04-11T02:55:10.078" v="3378"/>
+        <pc:chgData name="Mohit Roy" userId="47d316e8-f525-442f-91a8-6c2a3c1813ae" providerId="ADAL" clId="{7235A3AA-14F5-4691-837A-ED4FBC327758}" dt="2020-04-16T00:38:04.759" v="3532" actId="27636"/>
         <pc:sldMkLst>
           <pc:docMk/>
           <pc:sldMk cId="519601175" sldId="261"/>
         </pc:sldMkLst>
         <pc:spChg chg="add mod">
-          <ac:chgData name="Mohit Roy" userId="47d316e8-f525-442f-91a8-6c2a3c1813ae" providerId="ADAL" clId="{7235A3AA-14F5-4691-837A-ED4FBC327758}" dt="2020-04-11T02:40:06.073" v="3370" actId="108"/>
+          <ac:chgData name="Mohit Roy" userId="47d316e8-f525-442f-91a8-6c2a3c1813ae" providerId="ADAL" clId="{7235A3AA-14F5-4691-837A-ED4FBC327758}" dt="2020-04-16T00:38:04.759" v="3532" actId="27636"/>
           <ac:spMkLst>
             <pc:docMk/>
             <pc:sldMk cId="519601175" sldId="261"/>
@@ -380,23 +382,23 @@
           </ac:spMkLst>
         </pc:spChg>
         <pc:spChg chg="mod ord">
-          <ac:chgData name="Mohit Roy" userId="47d316e8-f525-442f-91a8-6c2a3c1813ae" providerId="ADAL" clId="{7235A3AA-14F5-4691-837A-ED4FBC327758}" dt="2020-04-11T02:27:51.153" v="2360" actId="14100"/>
+          <ac:chgData name="Mohit Roy" userId="47d316e8-f525-442f-91a8-6c2a3c1813ae" providerId="ADAL" clId="{7235A3AA-14F5-4691-837A-ED4FBC327758}" dt="2020-04-15T22:48:48.615" v="3388" actId="26606"/>
           <ac:spMkLst>
             <pc:docMk/>
             <pc:sldMk cId="519601175" sldId="261"/>
             <ac:spMk id="8" creationId="{90E4248E-0AB2-4168-82D5-4D95494DEA86}"/>
           </ac:spMkLst>
         </pc:spChg>
-        <pc:spChg chg="add">
-          <ac:chgData name="Mohit Roy" userId="47d316e8-f525-442f-91a8-6c2a3c1813ae" providerId="ADAL" clId="{7235A3AA-14F5-4691-837A-ED4FBC327758}" dt="2020-04-11T02:27:02.044" v="2342" actId="26606"/>
+        <pc:spChg chg="add del">
+          <ac:chgData name="Mohit Roy" userId="47d316e8-f525-442f-91a8-6c2a3c1813ae" providerId="ADAL" clId="{7235A3AA-14F5-4691-837A-ED4FBC327758}" dt="2020-04-15T22:48:48.615" v="3388" actId="26606"/>
           <ac:spMkLst>
             <pc:docMk/>
             <pc:sldMk cId="519601175" sldId="261"/>
             <ac:spMk id="10" creationId="{4E4490D0-3672-446A-AC12-B4830333BDDD}"/>
           </ac:spMkLst>
         </pc:spChg>
-        <pc:spChg chg="add">
-          <ac:chgData name="Mohit Roy" userId="47d316e8-f525-442f-91a8-6c2a3c1813ae" providerId="ADAL" clId="{7235A3AA-14F5-4691-837A-ED4FBC327758}" dt="2020-04-11T02:27:02.044" v="2342" actId="26606"/>
+        <pc:spChg chg="add del">
+          <ac:chgData name="Mohit Roy" userId="47d316e8-f525-442f-91a8-6c2a3c1813ae" providerId="ADAL" clId="{7235A3AA-14F5-4691-837A-ED4FBC327758}" dt="2020-04-15T22:48:48.615" v="3388" actId="26606"/>
           <ac:spMkLst>
             <pc:docMk/>
             <pc:sldMk cId="519601175" sldId="261"/>
@@ -411,8 +413,8 @@
             <ac:spMk id="13" creationId="{4E4490D0-3672-446A-AC12-B4830333BDDD}"/>
           </ac:spMkLst>
         </pc:spChg>
-        <pc:spChg chg="add">
-          <ac:chgData name="Mohit Roy" userId="47d316e8-f525-442f-91a8-6c2a3c1813ae" providerId="ADAL" clId="{7235A3AA-14F5-4691-837A-ED4FBC327758}" dt="2020-04-11T02:27:02.044" v="2342" actId="26606"/>
+        <pc:spChg chg="add del">
+          <ac:chgData name="Mohit Roy" userId="47d316e8-f525-442f-91a8-6c2a3c1813ae" providerId="ADAL" clId="{7235A3AA-14F5-4691-837A-ED4FBC327758}" dt="2020-04-15T22:48:48.615" v="3388" actId="26606"/>
           <ac:spMkLst>
             <pc:docMk/>
             <pc:sldMk cId="519601175" sldId="261"/>
@@ -427,16 +429,16 @@
             <ac:spMk id="15" creationId="{39CB82C2-DF65-4EC1-8280-F201D50F570B}"/>
           </ac:spMkLst>
         </pc:spChg>
-        <pc:spChg chg="add">
-          <ac:chgData name="Mohit Roy" userId="47d316e8-f525-442f-91a8-6c2a3c1813ae" providerId="ADAL" clId="{7235A3AA-14F5-4691-837A-ED4FBC327758}" dt="2020-04-11T02:27:02.044" v="2342" actId="26606"/>
+        <pc:spChg chg="add del">
+          <ac:chgData name="Mohit Roy" userId="47d316e8-f525-442f-91a8-6c2a3c1813ae" providerId="ADAL" clId="{7235A3AA-14F5-4691-837A-ED4FBC327758}" dt="2020-04-15T22:48:48.615" v="3388" actId="26606"/>
           <ac:spMkLst>
             <pc:docMk/>
             <pc:sldMk cId="519601175" sldId="261"/>
             <ac:spMk id="16" creationId="{984BBFDD-E720-4805-A9C8-129FBBF6DD70}"/>
           </ac:spMkLst>
         </pc:spChg>
-        <pc:spChg chg="add">
-          <ac:chgData name="Mohit Roy" userId="47d316e8-f525-442f-91a8-6c2a3c1813ae" providerId="ADAL" clId="{7235A3AA-14F5-4691-837A-ED4FBC327758}" dt="2020-04-11T02:27:02.044" v="2342" actId="26606"/>
+        <pc:spChg chg="add del">
+          <ac:chgData name="Mohit Roy" userId="47d316e8-f525-442f-91a8-6c2a3c1813ae" providerId="ADAL" clId="{7235A3AA-14F5-4691-837A-ED4FBC327758}" dt="2020-04-15T22:48:48.615" v="3388" actId="26606"/>
           <ac:spMkLst>
             <pc:docMk/>
             <pc:sldMk cId="519601175" sldId="261"/>
@@ -452,6 +454,14 @@
           </ac:spMkLst>
         </pc:spChg>
         <pc:spChg chg="add del">
+          <ac:chgData name="Mohit Roy" userId="47d316e8-f525-442f-91a8-6c2a3c1813ae" providerId="ADAL" clId="{7235A3AA-14F5-4691-837A-ED4FBC327758}" dt="2020-04-15T22:48:48.591" v="3387" actId="26606"/>
+          <ac:spMkLst>
+            <pc:docMk/>
+            <pc:sldMk cId="519601175" sldId="261"/>
+            <ac:spMk id="20" creationId="{44CC594A-A820-450F-B363-C19201FCFEC6}"/>
+          </ac:spMkLst>
+        </pc:spChg>
+        <pc:spChg chg="add del">
           <ac:chgData name="Mohit Roy" userId="47d316e8-f525-442f-91a8-6c2a3c1813ae" providerId="ADAL" clId="{7235A3AA-14F5-4691-837A-ED4FBC327758}" dt="2020-04-11T02:26:57.468" v="2341" actId="26606"/>
           <ac:spMkLst>
             <pc:docMk/>
@@ -467,8 +477,48 @@
             <ac:spMk id="23" creationId="{5AC4BE46-4A77-42FE-9D15-065CDB2F847C}"/>
           </ac:spMkLst>
         </pc:spChg>
+        <pc:spChg chg="add del">
+          <ac:chgData name="Mohit Roy" userId="47d316e8-f525-442f-91a8-6c2a3c1813ae" providerId="ADAL" clId="{7235A3AA-14F5-4691-837A-ED4FBC327758}" dt="2020-04-15T22:48:48.591" v="3387" actId="26606"/>
+          <ac:spMkLst>
+            <pc:docMk/>
+            <pc:sldMk cId="519601175" sldId="261"/>
+            <ac:spMk id="25" creationId="{59FAB3DA-E9ED-4574-ABCC-378BC0FF1BBC}"/>
+          </ac:spMkLst>
+        </pc:spChg>
+        <pc:spChg chg="add del">
+          <ac:chgData name="Mohit Roy" userId="47d316e8-f525-442f-91a8-6c2a3c1813ae" providerId="ADAL" clId="{7235A3AA-14F5-4691-837A-ED4FBC327758}" dt="2020-04-15T22:48:48.591" v="3387" actId="26606"/>
+          <ac:spMkLst>
+            <pc:docMk/>
+            <pc:sldMk cId="519601175" sldId="261"/>
+            <ac:spMk id="27" creationId="{53B8D6B0-55D6-48DC-86D8-FD95D5F118AB}"/>
+          </ac:spMkLst>
+        </pc:spChg>
+        <pc:spChg chg="add">
+          <ac:chgData name="Mohit Roy" userId="47d316e8-f525-442f-91a8-6c2a3c1813ae" providerId="ADAL" clId="{7235A3AA-14F5-4691-837A-ED4FBC327758}" dt="2020-04-15T22:48:48.615" v="3388" actId="26606"/>
+          <ac:spMkLst>
+            <pc:docMk/>
+            <pc:sldMk cId="519601175" sldId="261"/>
+            <ac:spMk id="29" creationId="{990D0034-F768-41E7-85D4-F38C4DE85770}"/>
+          </ac:spMkLst>
+        </pc:spChg>
+        <pc:spChg chg="add">
+          <ac:chgData name="Mohit Roy" userId="47d316e8-f525-442f-91a8-6c2a3c1813ae" providerId="ADAL" clId="{7235A3AA-14F5-4691-837A-ED4FBC327758}" dt="2020-04-15T22:48:48.615" v="3388" actId="26606"/>
+          <ac:spMkLst>
+            <pc:docMk/>
+            <pc:sldMk cId="519601175" sldId="261"/>
+            <ac:spMk id="30" creationId="{C4F7E42D-8B5A-4FC8-81CD-9E60171F7FA8}"/>
+          </ac:spMkLst>
+        </pc:spChg>
+        <pc:spChg chg="add">
+          <ac:chgData name="Mohit Roy" userId="47d316e8-f525-442f-91a8-6c2a3c1813ae" providerId="ADAL" clId="{7235A3AA-14F5-4691-837A-ED4FBC327758}" dt="2020-04-15T22:48:48.615" v="3388" actId="26606"/>
+          <ac:spMkLst>
+            <pc:docMk/>
+            <pc:sldMk cId="519601175" sldId="261"/>
+            <ac:spMk id="31" creationId="{8C04651D-B9F4-4935-A02D-364153FBDF54}"/>
+          </ac:spMkLst>
+        </pc:spChg>
         <pc:picChg chg="add del mod">
-          <ac:chgData name="Mohit Roy" userId="47d316e8-f525-442f-91a8-6c2a3c1813ae" providerId="ADAL" clId="{7235A3AA-14F5-4691-837A-ED4FBC327758}" dt="2020-04-11T02:55:09.498" v="3377" actId="478"/>
+          <ac:chgData name="Mohit Roy" userId="47d316e8-f525-442f-91a8-6c2a3c1813ae" providerId="ADAL" clId="{7235A3AA-14F5-4691-837A-ED4FBC327758}" dt="2020-04-15T22:48:30.654" v="3384" actId="478"/>
           <ac:picMkLst>
             <pc:docMk/>
             <pc:sldMk cId="519601175" sldId="261"/>
@@ -483,8 +533,16 @@
             <ac:picMk id="4" creationId="{28772C27-5D46-4DE1-8864-4EDC87A54268}"/>
           </ac:picMkLst>
         </pc:picChg>
-        <pc:cxnChg chg="add">
-          <ac:chgData name="Mohit Roy" userId="47d316e8-f525-442f-91a8-6c2a3c1813ae" providerId="ADAL" clId="{7235A3AA-14F5-4691-837A-ED4FBC327758}" dt="2020-04-11T02:27:02.044" v="2342" actId="26606"/>
+        <pc:picChg chg="add mod">
+          <ac:chgData name="Mohit Roy" userId="47d316e8-f525-442f-91a8-6c2a3c1813ae" providerId="ADAL" clId="{7235A3AA-14F5-4691-837A-ED4FBC327758}" dt="2020-04-15T22:48:48.615" v="3388" actId="26606"/>
+          <ac:picMkLst>
+            <pc:docMk/>
+            <pc:sldMk cId="519601175" sldId="261"/>
+            <ac:picMk id="4" creationId="{31F2F6CD-AAC2-4A47-8D65-CC63957CFDD7}"/>
+          </ac:picMkLst>
+        </pc:picChg>
+        <pc:cxnChg chg="add del">
+          <ac:chgData name="Mohit Roy" userId="47d316e8-f525-442f-91a8-6c2a3c1813ae" providerId="ADAL" clId="{7235A3AA-14F5-4691-837A-ED4FBC327758}" dt="2020-04-15T22:48:48.615" v="3388" actId="26606"/>
           <ac:cxnSpMkLst>
             <pc:docMk/>
             <pc:sldMk cId="519601175" sldId="261"/>
@@ -1353,13 +1411,13 @@
         </pc:cxnChg>
       </pc:sldChg>
       <pc:sldChg chg="addSp delSp modSp add ord">
-        <pc:chgData name="Mohit Roy" userId="47d316e8-f525-442f-91a8-6c2a3c1813ae" providerId="ADAL" clId="{7235A3AA-14F5-4691-837A-ED4FBC327758}" dt="2020-04-11T00:45:07.198" v="1765" actId="20577"/>
+        <pc:chgData name="Mohit Roy" userId="47d316e8-f525-442f-91a8-6c2a3c1813ae" providerId="ADAL" clId="{7235A3AA-14F5-4691-837A-ED4FBC327758}" dt="2020-04-16T00:39:48.477" v="3577" actId="14100"/>
         <pc:sldMkLst>
           <pc:docMk/>
           <pc:sldMk cId="347731989" sldId="265"/>
         </pc:sldMkLst>
         <pc:spChg chg="mod">
-          <ac:chgData name="Mohit Roy" userId="47d316e8-f525-442f-91a8-6c2a3c1813ae" providerId="ADAL" clId="{7235A3AA-14F5-4691-837A-ED4FBC327758}" dt="2020-04-11T00:45:07.198" v="1765" actId="20577"/>
+          <ac:chgData name="Mohit Roy" userId="47d316e8-f525-442f-91a8-6c2a3c1813ae" providerId="ADAL" clId="{7235A3AA-14F5-4691-837A-ED4FBC327758}" dt="2020-04-16T00:39:48.477" v="3577" actId="14100"/>
           <ac:spMkLst>
             <pc:docMk/>
             <pc:sldMk cId="347731989" sldId="265"/>
@@ -1488,13 +1546,13 @@
         </pc:cxnChg>
       </pc:sldChg>
       <pc:sldChg chg="addSp delSp modSp add">
-        <pc:chgData name="Mohit Roy" userId="47d316e8-f525-442f-91a8-6c2a3c1813ae" providerId="ADAL" clId="{7235A3AA-14F5-4691-837A-ED4FBC327758}" dt="2020-04-11T01:03:40.823" v="2164" actId="20577"/>
+        <pc:chgData name="Mohit Roy" userId="47d316e8-f525-442f-91a8-6c2a3c1813ae" providerId="ADAL" clId="{7235A3AA-14F5-4691-837A-ED4FBC327758}" dt="2020-04-16T00:39:34.120" v="3569" actId="14100"/>
         <pc:sldMkLst>
           <pc:docMk/>
           <pc:sldMk cId="3642421691" sldId="266"/>
         </pc:sldMkLst>
         <pc:spChg chg="mod">
-          <ac:chgData name="Mohit Roy" userId="47d316e8-f525-442f-91a8-6c2a3c1813ae" providerId="ADAL" clId="{7235A3AA-14F5-4691-837A-ED4FBC327758}" dt="2020-04-11T01:03:40.823" v="2164" actId="20577"/>
+          <ac:chgData name="Mohit Roy" userId="47d316e8-f525-442f-91a8-6c2a3c1813ae" providerId="ADAL" clId="{7235A3AA-14F5-4691-837A-ED4FBC327758}" dt="2020-04-16T00:39:34.120" v="3569" actId="14100"/>
           <ac:spMkLst>
             <pc:docMk/>
             <pc:sldMk cId="3642421691" sldId="266"/>
@@ -1596,8 +1654,8 @@
           </ac:cxnSpMkLst>
         </pc:cxnChg>
       </pc:sldChg>
-      <pc:sldChg chg="addSp delSp modSp add">
-        <pc:chgData name="Mohit Roy" userId="47d316e8-f525-442f-91a8-6c2a3c1813ae" providerId="ADAL" clId="{7235A3AA-14F5-4691-837A-ED4FBC327758}" dt="2020-04-11T02:55:17.671" v="3382" actId="14100"/>
+      <pc:sldChg chg="addSp delSp modSp add del">
+        <pc:chgData name="Mohit Roy" userId="47d316e8-f525-442f-91a8-6c2a3c1813ae" providerId="ADAL" clId="{7235A3AA-14F5-4691-837A-ED4FBC327758}" dt="2020-04-16T00:36:54.678" v="3490" actId="47"/>
         <pc:sldMkLst>
           <pc:docMk/>
           <pc:sldMk cId="3606752019" sldId="268"/>
@@ -1635,9 +1693,3043 @@
           </ac:picMkLst>
         </pc:picChg>
       </pc:sldChg>
+      <pc:sldChg chg="addSp delSp modSp add">
+        <pc:chgData name="Mohit Roy" userId="47d316e8-f525-442f-91a8-6c2a3c1813ae" providerId="ADAL" clId="{7235A3AA-14F5-4691-837A-ED4FBC327758}" dt="2020-04-16T00:31:15.245" v="3489" actId="33524"/>
+        <pc:sldMkLst>
+          <pc:docMk/>
+          <pc:sldMk cId="1497257817" sldId="269"/>
+        </pc:sldMkLst>
+        <pc:spChg chg="mod">
+          <ac:chgData name="Mohit Roy" userId="47d316e8-f525-442f-91a8-6c2a3c1813ae" providerId="ADAL" clId="{7235A3AA-14F5-4691-837A-ED4FBC327758}" dt="2020-04-16T00:31:15.245" v="3489" actId="33524"/>
+          <ac:spMkLst>
+            <pc:docMk/>
+            <pc:sldMk cId="1497257817" sldId="269"/>
+            <ac:spMk id="3" creationId="{9CAFEBF6-002D-4929-AEAB-02A5EFF74615}"/>
+          </ac:spMkLst>
+        </pc:spChg>
+        <pc:spChg chg="mod">
+          <ac:chgData name="Mohit Roy" userId="47d316e8-f525-442f-91a8-6c2a3c1813ae" providerId="ADAL" clId="{7235A3AA-14F5-4691-837A-ED4FBC327758}" dt="2020-04-16T00:27:34.166" v="3428" actId="14100"/>
+          <ac:spMkLst>
+            <pc:docMk/>
+            <pc:sldMk cId="1497257817" sldId="269"/>
+            <ac:spMk id="8" creationId="{90E4248E-0AB2-4168-82D5-4D95494DEA86}"/>
+          </ac:spMkLst>
+        </pc:spChg>
+        <pc:spChg chg="del">
+          <ac:chgData name="Mohit Roy" userId="47d316e8-f525-442f-91a8-6c2a3c1813ae" providerId="ADAL" clId="{7235A3AA-14F5-4691-837A-ED4FBC327758}" dt="2020-04-16T00:27:04.693" v="3401" actId="26606"/>
+          <ac:spMkLst>
+            <pc:docMk/>
+            <pc:sldMk cId="1497257817" sldId="269"/>
+            <ac:spMk id="29" creationId="{990D0034-F768-41E7-85D4-F38C4DE85770}"/>
+          </ac:spMkLst>
+        </pc:spChg>
+        <pc:spChg chg="del">
+          <ac:chgData name="Mohit Roy" userId="47d316e8-f525-442f-91a8-6c2a3c1813ae" providerId="ADAL" clId="{7235A3AA-14F5-4691-837A-ED4FBC327758}" dt="2020-04-16T00:27:04.693" v="3401" actId="26606"/>
+          <ac:spMkLst>
+            <pc:docMk/>
+            <pc:sldMk cId="1497257817" sldId="269"/>
+            <ac:spMk id="30" creationId="{C4F7E42D-8B5A-4FC8-81CD-9E60171F7FA8}"/>
+          </ac:spMkLst>
+        </pc:spChg>
+        <pc:spChg chg="del">
+          <ac:chgData name="Mohit Roy" userId="47d316e8-f525-442f-91a8-6c2a3c1813ae" providerId="ADAL" clId="{7235A3AA-14F5-4691-837A-ED4FBC327758}" dt="2020-04-16T00:27:04.693" v="3401" actId="26606"/>
+          <ac:spMkLst>
+            <pc:docMk/>
+            <pc:sldMk cId="1497257817" sldId="269"/>
+            <ac:spMk id="31" creationId="{8C04651D-B9F4-4935-A02D-364153FBDF54}"/>
+          </ac:spMkLst>
+        </pc:spChg>
+        <pc:spChg chg="add">
+          <ac:chgData name="Mohit Roy" userId="47d316e8-f525-442f-91a8-6c2a3c1813ae" providerId="ADAL" clId="{7235A3AA-14F5-4691-837A-ED4FBC327758}" dt="2020-04-16T00:27:04.693" v="3401" actId="26606"/>
+          <ac:spMkLst>
+            <pc:docMk/>
+            <pc:sldMk cId="1497257817" sldId="269"/>
+            <ac:spMk id="36" creationId="{990D0034-F768-41E7-85D4-F38C4DE85770}"/>
+          </ac:spMkLst>
+        </pc:spChg>
+        <pc:spChg chg="add">
+          <ac:chgData name="Mohit Roy" userId="47d316e8-f525-442f-91a8-6c2a3c1813ae" providerId="ADAL" clId="{7235A3AA-14F5-4691-837A-ED4FBC327758}" dt="2020-04-16T00:27:04.693" v="3401" actId="26606"/>
+          <ac:spMkLst>
+            <pc:docMk/>
+            <pc:sldMk cId="1497257817" sldId="269"/>
+            <ac:spMk id="38" creationId="{C4F7E42D-8B5A-4FC8-81CD-9E60171F7FA8}"/>
+          </ac:spMkLst>
+        </pc:spChg>
+        <pc:spChg chg="add">
+          <ac:chgData name="Mohit Roy" userId="47d316e8-f525-442f-91a8-6c2a3c1813ae" providerId="ADAL" clId="{7235A3AA-14F5-4691-837A-ED4FBC327758}" dt="2020-04-16T00:27:04.693" v="3401" actId="26606"/>
+          <ac:spMkLst>
+            <pc:docMk/>
+            <pc:sldMk cId="1497257817" sldId="269"/>
+            <ac:spMk id="40" creationId="{8C04651D-B9F4-4935-A02D-364153FBDF54}"/>
+          </ac:spMkLst>
+        </pc:spChg>
+        <pc:picChg chg="add del mod">
+          <ac:chgData name="Mohit Roy" userId="47d316e8-f525-442f-91a8-6c2a3c1813ae" providerId="ADAL" clId="{7235A3AA-14F5-4691-837A-ED4FBC327758}" dt="2020-04-16T00:27:53.658" v="3431" actId="478"/>
+          <ac:picMkLst>
+            <pc:docMk/>
+            <pc:sldMk cId="1497257817" sldId="269"/>
+            <ac:picMk id="2" creationId="{781519A2-9D44-4461-B92E-B845A071C661}"/>
+          </ac:picMkLst>
+        </pc:picChg>
+        <pc:picChg chg="del">
+          <ac:chgData name="Mohit Roy" userId="47d316e8-f525-442f-91a8-6c2a3c1813ae" providerId="ADAL" clId="{7235A3AA-14F5-4691-837A-ED4FBC327758}" dt="2020-04-16T00:26:59.141" v="3398" actId="478"/>
+          <ac:picMkLst>
+            <pc:docMk/>
+            <pc:sldMk cId="1497257817" sldId="269"/>
+            <ac:picMk id="4" creationId="{31F2F6CD-AAC2-4A47-8D65-CC63957CFDD7}"/>
+          </ac:picMkLst>
+        </pc:picChg>
+        <pc:picChg chg="add mod">
+          <ac:chgData name="Mohit Roy" userId="47d316e8-f525-442f-91a8-6c2a3c1813ae" providerId="ADAL" clId="{7235A3AA-14F5-4691-837A-ED4FBC327758}" dt="2020-04-16T00:28:04.373" v="3435" actId="1076"/>
+          <ac:picMkLst>
+            <pc:docMk/>
+            <pc:sldMk cId="1497257817" sldId="269"/>
+            <ac:picMk id="5" creationId="{E64537AC-C6EA-4ABE-948B-3D1F9ABFCF7F}"/>
+          </ac:picMkLst>
+        </pc:picChg>
+      </pc:sldChg>
+      <pc:sldChg chg="addSp delSp modSp add">
+        <pc:chgData name="Mohit Roy" userId="47d316e8-f525-442f-91a8-6c2a3c1813ae" providerId="ADAL" clId="{7235A3AA-14F5-4691-837A-ED4FBC327758}" dt="2020-04-16T00:39:17.969" v="3567" actId="20577"/>
+        <pc:sldMkLst>
+          <pc:docMk/>
+          <pc:sldMk cId="4267199908" sldId="270"/>
+        </pc:sldMkLst>
+        <pc:spChg chg="mod">
+          <ac:chgData name="Mohit Roy" userId="47d316e8-f525-442f-91a8-6c2a3c1813ae" providerId="ADAL" clId="{7235A3AA-14F5-4691-837A-ED4FBC327758}" dt="2020-04-16T00:39:17.969" v="3567" actId="20577"/>
+          <ac:spMkLst>
+            <pc:docMk/>
+            <pc:sldMk cId="4267199908" sldId="270"/>
+            <ac:spMk id="3" creationId="{9CAFEBF6-002D-4929-AEAB-02A5EFF74615}"/>
+          </ac:spMkLst>
+        </pc:spChg>
+        <pc:spChg chg="mod">
+          <ac:chgData name="Mohit Roy" userId="47d316e8-f525-442f-91a8-6c2a3c1813ae" providerId="ADAL" clId="{7235A3AA-14F5-4691-837A-ED4FBC327758}" dt="2020-04-16T00:37:35.609" v="3523" actId="20577"/>
+          <ac:spMkLst>
+            <pc:docMk/>
+            <pc:sldMk cId="4267199908" sldId="270"/>
+            <ac:spMk id="8" creationId="{90E4248E-0AB2-4168-82D5-4D95494DEA86}"/>
+          </ac:spMkLst>
+        </pc:spChg>
+        <pc:spChg chg="del">
+          <ac:chgData name="Mohit Roy" userId="47d316e8-f525-442f-91a8-6c2a3c1813ae" providerId="ADAL" clId="{7235A3AA-14F5-4691-837A-ED4FBC327758}" dt="2020-04-16T00:37:19.102" v="3495" actId="26606"/>
+          <ac:spMkLst>
+            <pc:docMk/>
+            <pc:sldMk cId="4267199908" sldId="270"/>
+            <ac:spMk id="36" creationId="{990D0034-F768-41E7-85D4-F38C4DE85770}"/>
+          </ac:spMkLst>
+        </pc:spChg>
+        <pc:spChg chg="del">
+          <ac:chgData name="Mohit Roy" userId="47d316e8-f525-442f-91a8-6c2a3c1813ae" providerId="ADAL" clId="{7235A3AA-14F5-4691-837A-ED4FBC327758}" dt="2020-04-16T00:37:19.102" v="3495" actId="26606"/>
+          <ac:spMkLst>
+            <pc:docMk/>
+            <pc:sldMk cId="4267199908" sldId="270"/>
+            <ac:spMk id="38" creationId="{C4F7E42D-8B5A-4FC8-81CD-9E60171F7FA8}"/>
+          </ac:spMkLst>
+        </pc:spChg>
+        <pc:spChg chg="del">
+          <ac:chgData name="Mohit Roy" userId="47d316e8-f525-442f-91a8-6c2a3c1813ae" providerId="ADAL" clId="{7235A3AA-14F5-4691-837A-ED4FBC327758}" dt="2020-04-16T00:37:19.102" v="3495" actId="26606"/>
+          <ac:spMkLst>
+            <pc:docMk/>
+            <pc:sldMk cId="4267199908" sldId="270"/>
+            <ac:spMk id="40" creationId="{8C04651D-B9F4-4935-A02D-364153FBDF54}"/>
+          </ac:spMkLst>
+        </pc:spChg>
+        <pc:spChg chg="add">
+          <ac:chgData name="Mohit Roy" userId="47d316e8-f525-442f-91a8-6c2a3c1813ae" providerId="ADAL" clId="{7235A3AA-14F5-4691-837A-ED4FBC327758}" dt="2020-04-16T00:37:19.102" v="3495" actId="26606"/>
+          <ac:spMkLst>
+            <pc:docMk/>
+            <pc:sldMk cId="4267199908" sldId="270"/>
+            <ac:spMk id="45" creationId="{990D0034-F768-41E7-85D4-F38C4DE85770}"/>
+          </ac:spMkLst>
+        </pc:spChg>
+        <pc:spChg chg="add">
+          <ac:chgData name="Mohit Roy" userId="47d316e8-f525-442f-91a8-6c2a3c1813ae" providerId="ADAL" clId="{7235A3AA-14F5-4691-837A-ED4FBC327758}" dt="2020-04-16T00:37:19.102" v="3495" actId="26606"/>
+          <ac:spMkLst>
+            <pc:docMk/>
+            <pc:sldMk cId="4267199908" sldId="270"/>
+            <ac:spMk id="47" creationId="{C4F7E42D-8B5A-4FC8-81CD-9E60171F7FA8}"/>
+          </ac:spMkLst>
+        </pc:spChg>
+        <pc:spChg chg="add">
+          <ac:chgData name="Mohit Roy" userId="47d316e8-f525-442f-91a8-6c2a3c1813ae" providerId="ADAL" clId="{7235A3AA-14F5-4691-837A-ED4FBC327758}" dt="2020-04-16T00:37:19.102" v="3495" actId="26606"/>
+          <ac:spMkLst>
+            <pc:docMk/>
+            <pc:sldMk cId="4267199908" sldId="270"/>
+            <ac:spMk id="49" creationId="{8C04651D-B9F4-4935-A02D-364153FBDF54}"/>
+          </ac:spMkLst>
+        </pc:spChg>
+        <pc:picChg chg="add mod">
+          <ac:chgData name="Mohit Roy" userId="47d316e8-f525-442f-91a8-6c2a3c1813ae" providerId="ADAL" clId="{7235A3AA-14F5-4691-837A-ED4FBC327758}" dt="2020-04-16T00:37:19.102" v="3495" actId="26606"/>
+          <ac:picMkLst>
+            <pc:docMk/>
+            <pc:sldMk cId="4267199908" sldId="270"/>
+            <ac:picMk id="2" creationId="{1B9FFC25-5CAC-488B-8079-320941DD1763}"/>
+          </ac:picMkLst>
+        </pc:picChg>
+        <pc:picChg chg="del">
+          <ac:chgData name="Mohit Roy" userId="47d316e8-f525-442f-91a8-6c2a3c1813ae" providerId="ADAL" clId="{7235A3AA-14F5-4691-837A-ED4FBC327758}" dt="2020-04-16T00:37:14.279" v="3493" actId="478"/>
+          <ac:picMkLst>
+            <pc:docMk/>
+            <pc:sldMk cId="4267199908" sldId="270"/>
+            <ac:picMk id="5" creationId="{E64537AC-C6EA-4ABE-948B-3D1F9ABFCF7F}"/>
+          </ac:picMkLst>
+        </pc:picChg>
+      </pc:sldChg>
+      <pc:sldChg chg="addSp delSp modSp add mod setBg">
+        <pc:chgData name="Mohit Roy" userId="47d316e8-f525-442f-91a8-6c2a3c1813ae" providerId="ADAL" clId="{7235A3AA-14F5-4691-837A-ED4FBC327758}" dt="2020-04-16T00:51:27.237" v="4172" actId="26606"/>
+        <pc:sldMkLst>
+          <pc:docMk/>
+          <pc:sldMk cId="3288825768" sldId="271"/>
+        </pc:sldMkLst>
+        <pc:spChg chg="mod">
+          <ac:chgData name="Mohit Roy" userId="47d316e8-f525-442f-91a8-6c2a3c1813ae" providerId="ADAL" clId="{7235A3AA-14F5-4691-837A-ED4FBC327758}" dt="2020-04-16T00:51:27.237" v="4172" actId="26606"/>
+          <ac:spMkLst>
+            <pc:docMk/>
+            <pc:sldMk cId="3288825768" sldId="271"/>
+            <ac:spMk id="2" creationId="{A1280B7F-B8B4-4A78-A7DC-8B7750EAB7C8}"/>
+          </ac:spMkLst>
+        </pc:spChg>
+        <pc:spChg chg="add del mod">
+          <ac:chgData name="Mohit Roy" userId="47d316e8-f525-442f-91a8-6c2a3c1813ae" providerId="ADAL" clId="{7235A3AA-14F5-4691-837A-ED4FBC327758}" dt="2020-04-16T00:51:27.237" v="4172" actId="26606"/>
+          <ac:spMkLst>
+            <pc:docMk/>
+            <pc:sldMk cId="3288825768" sldId="271"/>
+            <ac:spMk id="3" creationId="{A01C4BAB-42A2-427B-8765-19CF8CCB6A03}"/>
+          </ac:spMkLst>
+        </pc:spChg>
+        <pc:spChg chg="add del">
+          <ac:chgData name="Mohit Roy" userId="47d316e8-f525-442f-91a8-6c2a3c1813ae" providerId="ADAL" clId="{7235A3AA-14F5-4691-837A-ED4FBC327758}" dt="2020-04-16T00:51:27.237" v="4172" actId="26606"/>
+          <ac:spMkLst>
+            <pc:docMk/>
+            <pc:sldMk cId="3288825768" sldId="271"/>
+            <ac:spMk id="10" creationId="{A6B16355-27FB-445B-B646-02AB73637459}"/>
+          </ac:spMkLst>
+        </pc:spChg>
+        <pc:spChg chg="add del">
+          <ac:chgData name="Mohit Roy" userId="47d316e8-f525-442f-91a8-6c2a3c1813ae" providerId="ADAL" clId="{7235A3AA-14F5-4691-837A-ED4FBC327758}" dt="2020-04-16T00:51:27.237" v="4172" actId="26606"/>
+          <ac:spMkLst>
+            <pc:docMk/>
+            <pc:sldMk cId="3288825768" sldId="271"/>
+            <ac:spMk id="14" creationId="{6B3BF2E5-C3AB-441F-A430-491119C56D26}"/>
+          </ac:spMkLst>
+        </pc:spChg>
+        <pc:spChg chg="add del">
+          <ac:chgData name="Mohit Roy" userId="47d316e8-f525-442f-91a8-6c2a3c1813ae" providerId="ADAL" clId="{7235A3AA-14F5-4691-837A-ED4FBC327758}" dt="2020-04-16T00:51:27.237" v="4172" actId="26606"/>
+          <ac:spMkLst>
+            <pc:docMk/>
+            <pc:sldMk cId="3288825768" sldId="271"/>
+            <ac:spMk id="16" creationId="{DD07C90B-B81A-473B-8919-CA924E61FFCF}"/>
+          </ac:spMkLst>
+        </pc:spChg>
+        <pc:graphicFrameChg chg="add del">
+          <ac:chgData name="Mohit Roy" userId="47d316e8-f525-442f-91a8-6c2a3c1813ae" providerId="ADAL" clId="{7235A3AA-14F5-4691-837A-ED4FBC327758}" dt="2020-04-16T00:51:27.237" v="4172" actId="26606"/>
+          <ac:graphicFrameMkLst>
+            <pc:docMk/>
+            <pc:sldMk cId="3288825768" sldId="271"/>
+            <ac:graphicFrameMk id="5" creationId="{E0A1C58A-C70C-4BA9-B7BC-AB94DD8E2947}"/>
+          </ac:graphicFrameMkLst>
+        </pc:graphicFrameChg>
+        <pc:cxnChg chg="add del">
+          <ac:chgData name="Mohit Roy" userId="47d316e8-f525-442f-91a8-6c2a3c1813ae" providerId="ADAL" clId="{7235A3AA-14F5-4691-837A-ED4FBC327758}" dt="2020-04-16T00:51:27.237" v="4172" actId="26606"/>
+          <ac:cxnSpMkLst>
+            <pc:docMk/>
+            <pc:sldMk cId="3288825768" sldId="271"/>
+            <ac:cxnSpMk id="12" creationId="{06DA680F-F6AC-453E-A8BF-C5BDED2851DE}"/>
+          </ac:cxnSpMkLst>
+        </pc:cxnChg>
+      </pc:sldChg>
     </pc:docChg>
   </pc:docChgLst>
 </pc:chgInfo>
+</file>
+
+<file path=ppt/diagrams/colors1.xml><?xml version="1.0" encoding="utf-8"?>
+<dgm:colorsDef xmlns:dgm="http://schemas.openxmlformats.org/drawingml/2006/diagram" xmlns:a="http://schemas.openxmlformats.org/drawingml/2006/main" uniqueId="urn:microsoft.com/office/officeart/2018/5/colors/Iconchunking_neutralbg_colorful1">
+  <dgm:title val=""/>
+  <dgm:desc val=""/>
+  <dgm:catLst>
+    <dgm:cat type="colorful" pri="10100"/>
+  </dgm:catLst>
+  <dgm:styleLbl name="node0">
+    <dgm:fillClrLst meth="repeat">
+      <a:schemeClr val="accent1"/>
+    </dgm:fillClrLst>
+    <dgm:linClrLst meth="repeat">
+      <a:schemeClr val="lt1"/>
+    </dgm:linClrLst>
+    <dgm:effectClrLst/>
+    <dgm:txLinClrLst/>
+    <dgm:txFillClrLst/>
+    <dgm:txEffectClrLst/>
+  </dgm:styleLbl>
+  <dgm:styleLbl name="node1">
+    <dgm:fillClrLst meth="repeat">
+      <a:schemeClr val="accent2"/>
+      <a:schemeClr val="accent3"/>
+      <a:schemeClr val="accent4"/>
+      <a:schemeClr val="accent5"/>
+      <a:schemeClr val="accent6"/>
+    </dgm:fillClrLst>
+    <dgm:linClrLst meth="repeat">
+      <a:schemeClr val="lt1">
+        <a:alpha val="0"/>
+      </a:schemeClr>
+    </dgm:linClrLst>
+    <dgm:effectClrLst/>
+    <dgm:txLinClrLst/>
+    <dgm:txFillClrLst/>
+    <dgm:txEffectClrLst/>
+  </dgm:styleLbl>
+  <dgm:styleLbl name="alignNode1">
+    <dgm:fillClrLst meth="repeat">
+      <a:schemeClr val="accent2"/>
+      <a:schemeClr val="accent3"/>
+      <a:schemeClr val="accent4"/>
+      <a:schemeClr val="accent5"/>
+      <a:schemeClr val="accent6"/>
+    </dgm:fillClrLst>
+    <dgm:linClrLst meth="repeat">
+      <a:schemeClr val="accent2"/>
+      <a:schemeClr val="accent3"/>
+      <a:schemeClr val="accent4"/>
+      <a:schemeClr val="accent5"/>
+      <a:schemeClr val="accent6"/>
+    </dgm:linClrLst>
+    <dgm:effectClrLst/>
+    <dgm:txLinClrLst/>
+    <dgm:txFillClrLst/>
+    <dgm:txEffectClrLst/>
+  </dgm:styleLbl>
+  <dgm:styleLbl name="lnNode1">
+    <dgm:fillClrLst meth="repeat">
+      <a:schemeClr val="accent2"/>
+      <a:schemeClr val="accent3"/>
+      <a:schemeClr val="accent4"/>
+      <a:schemeClr val="accent5"/>
+      <a:schemeClr val="accent6"/>
+    </dgm:fillClrLst>
+    <dgm:linClrLst meth="repeat">
+      <a:schemeClr val="lt1"/>
+    </dgm:linClrLst>
+    <dgm:effectClrLst/>
+    <dgm:txLinClrLst/>
+    <dgm:txFillClrLst/>
+    <dgm:txEffectClrLst/>
+  </dgm:styleLbl>
+  <dgm:styleLbl name="vennNode1">
+    <dgm:fillClrLst meth="repeat">
+      <a:schemeClr val="accent2">
+        <a:alpha val="50000"/>
+      </a:schemeClr>
+      <a:schemeClr val="accent3">
+        <a:alpha val="50000"/>
+      </a:schemeClr>
+      <a:schemeClr val="accent4">
+        <a:alpha val="50000"/>
+      </a:schemeClr>
+      <a:schemeClr val="accent5">
+        <a:alpha val="50000"/>
+      </a:schemeClr>
+      <a:schemeClr val="accent6">
+        <a:alpha val="50000"/>
+      </a:schemeClr>
+    </dgm:fillClrLst>
+    <dgm:linClrLst meth="repeat">
+      <a:schemeClr val="lt1"/>
+    </dgm:linClrLst>
+    <dgm:effectClrLst/>
+    <dgm:txLinClrLst/>
+    <dgm:txFillClrLst/>
+    <dgm:txEffectClrLst/>
+  </dgm:styleLbl>
+  <dgm:styleLbl name="node2">
+    <dgm:fillClrLst>
+      <a:schemeClr val="accent2"/>
+    </dgm:fillClrLst>
+    <dgm:linClrLst meth="repeat">
+      <a:schemeClr val="lt1"/>
+    </dgm:linClrLst>
+    <dgm:effectClrLst/>
+    <dgm:txLinClrLst/>
+    <dgm:txFillClrLst/>
+    <dgm:txEffectClrLst/>
+  </dgm:styleLbl>
+  <dgm:styleLbl name="node3">
+    <dgm:fillClrLst>
+      <a:schemeClr val="accent3"/>
+    </dgm:fillClrLst>
+    <dgm:linClrLst meth="repeat">
+      <a:schemeClr val="lt1"/>
+    </dgm:linClrLst>
+    <dgm:effectClrLst/>
+    <dgm:txLinClrLst/>
+    <dgm:txFillClrLst/>
+    <dgm:txEffectClrLst/>
+  </dgm:styleLbl>
+  <dgm:styleLbl name="node4">
+    <dgm:fillClrLst>
+      <a:schemeClr val="accent4"/>
+    </dgm:fillClrLst>
+    <dgm:linClrLst meth="repeat">
+      <a:schemeClr val="lt1"/>
+    </dgm:linClrLst>
+    <dgm:effectClrLst/>
+    <dgm:txLinClrLst/>
+    <dgm:txFillClrLst/>
+    <dgm:txEffectClrLst/>
+  </dgm:styleLbl>
+  <dgm:styleLbl name="fgImgPlace1">
+    <dgm:fillClrLst meth="repeat">
+      <a:schemeClr val="accent2">
+        <a:tint val="50000"/>
+      </a:schemeClr>
+      <a:schemeClr val="accent3">
+        <a:tint val="50000"/>
+      </a:schemeClr>
+      <a:schemeClr val="accent4">
+        <a:tint val="50000"/>
+      </a:schemeClr>
+      <a:schemeClr val="accent5">
+        <a:tint val="50000"/>
+      </a:schemeClr>
+      <a:schemeClr val="accent6">
+        <a:tint val="50000"/>
+      </a:schemeClr>
+    </dgm:fillClrLst>
+    <dgm:linClrLst meth="repeat">
+      <a:schemeClr val="lt1"/>
+    </dgm:linClrLst>
+    <dgm:effectClrLst/>
+    <dgm:txLinClrLst/>
+    <dgm:txFillClrLst meth="repeat">
+      <a:schemeClr val="lt1"/>
+    </dgm:txFillClrLst>
+    <dgm:txEffectClrLst/>
+  </dgm:styleLbl>
+  <dgm:styleLbl name="alignImgPlace1">
+    <dgm:fillClrLst>
+      <a:schemeClr val="accent1">
+        <a:tint val="50000"/>
+      </a:schemeClr>
+      <a:schemeClr val="accent2">
+        <a:tint val="20000"/>
+      </a:schemeClr>
+    </dgm:fillClrLst>
+    <dgm:linClrLst meth="repeat">
+      <a:schemeClr val="lt1"/>
+    </dgm:linClrLst>
+    <dgm:effectClrLst/>
+    <dgm:txLinClrLst/>
+    <dgm:txFillClrLst meth="repeat">
+      <a:schemeClr val="lt1"/>
+    </dgm:txFillClrLst>
+    <dgm:txEffectClrLst/>
+  </dgm:styleLbl>
+  <dgm:styleLbl name="bgImgPlace1">
+    <dgm:fillClrLst>
+      <a:schemeClr val="accent1">
+        <a:tint val="50000"/>
+      </a:schemeClr>
+      <a:schemeClr val="accent2">
+        <a:tint val="20000"/>
+      </a:schemeClr>
+    </dgm:fillClrLst>
+    <dgm:linClrLst meth="repeat">
+      <a:schemeClr val="lt1"/>
+    </dgm:linClrLst>
+    <dgm:effectClrLst/>
+    <dgm:txLinClrLst/>
+    <dgm:txFillClrLst meth="repeat">
+      <a:schemeClr val="lt1"/>
+    </dgm:txFillClrLst>
+    <dgm:txEffectClrLst/>
+  </dgm:styleLbl>
+  <dgm:styleLbl name="sibTrans2D1">
+    <dgm:fillClrLst meth="repeat">
+      <a:schemeClr val="accent2"/>
+      <a:schemeClr val="accent3"/>
+      <a:schemeClr val="accent4"/>
+      <a:schemeClr val="accent5"/>
+      <a:schemeClr val="accent6"/>
+    </dgm:fillClrLst>
+    <dgm:linClrLst meth="cycle">
+      <a:schemeClr val="lt1"/>
+    </dgm:linClrLst>
+    <dgm:effectClrLst/>
+    <dgm:txLinClrLst/>
+    <dgm:txFillClrLst/>
+    <dgm:txEffectClrLst/>
+  </dgm:styleLbl>
+  <dgm:styleLbl name="fgSibTrans2D1">
+    <dgm:fillClrLst meth="repeat">
+      <a:schemeClr val="accent2"/>
+      <a:schemeClr val="accent3"/>
+      <a:schemeClr val="accent4"/>
+      <a:schemeClr val="accent5"/>
+      <a:schemeClr val="accent6"/>
+    </dgm:fillClrLst>
+    <dgm:linClrLst meth="cycle">
+      <a:schemeClr val="lt1"/>
+    </dgm:linClrLst>
+    <dgm:effectClrLst/>
+    <dgm:txLinClrLst/>
+    <dgm:txFillClrLst meth="repeat">
+      <a:schemeClr val="lt1"/>
+    </dgm:txFillClrLst>
+    <dgm:txEffectClrLst/>
+  </dgm:styleLbl>
+  <dgm:styleLbl name="bgSibTrans2D1">
+    <dgm:fillClrLst meth="repeat">
+      <a:schemeClr val="accent2"/>
+      <a:schemeClr val="accent3"/>
+      <a:schemeClr val="accent4"/>
+      <a:schemeClr val="accent5"/>
+      <a:schemeClr val="accent6"/>
+    </dgm:fillClrLst>
+    <dgm:linClrLst meth="cycle">
+      <a:schemeClr val="lt1"/>
+    </dgm:linClrLst>
+    <dgm:effectClrLst/>
+    <dgm:txLinClrLst/>
+    <dgm:txFillClrLst meth="repeat">
+      <a:schemeClr val="lt1"/>
+    </dgm:txFillClrLst>
+    <dgm:txEffectClrLst/>
+  </dgm:styleLbl>
+  <dgm:styleLbl name="sibTrans1D1">
+    <dgm:fillClrLst meth="repeat">
+      <a:schemeClr val="accent2"/>
+      <a:schemeClr val="accent3"/>
+      <a:schemeClr val="accent4"/>
+      <a:schemeClr val="accent5"/>
+      <a:schemeClr val="accent6"/>
+    </dgm:fillClrLst>
+    <dgm:linClrLst meth="repeat">
+      <a:schemeClr val="accent2"/>
+      <a:schemeClr val="accent3"/>
+      <a:schemeClr val="accent4"/>
+      <a:schemeClr val="accent5"/>
+      <a:schemeClr val="accent6"/>
+    </dgm:linClrLst>
+    <dgm:effectClrLst/>
+    <dgm:txLinClrLst/>
+    <dgm:txFillClrLst meth="repeat">
+      <a:schemeClr val="tx1"/>
+    </dgm:txFillClrLst>
+    <dgm:txEffectClrLst/>
+  </dgm:styleLbl>
+  <dgm:styleLbl name="callout">
+    <dgm:fillClrLst meth="repeat">
+      <a:schemeClr val="accent2"/>
+    </dgm:fillClrLst>
+    <dgm:linClrLst meth="repeat">
+      <a:schemeClr val="accent2">
+        <a:tint val="50000"/>
+      </a:schemeClr>
+    </dgm:linClrLst>
+    <dgm:effectClrLst/>
+    <dgm:txLinClrLst/>
+    <dgm:txFillClrLst meth="repeat">
+      <a:schemeClr val="tx1"/>
+    </dgm:txFillClrLst>
+    <dgm:txEffectClrLst/>
+  </dgm:styleLbl>
+  <dgm:styleLbl name="asst0">
+    <dgm:fillClrLst meth="repeat">
+      <a:schemeClr val="accent1"/>
+    </dgm:fillClrLst>
+    <dgm:linClrLst meth="repeat">
+      <a:schemeClr val="lt1"/>
+    </dgm:linClrLst>
+    <dgm:effectClrLst/>
+    <dgm:txLinClrLst/>
+    <dgm:txFillClrLst/>
+    <dgm:txEffectClrLst/>
+  </dgm:styleLbl>
+  <dgm:styleLbl name="asst1">
+    <dgm:fillClrLst meth="repeat">
+      <a:schemeClr val="accent2"/>
+    </dgm:fillClrLst>
+    <dgm:linClrLst meth="repeat">
+      <a:schemeClr val="lt1"/>
+    </dgm:linClrLst>
+    <dgm:effectClrLst/>
+    <dgm:txLinClrLst/>
+    <dgm:txFillClrLst/>
+    <dgm:txEffectClrLst/>
+  </dgm:styleLbl>
+  <dgm:styleLbl name="asst2">
+    <dgm:fillClrLst>
+      <a:schemeClr val="accent3"/>
+    </dgm:fillClrLst>
+    <dgm:linClrLst meth="repeat">
+      <a:schemeClr val="lt1"/>
+    </dgm:linClrLst>
+    <dgm:effectClrLst/>
+    <dgm:txLinClrLst/>
+    <dgm:txFillClrLst/>
+    <dgm:txEffectClrLst/>
+  </dgm:styleLbl>
+  <dgm:styleLbl name="asst3">
+    <dgm:fillClrLst>
+      <a:schemeClr val="accent4"/>
+    </dgm:fillClrLst>
+    <dgm:linClrLst meth="repeat">
+      <a:schemeClr val="lt1"/>
+    </dgm:linClrLst>
+    <dgm:effectClrLst/>
+    <dgm:txLinClrLst/>
+    <dgm:txFillClrLst/>
+    <dgm:txEffectClrLst/>
+  </dgm:styleLbl>
+  <dgm:styleLbl name="asst4">
+    <dgm:fillClrLst>
+      <a:schemeClr val="accent5"/>
+    </dgm:fillClrLst>
+    <dgm:linClrLst meth="repeat">
+      <a:schemeClr val="lt1"/>
+    </dgm:linClrLst>
+    <dgm:effectClrLst/>
+    <dgm:txLinClrLst/>
+    <dgm:txFillClrLst/>
+    <dgm:txEffectClrLst/>
+  </dgm:styleLbl>
+  <dgm:styleLbl name="parChTrans2D1">
+    <dgm:fillClrLst meth="repeat">
+      <a:schemeClr val="accent2"/>
+    </dgm:fillClrLst>
+    <dgm:linClrLst meth="repeat">
+      <a:schemeClr val="lt1"/>
+    </dgm:linClrLst>
+    <dgm:effectClrLst/>
+    <dgm:txLinClrLst/>
+    <dgm:txFillClrLst meth="repeat">
+      <a:schemeClr val="lt1"/>
+    </dgm:txFillClrLst>
+    <dgm:txEffectClrLst/>
+  </dgm:styleLbl>
+  <dgm:styleLbl name="parChTrans2D2">
+    <dgm:fillClrLst meth="repeat">
+      <a:schemeClr val="accent3"/>
+    </dgm:fillClrLst>
+    <dgm:linClrLst meth="repeat">
+      <a:schemeClr val="lt1"/>
+    </dgm:linClrLst>
+    <dgm:effectClrLst/>
+    <dgm:txLinClrLst/>
+    <dgm:txFillClrLst/>
+    <dgm:txEffectClrLst/>
+  </dgm:styleLbl>
+  <dgm:styleLbl name="parChTrans2D3">
+    <dgm:fillClrLst meth="repeat">
+      <a:schemeClr val="accent4"/>
+    </dgm:fillClrLst>
+    <dgm:linClrLst meth="repeat">
+      <a:schemeClr val="lt1"/>
+    </dgm:linClrLst>
+    <dgm:effectClrLst/>
+    <dgm:txLinClrLst/>
+    <dgm:txFillClrLst/>
+    <dgm:txEffectClrLst/>
+  </dgm:styleLbl>
+  <dgm:styleLbl name="parChTrans2D4">
+    <dgm:fillClrLst meth="repeat">
+      <a:schemeClr val="accent5"/>
+    </dgm:fillClrLst>
+    <dgm:linClrLst meth="repeat">
+      <a:schemeClr val="lt1"/>
+    </dgm:linClrLst>
+    <dgm:effectClrLst/>
+    <dgm:txLinClrLst/>
+    <dgm:txFillClrLst meth="repeat">
+      <a:schemeClr val="lt1"/>
+    </dgm:txFillClrLst>
+    <dgm:txEffectClrLst/>
+  </dgm:styleLbl>
+  <dgm:styleLbl name="parChTrans1D1">
+    <dgm:fillClrLst meth="repeat">
+      <a:schemeClr val="accent2"/>
+    </dgm:fillClrLst>
+    <dgm:linClrLst meth="repeat">
+      <a:schemeClr val="accent1"/>
+    </dgm:linClrLst>
+    <dgm:effectClrLst/>
+    <dgm:txLinClrLst/>
+    <dgm:txFillClrLst meth="repeat">
+      <a:schemeClr val="tx1"/>
+    </dgm:txFillClrLst>
+    <dgm:txEffectClrLst/>
+  </dgm:styleLbl>
+  <dgm:styleLbl name="parChTrans1D2">
+    <dgm:fillClrLst meth="repeat">
+      <a:schemeClr val="accent3">
+        <a:tint val="90000"/>
+      </a:schemeClr>
+    </dgm:fillClrLst>
+    <dgm:linClrLst meth="repeat">
+      <a:schemeClr val="accent2"/>
+    </dgm:linClrLst>
+    <dgm:effectClrLst/>
+    <dgm:txLinClrLst/>
+    <dgm:txFillClrLst meth="repeat">
+      <a:schemeClr val="tx1"/>
+    </dgm:txFillClrLst>
+    <dgm:txEffectClrLst/>
+  </dgm:styleLbl>
+  <dgm:styleLbl name="parChTrans1D3">
+    <dgm:fillClrLst meth="repeat">
+      <a:schemeClr val="accent4">
+        <a:tint val="70000"/>
+      </a:schemeClr>
+    </dgm:fillClrLst>
+    <dgm:linClrLst meth="repeat">
+      <a:schemeClr val="accent3"/>
+    </dgm:linClrLst>
+    <dgm:effectClrLst/>
+    <dgm:txLinClrLst/>
+    <dgm:txFillClrLst meth="repeat">
+      <a:schemeClr val="tx1"/>
+    </dgm:txFillClrLst>
+    <dgm:txEffectClrLst/>
+  </dgm:styleLbl>
+  <dgm:styleLbl name="parChTrans1D4">
+    <dgm:fillClrLst meth="repeat">
+      <a:schemeClr val="accent5">
+        <a:tint val="50000"/>
+      </a:schemeClr>
+    </dgm:fillClrLst>
+    <dgm:linClrLst meth="repeat">
+      <a:schemeClr val="accent4"/>
+    </dgm:linClrLst>
+    <dgm:effectClrLst/>
+    <dgm:txLinClrLst/>
+    <dgm:txFillClrLst meth="repeat">
+      <a:schemeClr val="tx1"/>
+    </dgm:txFillClrLst>
+    <dgm:txEffectClrLst/>
+  </dgm:styleLbl>
+  <dgm:styleLbl name="fgAcc1">
+    <dgm:fillClrLst meth="repeat">
+      <a:schemeClr val="lt1">
+        <a:alpha val="90000"/>
+      </a:schemeClr>
+    </dgm:fillClrLst>
+    <dgm:linClrLst meth="repeat">
+      <a:schemeClr val="accent2"/>
+      <a:schemeClr val="accent3"/>
+      <a:schemeClr val="accent4"/>
+      <a:schemeClr val="accent5"/>
+      <a:schemeClr val="accent6"/>
+    </dgm:linClrLst>
+    <dgm:effectClrLst/>
+    <dgm:txLinClrLst/>
+    <dgm:txFillClrLst meth="repeat">
+      <a:schemeClr val="dk1"/>
+    </dgm:txFillClrLst>
+    <dgm:txEffectClrLst/>
+  </dgm:styleLbl>
+  <dgm:styleLbl name="conFgAcc1">
+    <dgm:fillClrLst meth="repeat">
+      <a:schemeClr val="lt1">
+        <a:alpha val="90000"/>
+      </a:schemeClr>
+    </dgm:fillClrLst>
+    <dgm:linClrLst meth="repeat">
+      <a:schemeClr val="accent2"/>
+      <a:schemeClr val="accent3"/>
+      <a:schemeClr val="accent4"/>
+      <a:schemeClr val="accent5"/>
+      <a:schemeClr val="accent6"/>
+    </dgm:linClrLst>
+    <dgm:effectClrLst/>
+    <dgm:txLinClrLst/>
+    <dgm:txFillClrLst meth="repeat">
+      <a:schemeClr val="dk1"/>
+    </dgm:txFillClrLst>
+    <dgm:txEffectClrLst/>
+  </dgm:styleLbl>
+  <dgm:styleLbl name="alignAcc1">
+    <dgm:fillClrLst meth="repeat">
+      <a:schemeClr val="lt1">
+        <a:alpha val="90000"/>
+      </a:schemeClr>
+    </dgm:fillClrLst>
+    <dgm:linClrLst meth="repeat">
+      <a:schemeClr val="accent2"/>
+      <a:schemeClr val="accent3"/>
+      <a:schemeClr val="accent4"/>
+      <a:schemeClr val="accent5"/>
+      <a:schemeClr val="accent6"/>
+    </dgm:linClrLst>
+    <dgm:effectClrLst/>
+    <dgm:txLinClrLst/>
+    <dgm:txFillClrLst meth="repeat">
+      <a:schemeClr val="dk1"/>
+    </dgm:txFillClrLst>
+    <dgm:txEffectClrLst/>
+  </dgm:styleLbl>
+  <dgm:styleLbl name="trAlignAcc1">
+    <dgm:fillClrLst meth="repeat">
+      <a:schemeClr val="lt1">
+        <a:alpha val="40000"/>
+      </a:schemeClr>
+    </dgm:fillClrLst>
+    <dgm:linClrLst meth="repeat">
+      <a:schemeClr val="accent1"/>
+    </dgm:linClrLst>
+    <dgm:effectClrLst/>
+    <dgm:txLinClrLst/>
+    <dgm:txFillClrLst meth="repeat">
+      <a:schemeClr val="dk1"/>
+    </dgm:txFillClrLst>
+    <dgm:txEffectClrLst/>
+  </dgm:styleLbl>
+  <dgm:styleLbl name="bgAcc1">
+    <dgm:fillClrLst meth="repeat">
+      <a:schemeClr val="lt1">
+        <a:alpha val="90000"/>
+      </a:schemeClr>
+    </dgm:fillClrLst>
+    <dgm:linClrLst meth="repeat">
+      <a:schemeClr val="accent2"/>
+      <a:schemeClr val="accent3"/>
+      <a:schemeClr val="accent4"/>
+      <a:schemeClr val="accent5"/>
+      <a:schemeClr val="accent6"/>
+    </dgm:linClrLst>
+    <dgm:effectClrLst/>
+    <dgm:txLinClrLst/>
+    <dgm:txFillClrLst meth="repeat">
+      <a:schemeClr val="dk1"/>
+    </dgm:txFillClrLst>
+    <dgm:txEffectClrLst/>
+  </dgm:styleLbl>
+  <dgm:styleLbl name="solidFgAcc1">
+    <dgm:fillClrLst meth="repeat">
+      <a:schemeClr val="lt1"/>
+    </dgm:fillClrLst>
+    <dgm:linClrLst meth="repeat">
+      <a:schemeClr val="accent2"/>
+      <a:schemeClr val="accent3"/>
+      <a:schemeClr val="accent4"/>
+      <a:schemeClr val="accent5"/>
+      <a:schemeClr val="accent6"/>
+    </dgm:linClrLst>
+    <dgm:effectClrLst/>
+    <dgm:txLinClrLst/>
+    <dgm:txFillClrLst meth="repeat">
+      <a:schemeClr val="dk1"/>
+    </dgm:txFillClrLst>
+    <dgm:txEffectClrLst/>
+  </dgm:styleLbl>
+  <dgm:styleLbl name="solidAlignAcc1">
+    <dgm:fillClrLst meth="repeat">
+      <a:schemeClr val="lt1"/>
+    </dgm:fillClrLst>
+    <dgm:linClrLst meth="repeat">
+      <a:schemeClr val="accent2"/>
+      <a:schemeClr val="accent3"/>
+      <a:schemeClr val="accent4"/>
+      <a:schemeClr val="accent5"/>
+      <a:schemeClr val="accent6"/>
+    </dgm:linClrLst>
+    <dgm:effectClrLst/>
+    <dgm:txLinClrLst/>
+    <dgm:txFillClrLst meth="repeat">
+      <a:schemeClr val="dk1"/>
+    </dgm:txFillClrLst>
+    <dgm:txEffectClrLst/>
+  </dgm:styleLbl>
+  <dgm:styleLbl name="solidBgAcc1">
+    <dgm:fillClrLst meth="repeat">
+      <a:schemeClr val="lt1"/>
+    </dgm:fillClrLst>
+    <dgm:linClrLst meth="repeat">
+      <a:schemeClr val="accent2"/>
+      <a:schemeClr val="accent3"/>
+      <a:schemeClr val="accent4"/>
+      <a:schemeClr val="accent5"/>
+      <a:schemeClr val="accent6"/>
+    </dgm:linClrLst>
+    <dgm:effectClrLst/>
+    <dgm:txLinClrLst/>
+    <dgm:txFillClrLst meth="repeat">
+      <a:schemeClr val="dk1"/>
+    </dgm:txFillClrLst>
+    <dgm:txEffectClrLst/>
+  </dgm:styleLbl>
+  <dgm:styleLbl name="fgAccFollowNode1">
+    <dgm:fillClrLst meth="repeat">
+      <a:schemeClr val="accent2">
+        <a:tint val="40000"/>
+        <a:alpha val="90000"/>
+      </a:schemeClr>
+      <a:schemeClr val="accent3">
+        <a:tint val="40000"/>
+        <a:alpha val="90000"/>
+      </a:schemeClr>
+      <a:schemeClr val="accent4">
+        <a:tint val="40000"/>
+        <a:alpha val="90000"/>
+      </a:schemeClr>
+      <a:schemeClr val="accent5">
+        <a:tint val="40000"/>
+        <a:alpha val="90000"/>
+      </a:schemeClr>
+      <a:schemeClr val="accent6">
+        <a:tint val="40000"/>
+        <a:alpha val="90000"/>
+      </a:schemeClr>
+    </dgm:fillClrLst>
+    <dgm:linClrLst meth="repeat">
+      <a:schemeClr val="accent2">
+        <a:tint val="40000"/>
+        <a:alpha val="90000"/>
+      </a:schemeClr>
+      <a:schemeClr val="accent3">
+        <a:tint val="40000"/>
+        <a:alpha val="90000"/>
+      </a:schemeClr>
+      <a:schemeClr val="accent4">
+        <a:tint val="40000"/>
+        <a:alpha val="90000"/>
+      </a:schemeClr>
+      <a:schemeClr val="accent5">
+        <a:tint val="40000"/>
+        <a:alpha val="90000"/>
+      </a:schemeClr>
+      <a:schemeClr val="accent6">
+        <a:tint val="40000"/>
+        <a:alpha val="90000"/>
+      </a:schemeClr>
+    </dgm:linClrLst>
+    <dgm:effectClrLst/>
+    <dgm:txLinClrLst/>
+    <dgm:txFillClrLst meth="repeat">
+      <a:schemeClr val="dk1"/>
+    </dgm:txFillClrLst>
+    <dgm:txEffectClrLst/>
+  </dgm:styleLbl>
+  <dgm:styleLbl name="alignAccFollowNode1">
+    <dgm:fillClrLst meth="repeat">
+      <a:schemeClr val="accent2">
+        <a:tint val="40000"/>
+        <a:alpha val="90000"/>
+      </a:schemeClr>
+      <a:schemeClr val="accent3">
+        <a:tint val="40000"/>
+        <a:alpha val="90000"/>
+      </a:schemeClr>
+      <a:schemeClr val="accent4">
+        <a:tint val="40000"/>
+        <a:alpha val="90000"/>
+      </a:schemeClr>
+      <a:schemeClr val="accent5">
+        <a:tint val="40000"/>
+        <a:alpha val="90000"/>
+      </a:schemeClr>
+      <a:schemeClr val="accent6">
+        <a:tint val="40000"/>
+        <a:alpha val="90000"/>
+      </a:schemeClr>
+    </dgm:fillClrLst>
+    <dgm:linClrLst meth="repeat">
+      <a:schemeClr val="accent2">
+        <a:tint val="40000"/>
+        <a:alpha val="90000"/>
+      </a:schemeClr>
+      <a:schemeClr val="accent3">
+        <a:tint val="40000"/>
+        <a:alpha val="90000"/>
+      </a:schemeClr>
+      <a:schemeClr val="accent4">
+        <a:tint val="40000"/>
+        <a:alpha val="90000"/>
+      </a:schemeClr>
+      <a:schemeClr val="accent5">
+        <a:tint val="40000"/>
+        <a:alpha val="90000"/>
+      </a:schemeClr>
+      <a:schemeClr val="accent6">
+        <a:tint val="40000"/>
+        <a:alpha val="90000"/>
+      </a:schemeClr>
+    </dgm:linClrLst>
+    <dgm:effectClrLst/>
+    <dgm:txLinClrLst/>
+    <dgm:txFillClrLst meth="repeat">
+      <a:schemeClr val="dk1"/>
+    </dgm:txFillClrLst>
+    <dgm:txEffectClrLst/>
+  </dgm:styleLbl>
+  <dgm:styleLbl name="bgAccFollowNode1">
+    <dgm:fillClrLst meth="repeat">
+      <a:schemeClr val="accent2">
+        <a:tint val="40000"/>
+        <a:alpha val="90000"/>
+      </a:schemeClr>
+      <a:schemeClr val="accent3">
+        <a:tint val="40000"/>
+        <a:alpha val="90000"/>
+      </a:schemeClr>
+      <a:schemeClr val="accent4">
+        <a:tint val="40000"/>
+        <a:alpha val="90000"/>
+      </a:schemeClr>
+      <a:schemeClr val="accent5">
+        <a:tint val="40000"/>
+        <a:alpha val="90000"/>
+      </a:schemeClr>
+      <a:schemeClr val="accent6">
+        <a:tint val="40000"/>
+        <a:alpha val="90000"/>
+      </a:schemeClr>
+    </dgm:fillClrLst>
+    <dgm:linClrLst meth="repeat">
+      <a:schemeClr val="accent2">
+        <a:tint val="40000"/>
+        <a:alpha val="90000"/>
+      </a:schemeClr>
+      <a:schemeClr val="accent3">
+        <a:tint val="40000"/>
+        <a:alpha val="90000"/>
+      </a:schemeClr>
+      <a:schemeClr val="accent4">
+        <a:tint val="40000"/>
+        <a:alpha val="90000"/>
+      </a:schemeClr>
+      <a:schemeClr val="accent5">
+        <a:tint val="40000"/>
+        <a:alpha val="90000"/>
+      </a:schemeClr>
+      <a:schemeClr val="accent6">
+        <a:tint val="40000"/>
+        <a:alpha val="90000"/>
+      </a:schemeClr>
+    </dgm:linClrLst>
+    <dgm:effectClrLst/>
+    <dgm:txLinClrLst/>
+    <dgm:txFillClrLst meth="repeat">
+      <a:schemeClr val="dk1"/>
+    </dgm:txFillClrLst>
+    <dgm:txEffectClrLst/>
+  </dgm:styleLbl>
+  <dgm:styleLbl name="fgAcc0">
+    <dgm:fillClrLst meth="repeat">
+      <a:schemeClr val="lt1">
+        <a:alpha val="90000"/>
+      </a:schemeClr>
+    </dgm:fillClrLst>
+    <dgm:linClrLst>
+      <a:schemeClr val="accent1"/>
+    </dgm:linClrLst>
+    <dgm:effectClrLst/>
+    <dgm:txLinClrLst/>
+    <dgm:txFillClrLst meth="repeat">
+      <a:schemeClr val="dk1"/>
+    </dgm:txFillClrLst>
+    <dgm:txEffectClrLst/>
+  </dgm:styleLbl>
+  <dgm:styleLbl name="fgAcc2">
+    <dgm:fillClrLst meth="repeat">
+      <a:schemeClr val="lt1">
+        <a:alpha val="90000"/>
+      </a:schemeClr>
+    </dgm:fillClrLst>
+    <dgm:linClrLst>
+      <a:schemeClr val="accent2"/>
+    </dgm:linClrLst>
+    <dgm:effectClrLst/>
+    <dgm:txLinClrLst/>
+    <dgm:txFillClrLst meth="repeat">
+      <a:schemeClr val="dk1"/>
+    </dgm:txFillClrLst>
+    <dgm:txEffectClrLst/>
+  </dgm:styleLbl>
+  <dgm:styleLbl name="fgAcc3">
+    <dgm:fillClrLst meth="repeat">
+      <a:schemeClr val="lt1">
+        <a:alpha val="90000"/>
+      </a:schemeClr>
+    </dgm:fillClrLst>
+    <dgm:linClrLst>
+      <a:schemeClr val="accent3"/>
+    </dgm:linClrLst>
+    <dgm:effectClrLst/>
+    <dgm:txLinClrLst/>
+    <dgm:txFillClrLst meth="repeat">
+      <a:schemeClr val="dk1"/>
+    </dgm:txFillClrLst>
+    <dgm:txEffectClrLst/>
+  </dgm:styleLbl>
+  <dgm:styleLbl name="fgAcc4">
+    <dgm:fillClrLst meth="repeat">
+      <a:schemeClr val="lt1">
+        <a:alpha val="90000"/>
+      </a:schemeClr>
+    </dgm:fillClrLst>
+    <dgm:linClrLst>
+      <a:schemeClr val="accent4"/>
+    </dgm:linClrLst>
+    <dgm:effectClrLst/>
+    <dgm:txLinClrLst/>
+    <dgm:txFillClrLst meth="repeat">
+      <a:schemeClr val="dk1"/>
+    </dgm:txFillClrLst>
+    <dgm:txEffectClrLst/>
+  </dgm:styleLbl>
+  <dgm:styleLbl name="bgShp">
+    <dgm:fillClrLst meth="repeat">
+      <a:schemeClr val="bg1">
+        <a:lumMod val="95000"/>
+      </a:schemeClr>
+    </dgm:fillClrLst>
+    <dgm:linClrLst meth="repeat">
+      <a:schemeClr val="dk1"/>
+    </dgm:linClrLst>
+    <dgm:effectClrLst/>
+    <dgm:txLinClrLst/>
+    <dgm:txFillClrLst meth="repeat">
+      <a:schemeClr val="dk1"/>
+    </dgm:txFillClrLst>
+    <dgm:txEffectClrLst/>
+  </dgm:styleLbl>
+  <dgm:styleLbl name="dkBgShp">
+    <dgm:fillClrLst meth="repeat">
+      <a:schemeClr val="accent2">
+        <a:shade val="90000"/>
+      </a:schemeClr>
+    </dgm:fillClrLst>
+    <dgm:linClrLst meth="repeat">
+      <a:schemeClr val="dk1"/>
+    </dgm:linClrLst>
+    <dgm:effectClrLst/>
+    <dgm:txLinClrLst/>
+    <dgm:txFillClrLst meth="repeat">
+      <a:schemeClr val="lt1"/>
+    </dgm:txFillClrLst>
+    <dgm:txEffectClrLst/>
+  </dgm:styleLbl>
+  <dgm:styleLbl name="trBgShp">
+    <dgm:fillClrLst meth="repeat">
+      <a:schemeClr val="accent1">
+        <a:tint val="50000"/>
+        <a:alpha val="40000"/>
+      </a:schemeClr>
+    </dgm:fillClrLst>
+    <dgm:linClrLst meth="repeat">
+      <a:schemeClr val="accent2"/>
+    </dgm:linClrLst>
+    <dgm:effectClrLst/>
+    <dgm:txLinClrLst/>
+    <dgm:txFillClrLst meth="repeat">
+      <a:schemeClr val="lt1"/>
+    </dgm:txFillClrLst>
+    <dgm:txEffectClrLst/>
+  </dgm:styleLbl>
+  <dgm:styleLbl name="fgShp">
+    <dgm:fillClrLst meth="repeat">
+      <a:schemeClr val="accent2">
+        <a:tint val="40000"/>
+      </a:schemeClr>
+    </dgm:fillClrLst>
+    <dgm:linClrLst meth="repeat">
+      <a:schemeClr val="lt1"/>
+    </dgm:linClrLst>
+    <dgm:effectClrLst/>
+    <dgm:txLinClrLst/>
+    <dgm:txFillClrLst meth="repeat">
+      <a:schemeClr val="dk1"/>
+    </dgm:txFillClrLst>
+    <dgm:txEffectClrLst/>
+  </dgm:styleLbl>
+  <dgm:styleLbl name="revTx">
+    <dgm:fillClrLst meth="repeat">
+      <a:schemeClr val="lt1">
+        <a:alpha val="0"/>
+      </a:schemeClr>
+    </dgm:fillClrLst>
+    <dgm:linClrLst meth="repeat">
+      <a:schemeClr val="dk1">
+        <a:alpha val="0"/>
+      </a:schemeClr>
+    </dgm:linClrLst>
+    <dgm:effectClrLst/>
+    <dgm:txLinClrLst/>
+    <dgm:txFillClrLst meth="repeat">
+      <a:schemeClr val="tx1"/>
+    </dgm:txFillClrLst>
+    <dgm:txEffectClrLst/>
+  </dgm:styleLbl>
+</dgm:colorsDef>
+</file>
+
+<file path=ppt/diagrams/data1.xml><?xml version="1.0" encoding="utf-8"?>
+<dgm:dataModel xmlns:dgm="http://schemas.openxmlformats.org/drawingml/2006/diagram" xmlns:a="http://schemas.openxmlformats.org/drawingml/2006/main">
+  <dgm:ptLst>
+    <dgm:pt modelId="{969ECEA1-42E3-48BB-8934-1F2821F706E2}" type="doc">
+      <dgm:prSet loTypeId="urn:microsoft.com/office/officeart/2018/2/layout/IconVerticalSolidList" loCatId="icon" qsTypeId="urn:microsoft.com/office/officeart/2005/8/quickstyle/simple1" qsCatId="simple" csTypeId="urn:microsoft.com/office/officeart/2018/5/colors/Iconchunking_neutralbg_colorful1" csCatId="colorful" phldr="1"/>
+      <dgm:spPr/>
+      <dgm:t>
+        <a:bodyPr/>
+        <a:lstStyle/>
+        <a:p>
+          <a:endParaRPr lang="en-US"/>
+        </a:p>
+      </dgm:t>
+    </dgm:pt>
+    <dgm:pt modelId="{54826B6E-4F76-4DDD-A0F2-7591832EB5C5}">
+      <dgm:prSet/>
+      <dgm:spPr/>
+      <dgm:t>
+        <a:bodyPr/>
+        <a:lstStyle/>
+        <a:p>
+          <a:r>
+            <a:rPr lang="en-US"/>
+            <a:t>We established significant relationship between several independent variables and Bikesharing ridership.</a:t>
+          </a:r>
+        </a:p>
+      </dgm:t>
+    </dgm:pt>
+    <dgm:pt modelId="{6F1C67BB-C4BC-4E0B-B0D3-813167BF453F}" type="parTrans" cxnId="{7D7F3ACA-ADB4-4DD6-83E3-3BC73288EC0A}">
+      <dgm:prSet/>
+      <dgm:spPr/>
+      <dgm:t>
+        <a:bodyPr/>
+        <a:lstStyle/>
+        <a:p>
+          <a:endParaRPr lang="en-US"/>
+        </a:p>
+      </dgm:t>
+    </dgm:pt>
+    <dgm:pt modelId="{5C97CB07-1C18-4457-9296-C5D5E75ABC00}" type="sibTrans" cxnId="{7D7F3ACA-ADB4-4DD6-83E3-3BC73288EC0A}">
+      <dgm:prSet/>
+      <dgm:spPr/>
+      <dgm:t>
+        <a:bodyPr/>
+        <a:lstStyle/>
+        <a:p>
+          <a:endParaRPr lang="en-US"/>
+        </a:p>
+      </dgm:t>
+    </dgm:pt>
+    <dgm:pt modelId="{F8D644A0-8319-4D58-BF78-C4310D3DD0D0}">
+      <dgm:prSet/>
+      <dgm:spPr/>
+      <dgm:t>
+        <a:bodyPr/>
+        <a:lstStyle/>
+        <a:p>
+          <a:r>
+            <a:rPr lang="en-US"/>
+            <a:t>Out of three ML algorithms applied it can be observed that knn Classification gives the best result. Majority of stations that needed upgrade in docks number are in Central Chicago where most probably daily office goers must be using divvy. Whereas stations that needs to cut short on number of docks are also identified which can be used to save money and use them for stations where there is need to increase docks.</a:t>
+          </a:r>
+        </a:p>
+      </dgm:t>
+    </dgm:pt>
+    <dgm:pt modelId="{2D66497E-9133-4912-9CA6-590C2DCE0814}" type="parTrans" cxnId="{E99A5054-A4B8-4CAE-9A05-9BC4C6A666AB}">
+      <dgm:prSet/>
+      <dgm:spPr/>
+      <dgm:t>
+        <a:bodyPr/>
+        <a:lstStyle/>
+        <a:p>
+          <a:endParaRPr lang="en-US"/>
+        </a:p>
+      </dgm:t>
+    </dgm:pt>
+    <dgm:pt modelId="{B474A00E-6193-4B29-AEA8-8AF4E2E7A045}" type="sibTrans" cxnId="{E99A5054-A4B8-4CAE-9A05-9BC4C6A666AB}">
+      <dgm:prSet/>
+      <dgm:spPr/>
+      <dgm:t>
+        <a:bodyPr/>
+        <a:lstStyle/>
+        <a:p>
+          <a:endParaRPr lang="en-US"/>
+        </a:p>
+      </dgm:t>
+    </dgm:pt>
+    <dgm:pt modelId="{44051A65-DACE-42A4-B5A1-2D9B8E9BDDC4}" type="pres">
+      <dgm:prSet presAssocID="{969ECEA1-42E3-48BB-8934-1F2821F706E2}" presName="root" presStyleCnt="0">
+        <dgm:presLayoutVars>
+          <dgm:dir/>
+          <dgm:resizeHandles val="exact"/>
+        </dgm:presLayoutVars>
+      </dgm:prSet>
+      <dgm:spPr/>
+    </dgm:pt>
+    <dgm:pt modelId="{02766AAB-877B-4770-BBD7-99D40FCBBA9B}" type="pres">
+      <dgm:prSet presAssocID="{54826B6E-4F76-4DDD-A0F2-7591832EB5C5}" presName="compNode" presStyleCnt="0"/>
+      <dgm:spPr/>
+    </dgm:pt>
+    <dgm:pt modelId="{DBE3795E-B5B2-4901-ADA3-38DE34A64D62}" type="pres">
+      <dgm:prSet presAssocID="{54826B6E-4F76-4DDD-A0F2-7591832EB5C5}" presName="bgRect" presStyleLbl="bgShp" presStyleIdx="0" presStyleCnt="2"/>
+      <dgm:spPr/>
+    </dgm:pt>
+    <dgm:pt modelId="{7B8A2FCD-078F-41C2-A66B-1A5B5F7BB187}" type="pres">
+      <dgm:prSet presAssocID="{54826B6E-4F76-4DDD-A0F2-7591832EB5C5}" presName="iconRect" presStyleLbl="node1" presStyleIdx="0" presStyleCnt="2"/>
+      <dgm:spPr>
+        <a:blipFill>
+          <a:blip xmlns:r="http://schemas.openxmlformats.org/officeDocument/2006/relationships" r:embed="rId1">
+            <a:extLst>
+              <a:ext uri="{28A0092B-C50C-407E-A947-70E740481C1C}">
+                <a14:useLocalDpi xmlns:a14="http://schemas.microsoft.com/office/drawing/2010/main" val="0"/>
+              </a:ext>
+              <a:ext uri="{96DAC541-7B7A-43D3-8B79-37D633B846F1}">
+                <asvg:svgBlip xmlns:asvg="http://schemas.microsoft.com/office/drawing/2016/SVG/main" r:embed="rId2"/>
+              </a:ext>
+            </a:extLst>
+          </a:blip>
+          <a:stretch>
+            <a:fillRect/>
+          </a:stretch>
+        </a:blipFill>
+        <a:ln>
+          <a:noFill/>
+        </a:ln>
+      </dgm:spPr>
+      <dgm:extLst>
+        <a:ext uri="{E40237B7-FDA0-4F09-8148-C483321AD2D9}">
+          <dgm14:cNvPr xmlns:dgm14="http://schemas.microsoft.com/office/drawing/2010/diagram" id="0" name="" descr="Disconnected"/>
+        </a:ext>
+      </dgm:extLst>
+    </dgm:pt>
+    <dgm:pt modelId="{01EC7634-B666-4142-AE32-2FF8EC76DA3D}" type="pres">
+      <dgm:prSet presAssocID="{54826B6E-4F76-4DDD-A0F2-7591832EB5C5}" presName="spaceRect" presStyleCnt="0"/>
+      <dgm:spPr/>
+    </dgm:pt>
+    <dgm:pt modelId="{494B7E81-AA7C-483D-A098-E0CB039010D2}" type="pres">
+      <dgm:prSet presAssocID="{54826B6E-4F76-4DDD-A0F2-7591832EB5C5}" presName="parTx" presStyleLbl="revTx" presStyleIdx="0" presStyleCnt="2">
+        <dgm:presLayoutVars>
+          <dgm:chMax val="0"/>
+          <dgm:chPref val="0"/>
+        </dgm:presLayoutVars>
+      </dgm:prSet>
+      <dgm:spPr/>
+    </dgm:pt>
+    <dgm:pt modelId="{ADED9818-ED1D-4310-97D1-D666DDF50A04}" type="pres">
+      <dgm:prSet presAssocID="{5C97CB07-1C18-4457-9296-C5D5E75ABC00}" presName="sibTrans" presStyleCnt="0"/>
+      <dgm:spPr/>
+    </dgm:pt>
+    <dgm:pt modelId="{DB90939F-FCEA-4B09-8315-861D3FA97FD0}" type="pres">
+      <dgm:prSet presAssocID="{F8D644A0-8319-4D58-BF78-C4310D3DD0D0}" presName="compNode" presStyleCnt="0"/>
+      <dgm:spPr/>
+    </dgm:pt>
+    <dgm:pt modelId="{A4F56986-F58D-4C2F-BE9E-F5DF45897B7E}" type="pres">
+      <dgm:prSet presAssocID="{F8D644A0-8319-4D58-BF78-C4310D3DD0D0}" presName="bgRect" presStyleLbl="bgShp" presStyleIdx="1" presStyleCnt="2"/>
+      <dgm:spPr/>
+    </dgm:pt>
+    <dgm:pt modelId="{98F838F8-67B6-489A-AEF3-EA4AA0CC1931}" type="pres">
+      <dgm:prSet presAssocID="{F8D644A0-8319-4D58-BF78-C4310D3DD0D0}" presName="iconRect" presStyleLbl="node1" presStyleIdx="1" presStyleCnt="2"/>
+      <dgm:spPr>
+        <a:blipFill>
+          <a:blip xmlns:r="http://schemas.openxmlformats.org/officeDocument/2006/relationships" r:embed="rId3">
+            <a:extLst>
+              <a:ext uri="{28A0092B-C50C-407E-A947-70E740481C1C}">
+                <a14:useLocalDpi xmlns:a14="http://schemas.microsoft.com/office/drawing/2010/main" val="0"/>
+              </a:ext>
+              <a:ext uri="{96DAC541-7B7A-43D3-8B79-37D633B846F1}">
+                <asvg:svgBlip xmlns:asvg="http://schemas.microsoft.com/office/drawing/2016/SVG/main" r:embed="rId4"/>
+              </a:ext>
+            </a:extLst>
+          </a:blip>
+          <a:stretch>
+            <a:fillRect/>
+          </a:stretch>
+        </a:blipFill>
+        <a:ln>
+          <a:noFill/>
+        </a:ln>
+      </dgm:spPr>
+      <dgm:extLst>
+        <a:ext uri="{E40237B7-FDA0-4F09-8148-C483321AD2D9}">
+          <dgm14:cNvPr xmlns:dgm14="http://schemas.microsoft.com/office/drawing/2010/diagram" id="0" name="" descr="Bitcoin"/>
+        </a:ext>
+      </dgm:extLst>
+    </dgm:pt>
+    <dgm:pt modelId="{2A7636D8-78D0-4BC0-BA87-6F3D91902B1A}" type="pres">
+      <dgm:prSet presAssocID="{F8D644A0-8319-4D58-BF78-C4310D3DD0D0}" presName="spaceRect" presStyleCnt="0"/>
+      <dgm:spPr/>
+    </dgm:pt>
+    <dgm:pt modelId="{5A0ADDC7-5552-4594-84DF-3E16CFF7487A}" type="pres">
+      <dgm:prSet presAssocID="{F8D644A0-8319-4D58-BF78-C4310D3DD0D0}" presName="parTx" presStyleLbl="revTx" presStyleIdx="1" presStyleCnt="2">
+        <dgm:presLayoutVars>
+          <dgm:chMax val="0"/>
+          <dgm:chPref val="0"/>
+        </dgm:presLayoutVars>
+      </dgm:prSet>
+      <dgm:spPr/>
+    </dgm:pt>
+  </dgm:ptLst>
+  <dgm:cxnLst>
+    <dgm:cxn modelId="{E99A5054-A4B8-4CAE-9A05-9BC4C6A666AB}" srcId="{969ECEA1-42E3-48BB-8934-1F2821F706E2}" destId="{F8D644A0-8319-4D58-BF78-C4310D3DD0D0}" srcOrd="1" destOrd="0" parTransId="{2D66497E-9133-4912-9CA6-590C2DCE0814}" sibTransId="{B474A00E-6193-4B29-AEA8-8AF4E2E7A045}"/>
+    <dgm:cxn modelId="{53204D8C-52AE-424A-A846-92B4B4403829}" type="presOf" srcId="{F8D644A0-8319-4D58-BF78-C4310D3DD0D0}" destId="{5A0ADDC7-5552-4594-84DF-3E16CFF7487A}" srcOrd="0" destOrd="0" presId="urn:microsoft.com/office/officeart/2018/2/layout/IconVerticalSolidList"/>
+    <dgm:cxn modelId="{EBF77898-0DB9-4479-AF95-1D0C687DBEC3}" type="presOf" srcId="{54826B6E-4F76-4DDD-A0F2-7591832EB5C5}" destId="{494B7E81-AA7C-483D-A098-E0CB039010D2}" srcOrd="0" destOrd="0" presId="urn:microsoft.com/office/officeart/2018/2/layout/IconVerticalSolidList"/>
+    <dgm:cxn modelId="{7D7F3ACA-ADB4-4DD6-83E3-3BC73288EC0A}" srcId="{969ECEA1-42E3-48BB-8934-1F2821F706E2}" destId="{54826B6E-4F76-4DDD-A0F2-7591832EB5C5}" srcOrd="0" destOrd="0" parTransId="{6F1C67BB-C4BC-4E0B-B0D3-813167BF453F}" sibTransId="{5C97CB07-1C18-4457-9296-C5D5E75ABC00}"/>
+    <dgm:cxn modelId="{2C6793F6-139D-46BE-9F3C-67127F0D8EEB}" type="presOf" srcId="{969ECEA1-42E3-48BB-8934-1F2821F706E2}" destId="{44051A65-DACE-42A4-B5A1-2D9B8E9BDDC4}" srcOrd="0" destOrd="0" presId="urn:microsoft.com/office/officeart/2018/2/layout/IconVerticalSolidList"/>
+    <dgm:cxn modelId="{FACBF36E-84C9-47D7-8DB9-8B28F95DAF2B}" type="presParOf" srcId="{44051A65-DACE-42A4-B5A1-2D9B8E9BDDC4}" destId="{02766AAB-877B-4770-BBD7-99D40FCBBA9B}" srcOrd="0" destOrd="0" presId="urn:microsoft.com/office/officeart/2018/2/layout/IconVerticalSolidList"/>
+    <dgm:cxn modelId="{75A3DBBE-9D76-4978-BCDF-B7F0A97C6706}" type="presParOf" srcId="{02766AAB-877B-4770-BBD7-99D40FCBBA9B}" destId="{DBE3795E-B5B2-4901-ADA3-38DE34A64D62}" srcOrd="0" destOrd="0" presId="urn:microsoft.com/office/officeart/2018/2/layout/IconVerticalSolidList"/>
+    <dgm:cxn modelId="{D2E3C02B-953F-43D5-9797-39B523BDDC02}" type="presParOf" srcId="{02766AAB-877B-4770-BBD7-99D40FCBBA9B}" destId="{7B8A2FCD-078F-41C2-A66B-1A5B5F7BB187}" srcOrd="1" destOrd="0" presId="urn:microsoft.com/office/officeart/2018/2/layout/IconVerticalSolidList"/>
+    <dgm:cxn modelId="{CE066105-AA8E-4197-8CB9-E7853D354A49}" type="presParOf" srcId="{02766AAB-877B-4770-BBD7-99D40FCBBA9B}" destId="{01EC7634-B666-4142-AE32-2FF8EC76DA3D}" srcOrd="2" destOrd="0" presId="urn:microsoft.com/office/officeart/2018/2/layout/IconVerticalSolidList"/>
+    <dgm:cxn modelId="{78E1D260-40F6-43AA-AAEA-081DFA923088}" type="presParOf" srcId="{02766AAB-877B-4770-BBD7-99D40FCBBA9B}" destId="{494B7E81-AA7C-483D-A098-E0CB039010D2}" srcOrd="3" destOrd="0" presId="urn:microsoft.com/office/officeart/2018/2/layout/IconVerticalSolidList"/>
+    <dgm:cxn modelId="{7C56F591-B7A3-4523-8D4E-41393B29EBD6}" type="presParOf" srcId="{44051A65-DACE-42A4-B5A1-2D9B8E9BDDC4}" destId="{ADED9818-ED1D-4310-97D1-D666DDF50A04}" srcOrd="1" destOrd="0" presId="urn:microsoft.com/office/officeart/2018/2/layout/IconVerticalSolidList"/>
+    <dgm:cxn modelId="{D8BB051E-44F1-46BC-82CD-0CED952BB7D5}" type="presParOf" srcId="{44051A65-DACE-42A4-B5A1-2D9B8E9BDDC4}" destId="{DB90939F-FCEA-4B09-8315-861D3FA97FD0}" srcOrd="2" destOrd="0" presId="urn:microsoft.com/office/officeart/2018/2/layout/IconVerticalSolidList"/>
+    <dgm:cxn modelId="{97D1DB2F-22E6-4F72-A5C5-89BC8DBD3BA8}" type="presParOf" srcId="{DB90939F-FCEA-4B09-8315-861D3FA97FD0}" destId="{A4F56986-F58D-4C2F-BE9E-F5DF45897B7E}" srcOrd="0" destOrd="0" presId="urn:microsoft.com/office/officeart/2018/2/layout/IconVerticalSolidList"/>
+    <dgm:cxn modelId="{CBDF5EB3-B4AE-4C76-82E8-2737F2739B51}" type="presParOf" srcId="{DB90939F-FCEA-4B09-8315-861D3FA97FD0}" destId="{98F838F8-67B6-489A-AEF3-EA4AA0CC1931}" srcOrd="1" destOrd="0" presId="urn:microsoft.com/office/officeart/2018/2/layout/IconVerticalSolidList"/>
+    <dgm:cxn modelId="{AA5698C9-FD97-4B22-BF91-2F63552FF157}" type="presParOf" srcId="{DB90939F-FCEA-4B09-8315-861D3FA97FD0}" destId="{2A7636D8-78D0-4BC0-BA87-6F3D91902B1A}" srcOrd="2" destOrd="0" presId="urn:microsoft.com/office/officeart/2018/2/layout/IconVerticalSolidList"/>
+    <dgm:cxn modelId="{033E9688-DA04-499D-ACD6-1D3C1C91C02E}" type="presParOf" srcId="{DB90939F-FCEA-4B09-8315-861D3FA97FD0}" destId="{5A0ADDC7-5552-4594-84DF-3E16CFF7487A}" srcOrd="3" destOrd="0" presId="urn:microsoft.com/office/officeart/2018/2/layout/IconVerticalSolidList"/>
+  </dgm:cxnLst>
+  <dgm:bg/>
+  <dgm:whole/>
+  <dgm:extLst>
+    <a:ext uri="http://schemas.microsoft.com/office/drawing/2008/diagram">
+      <dsp:dataModelExt xmlns:dsp="http://schemas.microsoft.com/office/drawing/2008/diagram" relId="rId6" minVer="http://schemas.openxmlformats.org/drawingml/2006/diagram"/>
+    </a:ext>
+  </dgm:extLst>
+</dgm:dataModel>
+</file>
+
+<file path=ppt/diagrams/drawing1.xml><?xml version="1.0" encoding="utf-8"?>
+<dsp:drawing xmlns:dgm="http://schemas.openxmlformats.org/drawingml/2006/diagram" xmlns:dsp="http://schemas.microsoft.com/office/drawing/2008/diagram" xmlns:a="http://schemas.openxmlformats.org/drawingml/2006/main">
+  <dsp:spTree>
+    <dsp:nvGrpSpPr>
+      <dsp:cNvPr id="0" name=""/>
+      <dsp:cNvGrpSpPr/>
+    </dsp:nvGrpSpPr>
+    <dsp:grpSpPr/>
+    <dsp:sp modelId="{DBE3795E-B5B2-4901-ADA3-38DE34A64D62}">
+      <dsp:nvSpPr>
+        <dsp:cNvPr id="0" name=""/>
+        <dsp:cNvSpPr/>
+      </dsp:nvSpPr>
+      <dsp:spPr>
+        <a:xfrm>
+          <a:off x="0" y="584071"/>
+          <a:ext cx="6910387" cy="1752213"/>
+        </a:xfrm>
+        <a:prstGeom prst="roundRect">
+          <a:avLst>
+            <a:gd name="adj" fmla="val 10000"/>
+          </a:avLst>
+        </a:prstGeom>
+        <a:solidFill>
+          <a:schemeClr val="bg1">
+            <a:lumMod val="95000"/>
+            <a:hueOff val="0"/>
+            <a:satOff val="0"/>
+            <a:lumOff val="0"/>
+            <a:alphaOff val="0"/>
+          </a:schemeClr>
+        </a:solidFill>
+        <a:ln>
+          <a:noFill/>
+        </a:ln>
+        <a:effectLst/>
+      </dsp:spPr>
+      <dsp:style>
+        <a:lnRef idx="0">
+          <a:scrgbClr r="0" g="0" b="0"/>
+        </a:lnRef>
+        <a:fillRef idx="1">
+          <a:scrgbClr r="0" g="0" b="0"/>
+        </a:fillRef>
+        <a:effectRef idx="0">
+          <a:scrgbClr r="0" g="0" b="0"/>
+        </a:effectRef>
+        <a:fontRef idx="minor"/>
+      </dsp:style>
+    </dsp:sp>
+    <dsp:sp modelId="{7B8A2FCD-078F-41C2-A66B-1A5B5F7BB187}">
+      <dsp:nvSpPr>
+        <dsp:cNvPr id="0" name=""/>
+        <dsp:cNvSpPr/>
+      </dsp:nvSpPr>
+      <dsp:spPr>
+        <a:xfrm>
+          <a:off x="530044" y="978318"/>
+          <a:ext cx="963717" cy="963717"/>
+        </a:xfrm>
+        <a:prstGeom prst="rect">
+          <a:avLst/>
+        </a:prstGeom>
+        <a:blipFill>
+          <a:blip xmlns:r="http://schemas.openxmlformats.org/officeDocument/2006/relationships" r:embed="rId1">
+            <a:extLst>
+              <a:ext uri="{28A0092B-C50C-407E-A947-70E740481C1C}">
+                <a14:useLocalDpi xmlns:a14="http://schemas.microsoft.com/office/drawing/2010/main" val="0"/>
+              </a:ext>
+              <a:ext uri="{96DAC541-7B7A-43D3-8B79-37D633B846F1}">
+                <asvg:svgBlip xmlns:asvg="http://schemas.microsoft.com/office/drawing/2016/SVG/main" r:embed="rId2"/>
+              </a:ext>
+            </a:extLst>
+          </a:blip>
+          <a:stretch>
+            <a:fillRect/>
+          </a:stretch>
+        </a:blipFill>
+        <a:ln w="15875" cap="flat" cmpd="sng" algn="ctr">
+          <a:noFill/>
+          <a:prstDash val="solid"/>
+        </a:ln>
+        <a:effectLst/>
+      </dsp:spPr>
+      <dsp:style>
+        <a:lnRef idx="2">
+          <a:scrgbClr r="0" g="0" b="0"/>
+        </a:lnRef>
+        <a:fillRef idx="1">
+          <a:scrgbClr r="0" g="0" b="0"/>
+        </a:fillRef>
+        <a:effectRef idx="0">
+          <a:scrgbClr r="0" g="0" b="0"/>
+        </a:effectRef>
+        <a:fontRef idx="minor">
+          <a:schemeClr val="lt1"/>
+        </a:fontRef>
+      </dsp:style>
+    </dsp:sp>
+    <dsp:sp modelId="{494B7E81-AA7C-483D-A098-E0CB039010D2}">
+      <dsp:nvSpPr>
+        <dsp:cNvPr id="0" name=""/>
+        <dsp:cNvSpPr/>
+      </dsp:nvSpPr>
+      <dsp:spPr>
+        <a:xfrm>
+          <a:off x="2023806" y="584071"/>
+          <a:ext cx="4886580" cy="1752213"/>
+        </a:xfrm>
+        <a:prstGeom prst="rect">
+          <a:avLst/>
+        </a:prstGeom>
+        <a:noFill/>
+        <a:ln>
+          <a:noFill/>
+        </a:ln>
+        <a:effectLst/>
+      </dsp:spPr>
+      <dsp:style>
+        <a:lnRef idx="0">
+          <a:scrgbClr r="0" g="0" b="0"/>
+        </a:lnRef>
+        <a:fillRef idx="0">
+          <a:scrgbClr r="0" g="0" b="0"/>
+        </a:fillRef>
+        <a:effectRef idx="0">
+          <a:scrgbClr r="0" g="0" b="0"/>
+        </a:effectRef>
+        <a:fontRef idx="minor"/>
+      </dsp:style>
+      <dsp:txBody>
+        <a:bodyPr spcFirstLastPara="0" vert="horz" wrap="square" lIns="185443" tIns="185443" rIns="185443" bIns="185443" numCol="1" spcCol="1270" anchor="ctr" anchorCtr="0">
+          <a:noAutofit/>
+        </a:bodyPr>
+        <a:lstStyle/>
+        <a:p>
+          <a:pPr marL="0" lvl="0" indent="0" algn="l" defTabSz="622300">
+            <a:lnSpc>
+              <a:spcPct val="90000"/>
+            </a:lnSpc>
+            <a:spcBef>
+              <a:spcPct val="0"/>
+            </a:spcBef>
+            <a:spcAft>
+              <a:spcPct val="35000"/>
+            </a:spcAft>
+            <a:buNone/>
+          </a:pPr>
+          <a:r>
+            <a:rPr lang="en-US" sz="1400" kern="1200"/>
+            <a:t>We established significant relationship between several independent variables and Bikesharing ridership.</a:t>
+          </a:r>
+        </a:p>
+      </dsp:txBody>
+      <dsp:txXfrm>
+        <a:off x="2023806" y="584071"/>
+        <a:ext cx="4886580" cy="1752213"/>
+      </dsp:txXfrm>
+    </dsp:sp>
+    <dsp:sp modelId="{A4F56986-F58D-4C2F-BE9E-F5DF45897B7E}">
+      <dsp:nvSpPr>
+        <dsp:cNvPr id="0" name=""/>
+        <dsp:cNvSpPr/>
+      </dsp:nvSpPr>
+      <dsp:spPr>
+        <a:xfrm>
+          <a:off x="0" y="2715140"/>
+          <a:ext cx="6910387" cy="1752213"/>
+        </a:xfrm>
+        <a:prstGeom prst="roundRect">
+          <a:avLst>
+            <a:gd name="adj" fmla="val 10000"/>
+          </a:avLst>
+        </a:prstGeom>
+        <a:solidFill>
+          <a:schemeClr val="bg1">
+            <a:lumMod val="95000"/>
+            <a:hueOff val="0"/>
+            <a:satOff val="0"/>
+            <a:lumOff val="0"/>
+            <a:alphaOff val="0"/>
+          </a:schemeClr>
+        </a:solidFill>
+        <a:ln>
+          <a:noFill/>
+        </a:ln>
+        <a:effectLst/>
+      </dsp:spPr>
+      <dsp:style>
+        <a:lnRef idx="0">
+          <a:scrgbClr r="0" g="0" b="0"/>
+        </a:lnRef>
+        <a:fillRef idx="1">
+          <a:scrgbClr r="0" g="0" b="0"/>
+        </a:fillRef>
+        <a:effectRef idx="0">
+          <a:scrgbClr r="0" g="0" b="0"/>
+        </a:effectRef>
+        <a:fontRef idx="minor"/>
+      </dsp:style>
+    </dsp:sp>
+    <dsp:sp modelId="{98F838F8-67B6-489A-AEF3-EA4AA0CC1931}">
+      <dsp:nvSpPr>
+        <dsp:cNvPr id="0" name=""/>
+        <dsp:cNvSpPr/>
+      </dsp:nvSpPr>
+      <dsp:spPr>
+        <a:xfrm>
+          <a:off x="530044" y="3109388"/>
+          <a:ext cx="963717" cy="963717"/>
+        </a:xfrm>
+        <a:prstGeom prst="rect">
+          <a:avLst/>
+        </a:prstGeom>
+        <a:blipFill>
+          <a:blip xmlns:r="http://schemas.openxmlformats.org/officeDocument/2006/relationships" r:embed="rId3">
+            <a:extLst>
+              <a:ext uri="{28A0092B-C50C-407E-A947-70E740481C1C}">
+                <a14:useLocalDpi xmlns:a14="http://schemas.microsoft.com/office/drawing/2010/main" val="0"/>
+              </a:ext>
+              <a:ext uri="{96DAC541-7B7A-43D3-8B79-37D633B846F1}">
+                <asvg:svgBlip xmlns:asvg="http://schemas.microsoft.com/office/drawing/2016/SVG/main" r:embed="rId4"/>
+              </a:ext>
+            </a:extLst>
+          </a:blip>
+          <a:stretch>
+            <a:fillRect/>
+          </a:stretch>
+        </a:blipFill>
+        <a:ln w="15875" cap="flat" cmpd="sng" algn="ctr">
+          <a:noFill/>
+          <a:prstDash val="solid"/>
+        </a:ln>
+        <a:effectLst/>
+      </dsp:spPr>
+      <dsp:style>
+        <a:lnRef idx="2">
+          <a:scrgbClr r="0" g="0" b="0"/>
+        </a:lnRef>
+        <a:fillRef idx="1">
+          <a:scrgbClr r="0" g="0" b="0"/>
+        </a:fillRef>
+        <a:effectRef idx="0">
+          <a:scrgbClr r="0" g="0" b="0"/>
+        </a:effectRef>
+        <a:fontRef idx="minor">
+          <a:schemeClr val="lt1"/>
+        </a:fontRef>
+      </dsp:style>
+    </dsp:sp>
+    <dsp:sp modelId="{5A0ADDC7-5552-4594-84DF-3E16CFF7487A}">
+      <dsp:nvSpPr>
+        <dsp:cNvPr id="0" name=""/>
+        <dsp:cNvSpPr/>
+      </dsp:nvSpPr>
+      <dsp:spPr>
+        <a:xfrm>
+          <a:off x="2023806" y="2715140"/>
+          <a:ext cx="4886580" cy="1752213"/>
+        </a:xfrm>
+        <a:prstGeom prst="rect">
+          <a:avLst/>
+        </a:prstGeom>
+        <a:noFill/>
+        <a:ln>
+          <a:noFill/>
+        </a:ln>
+        <a:effectLst/>
+      </dsp:spPr>
+      <dsp:style>
+        <a:lnRef idx="0">
+          <a:scrgbClr r="0" g="0" b="0"/>
+        </a:lnRef>
+        <a:fillRef idx="0">
+          <a:scrgbClr r="0" g="0" b="0"/>
+        </a:fillRef>
+        <a:effectRef idx="0">
+          <a:scrgbClr r="0" g="0" b="0"/>
+        </a:effectRef>
+        <a:fontRef idx="minor"/>
+      </dsp:style>
+      <dsp:txBody>
+        <a:bodyPr spcFirstLastPara="0" vert="horz" wrap="square" lIns="185443" tIns="185443" rIns="185443" bIns="185443" numCol="1" spcCol="1270" anchor="ctr" anchorCtr="0">
+          <a:noAutofit/>
+        </a:bodyPr>
+        <a:lstStyle/>
+        <a:p>
+          <a:pPr marL="0" lvl="0" indent="0" algn="l" defTabSz="622300">
+            <a:lnSpc>
+              <a:spcPct val="90000"/>
+            </a:lnSpc>
+            <a:spcBef>
+              <a:spcPct val="0"/>
+            </a:spcBef>
+            <a:spcAft>
+              <a:spcPct val="35000"/>
+            </a:spcAft>
+            <a:buNone/>
+          </a:pPr>
+          <a:r>
+            <a:rPr lang="en-US" sz="1400" kern="1200"/>
+            <a:t>Out of three ML algorithms applied it can be observed that knn Classification gives the best result. Majority of stations that needed upgrade in docks number are in Central Chicago where most probably daily office goers must be using divvy. Whereas stations that needs to cut short on number of docks are also identified which can be used to save money and use them for stations where there is need to increase docks.</a:t>
+          </a:r>
+        </a:p>
+      </dsp:txBody>
+      <dsp:txXfrm>
+        <a:off x="2023806" y="2715140"/>
+        <a:ext cx="4886580" cy="1752213"/>
+      </dsp:txXfrm>
+    </dsp:sp>
+  </dsp:spTree>
+</dsp:drawing>
+</file>
+
+<file path=ppt/diagrams/layout1.xml><?xml version="1.0" encoding="utf-8"?>
+<dgm:layoutDef xmlns:dgm="http://schemas.openxmlformats.org/drawingml/2006/diagram" xmlns:a="http://schemas.openxmlformats.org/drawingml/2006/main" uniqueId="urn:microsoft.com/office/officeart/2018/2/layout/IconVerticalSolidList">
+  <dgm:title val="Icon Vertical Solid List"/>
+  <dgm:desc val="Use to show a series of visuals from top to bottom with Level 1 or Level 1 and Level 2 text grouped in a shape. Works best with icons or small pictures with lengthier descriptions."/>
+  <dgm:catLst>
+    <dgm:cat type="icon" pri="500"/>
+  </dgm:catLst>
+  <dgm:sampData useDef="1">
+    <dgm:dataModel>
+      <dgm:ptLst/>
+      <dgm:bg/>
+      <dgm:whole/>
+    </dgm:dataModel>
+  </dgm:sampData>
+  <dgm:styleData useDef="1">
+    <dgm:dataModel>
+      <dgm:ptLst/>
+      <dgm:bg/>
+      <dgm:whole/>
+    </dgm:dataModel>
+  </dgm:styleData>
+  <dgm:clrData useDef="1">
+    <dgm:dataModel>
+      <dgm:ptLst/>
+      <dgm:bg/>
+      <dgm:whole/>
+    </dgm:dataModel>
+  </dgm:clrData>
+  <dgm:layoutNode name="root">
+    <dgm:varLst>
+      <dgm:dir/>
+      <dgm:resizeHandles val="exact"/>
+    </dgm:varLst>
+    <dgm:choose name="Name0">
+      <dgm:if name="Name1" axis="self" func="var" arg="dir" op="equ" val="norm">
+        <dgm:alg type="lin">
+          <dgm:param type="linDir" val="fromT"/>
+          <dgm:param type="nodeHorzAlign" val="l"/>
+        </dgm:alg>
+      </dgm:if>
+      <dgm:else name="Name2">
+        <dgm:alg type="lin">
+          <dgm:param type="linDir" val="fromT"/>
+          <dgm:param type="nodeHorzAlign" val="r"/>
+        </dgm:alg>
+      </dgm:else>
+    </dgm:choose>
+    <dgm:shape xmlns:r="http://schemas.openxmlformats.org/officeDocument/2006/relationships" r:blip="">
+      <dgm:adjLst/>
+    </dgm:shape>
+    <dgm:presOf/>
+    <dgm:choose name="Name3">
+      <dgm:if name="Name4" axis="ch" ptType="node" func="cnt" op="lte" val="3">
+        <dgm:constrLst>
+          <dgm:constr type="h" for="ch" forName="compNode" refType="h" fact="0.3"/>
+          <dgm:constr type="w" for="ch" forName="compNode" refType="w"/>
+          <dgm:constr type="h" for="ch" forName="sibTrans" refType="h" refFor="ch" refForName="compNode" fact="0.25"/>
+          <dgm:constr type="primFontSz" for="des" forName="parTx" val="25"/>
+          <dgm:constr type="primFontSz" for="des" forName="desTx" refType="primFontSz" refFor="des" refForName="parTx" op="lte" fact="0.75"/>
+          <dgm:constr type="h" for="des" forName="compNode" op="equ"/>
+          <dgm:constr type="h" for="des" forName="bgRect" op="equ"/>
+          <dgm:constr type="h" for="des" forName="iconRect" op="equ"/>
+          <dgm:constr type="w" for="des" forName="iconRect" op="equ"/>
+          <dgm:constr type="h" for="des" forName="spaceRect" op="equ"/>
+          <dgm:constr type="h" for="des" forName="parTx" op="equ"/>
+          <dgm:constr type="h" for="des" forName="desTx" op="equ"/>
+        </dgm:constrLst>
+      </dgm:if>
+      <dgm:if name="Name5" axis="ch" ptType="node" func="cnt" op="lte" val="4">
+        <dgm:constrLst>
+          <dgm:constr type="h" for="ch" forName="compNode" refType="h" fact="0.3"/>
+          <dgm:constr type="w" for="ch" forName="compNode" refType="w"/>
+          <dgm:constr type="h" for="ch" forName="sibTrans" refType="h" refFor="ch" refForName="compNode" fact="0.25"/>
+          <dgm:constr type="primFontSz" for="des" forName="parTx" val="22"/>
+          <dgm:constr type="primFontSz" for="des" forName="desTx" refType="primFontSz" refFor="des" refForName="parTx" op="lte" fact="0.75"/>
+          <dgm:constr type="h" for="des" forName="compNode" op="equ"/>
+          <dgm:constr type="h" for="des" forName="bgRect" op="equ"/>
+          <dgm:constr type="h" for="des" forName="iconRect" op="equ"/>
+          <dgm:constr type="w" for="des" forName="iconRect" op="equ"/>
+          <dgm:constr type="h" for="des" forName="spaceRect" op="equ"/>
+          <dgm:constr type="h" for="des" forName="parTx" op="equ"/>
+          <dgm:constr type="h" for="des" forName="desTx" op="equ"/>
+        </dgm:constrLst>
+      </dgm:if>
+      <dgm:if name="Name6" axis="ch" ptType="node" func="cnt" op="lte" val="6">
+        <dgm:constrLst>
+          <dgm:constr type="h" for="ch" forName="compNode" refType="h" fact="0.3"/>
+          <dgm:constr type="w" for="ch" forName="compNode" refType="w"/>
+          <dgm:constr type="h" for="ch" forName="sibTrans" refType="h" refFor="ch" refForName="compNode" fact="0.25"/>
+          <dgm:constr type="primFontSz" for="des" forName="parTx" val="19"/>
+          <dgm:constr type="primFontSz" for="des" forName="desTx" refType="primFontSz" refFor="des" refForName="parTx" op="lte" fact="0.75"/>
+          <dgm:constr type="h" for="des" forName="compNode" op="equ"/>
+          <dgm:constr type="h" for="des" forName="bgRect" op="equ"/>
+          <dgm:constr type="h" for="des" forName="iconRect" op="equ"/>
+          <dgm:constr type="w" for="des" forName="iconRect" op="equ"/>
+          <dgm:constr type="h" for="des" forName="spaceRect" op="equ"/>
+          <dgm:constr type="h" for="des" forName="parTx" op="equ"/>
+          <dgm:constr type="h" for="des" forName="desTx" op="equ"/>
+        </dgm:constrLst>
+      </dgm:if>
+      <dgm:else name="Name7">
+        <dgm:constrLst>
+          <dgm:constr type="h" for="ch" forName="compNode" refType="h" fact="0.3"/>
+          <dgm:constr type="w" for="ch" forName="compNode" refType="w"/>
+          <dgm:constr type="h" for="ch" forName="sibTrans" refType="h" refFor="ch" refForName="compNode" fact="0.25"/>
+          <dgm:constr type="primFontSz" for="des" forName="parTx" val="16"/>
+          <dgm:constr type="primFontSz" for="des" forName="desTx" refType="primFontSz" refFor="des" refForName="parTx" op="lte" fact="0.75"/>
+          <dgm:constr type="h" for="des" forName="compNode" op="equ"/>
+          <dgm:constr type="h" for="des" forName="bgRect" op="equ"/>
+          <dgm:constr type="h" for="des" forName="iconRect" op="equ"/>
+          <dgm:constr type="w" for="des" forName="iconRect" op="equ"/>
+          <dgm:constr type="h" for="des" forName="spaceRect" op="equ"/>
+          <dgm:constr type="h" for="des" forName="parTx" op="equ"/>
+          <dgm:constr type="h" for="des" forName="desTx" op="equ"/>
+        </dgm:constrLst>
+      </dgm:else>
+    </dgm:choose>
+    <dgm:ruleLst>
+      <dgm:rule type="h" for="ch" forName="compNode" val="0" fact="NaN" max="NaN"/>
+    </dgm:ruleLst>
+    <dgm:forEach name="Name8" axis="ch" ptType="node">
+      <dgm:layoutNode name="compNode">
+        <dgm:alg type="composite"/>
+        <dgm:shape xmlns:r="http://schemas.openxmlformats.org/officeDocument/2006/relationships" r:blip="">
+          <dgm:adjLst/>
+        </dgm:shape>
+        <dgm:presOf axis="self"/>
+        <dgm:choose name="Name9">
+          <dgm:if name="Name10" axis="ch" ptType="node" func="cnt" op="gte" val="1">
+            <dgm:constrLst>
+              <dgm:constr type="w" for="ch" forName="bgRect" refType="w"/>
+              <dgm:constr type="h" for="ch" forName="bgRect" refType="h"/>
+              <dgm:constr type="l" for="ch" forName="bgRect"/>
+              <dgm:constr type="t" for="ch" forName="bgRect"/>
+              <dgm:constr type="h" for="ch" forName="iconRect" refType="h" fact="0.55"/>
+              <dgm:constr type="w" for="ch" forName="iconRect" refType="h" refFor="ch" refForName="iconRect"/>
+              <dgm:constr type="l" for="ch" forName="iconRect" refType="h" refFor="ch" refForName="iconRect" fact="0.55"/>
+              <dgm:constr type="ctrY" for="ch" forName="iconRect" refType="ctrY" refFor="ch" refForName="bgRect"/>
+              <dgm:constr type="w" for="ch" forName="spaceRect" refType="l" refFor="ch" refForName="iconRect"/>
+              <dgm:constr type="h" for="ch" forName="spaceRect" refType="h"/>
+              <dgm:constr type="l" for="ch" forName="spaceRect" refType="r" refFor="ch" refForName="iconRect"/>
+              <dgm:constr type="t" for="ch" forName="spaceRect"/>
+              <dgm:constr type="w" for="ch" forName="parTx" refType="w" fact="0.45"/>
+              <dgm:constr type="h" for="ch" forName="parTx" refType="h"/>
+              <dgm:constr type="l" for="ch" forName="parTx" refType="r" refFor="ch" refForName="spaceRect"/>
+              <dgm:constr type="t" for="ch" forName="parTx"/>
+              <dgm:constr type="h" for="ch" forName="desTx" refType="h"/>
+              <dgm:constr type="l" for="ch" forName="desTx" refType="r" refFor="ch" refForName="parTx"/>
+              <dgm:constr type="t" for="ch" forName="desTx"/>
+            </dgm:constrLst>
+          </dgm:if>
+          <dgm:else name="Name11">
+            <dgm:constrLst>
+              <dgm:constr type="w" for="ch" forName="bgRect" refType="w"/>
+              <dgm:constr type="h" for="ch" forName="bgRect" refType="h"/>
+              <dgm:constr type="l" for="ch" forName="bgRect"/>
+              <dgm:constr type="t" for="ch" forName="bgRect"/>
+              <dgm:constr type="h" for="ch" forName="iconRect" refType="h" fact="0.55"/>
+              <dgm:constr type="w" for="ch" forName="iconRect" refType="h" refFor="ch" refForName="iconRect"/>
+              <dgm:constr type="l" for="ch" forName="iconRect" refType="h" refFor="ch" refForName="iconRect" fact="0.55"/>
+              <dgm:constr type="ctrY" for="ch" forName="iconRect" refType="ctrY" refFor="ch" refForName="bgRect"/>
+              <dgm:constr type="w" for="ch" forName="spaceRect" refType="l" refFor="ch" refForName="iconRect"/>
+              <dgm:constr type="h" for="ch" forName="spaceRect" refType="h"/>
+              <dgm:constr type="l" for="ch" forName="spaceRect" refType="r" refFor="ch" refForName="iconRect"/>
+              <dgm:constr type="t" for="ch" forName="spaceRect"/>
+              <dgm:constr type="h" for="ch" forName="parTx" refType="h"/>
+              <dgm:constr type="l" for="ch" forName="parTx" refType="r" refFor="ch" refForName="spaceRect"/>
+              <dgm:constr type="t" for="ch" forName="parTx"/>
+            </dgm:constrLst>
+          </dgm:else>
+        </dgm:choose>
+        <dgm:ruleLst>
+          <dgm:rule type="h" val="INF" fact="NaN" max="NaN"/>
+        </dgm:ruleLst>
+        <dgm:layoutNode name="bgRect" styleLbl="bgShp">
+          <dgm:alg type="sp"/>
+          <dgm:shape xmlns:r="http://schemas.openxmlformats.org/officeDocument/2006/relationships" type="roundRect" r:blip="">
+            <dgm:adjLst>
+              <dgm:adj idx="1" val="0.1"/>
+            </dgm:adjLst>
+          </dgm:shape>
+          <dgm:presOf/>
+          <dgm:constrLst/>
+          <dgm:ruleLst/>
+        </dgm:layoutNode>
+        <dgm:layoutNode name="iconRect" styleLbl="node1">
+          <dgm:alg type="sp"/>
+          <dgm:shape xmlns:r="http://schemas.openxmlformats.org/officeDocument/2006/relationships" type="rect" r:blip="" blipPhldr="1">
+            <dgm:adjLst/>
+          </dgm:shape>
+          <dgm:presOf/>
+          <dgm:constrLst/>
+          <dgm:ruleLst/>
+        </dgm:layoutNode>
+        <dgm:layoutNode name="spaceRect">
+          <dgm:alg type="sp"/>
+          <dgm:shape xmlns:r="http://schemas.openxmlformats.org/officeDocument/2006/relationships" r:blip="">
+            <dgm:adjLst/>
+          </dgm:shape>
+          <dgm:presOf/>
+          <dgm:constrLst/>
+          <dgm:ruleLst/>
+        </dgm:layoutNode>
+        <dgm:layoutNode name="parTx" styleLbl="revTx">
+          <dgm:varLst>
+            <dgm:chMax val="0"/>
+            <dgm:chPref val="0"/>
+          </dgm:varLst>
+          <dgm:alg type="tx">
+            <dgm:param type="txAnchorVert" val="mid"/>
+            <dgm:param type="parTxLTRAlign" val="l"/>
+            <dgm:param type="shpTxLTRAlignCh" val="l"/>
+            <dgm:param type="parTxRTLAlign" val="r"/>
+            <dgm:param type="shpTxRTLAlignCh" val="r"/>
+          </dgm:alg>
+          <dgm:shape xmlns:r="http://schemas.openxmlformats.org/officeDocument/2006/relationships" type="rect" r:blip="">
+            <dgm:adjLst/>
+          </dgm:shape>
+          <dgm:presOf axis="self" ptType="node"/>
+          <dgm:constrLst>
+            <dgm:constr type="lMarg" refType="h" fact="0.3"/>
+            <dgm:constr type="rMarg" refType="h" fact="0.3"/>
+            <dgm:constr type="tMarg" refType="h" fact="0.3"/>
+            <dgm:constr type="bMarg" refType="h" fact="0.3"/>
+          </dgm:constrLst>
+          <dgm:ruleLst>
+            <dgm:rule type="primFontSz" val="14" fact="NaN" max="NaN"/>
+            <dgm:rule type="h" val="INF" fact="NaN" max="NaN"/>
+          </dgm:ruleLst>
+        </dgm:layoutNode>
+        <dgm:choose name="Name12">
+          <dgm:if name="Name13" axis="ch" ptType="node" func="cnt" op="gte" val="1">
+            <dgm:layoutNode name="desTx" styleLbl="revTx">
+              <dgm:varLst/>
+              <dgm:alg type="tx">
+                <dgm:param type="txAnchorVertCh" val="mid"/>
+                <dgm:param type="parTxLTRAlign" val="l"/>
+                <dgm:param type="shpTxLTRAlignCh" val="l"/>
+                <dgm:param type="parTxRTLAlign" val="r"/>
+                <dgm:param type="shpTxRTLAlignCh" val="r"/>
+                <dgm:param type="stBulletLvl" val="0"/>
+              </dgm:alg>
+              <dgm:shape xmlns:r="http://schemas.openxmlformats.org/officeDocument/2006/relationships" type="rect" r:blip="">
+                <dgm:adjLst/>
+              </dgm:shape>
+              <dgm:presOf axis="des" ptType="node"/>
+              <dgm:constrLst>
+                <dgm:constr type="primFontSz" val="18"/>
+                <dgm:constr type="secFontSz" refType="primFontSz"/>
+                <dgm:constr type="lMarg" refType="h" fact="0.3"/>
+                <dgm:constr type="rMarg" refType="h" fact="0.3"/>
+                <dgm:constr type="tMarg" refType="h" fact="0.3"/>
+                <dgm:constr type="bMarg" refType="h" fact="0.3"/>
+              </dgm:constrLst>
+              <dgm:ruleLst>
+                <dgm:rule type="primFontSz" val="11" fact="NaN" max="NaN"/>
+              </dgm:ruleLst>
+            </dgm:layoutNode>
+          </dgm:if>
+          <dgm:else name="Name14"/>
+        </dgm:choose>
+      </dgm:layoutNode>
+      <dgm:forEach name="Name15" axis="followSib" ptType="sibTrans" cnt="1">
+        <dgm:layoutNode name="sibTrans">
+          <dgm:alg type="sp"/>
+          <dgm:shape xmlns:r="http://schemas.openxmlformats.org/officeDocument/2006/relationships" r:blip="">
+            <dgm:adjLst/>
+          </dgm:shape>
+          <dgm:presOf axis="self"/>
+          <dgm:constrLst/>
+          <dgm:ruleLst/>
+        </dgm:layoutNode>
+      </dgm:forEach>
+    </dgm:forEach>
+  </dgm:layoutNode>
+  <dgm:extLst>
+    <a:ext uri="{68A01E43-0DF5-4B5B-8FA6-DAF915123BFB}">
+      <dgm1612:lstStyle xmlns:dgm1612="http://schemas.microsoft.com/office/drawing/2016/12/diagram">
+        <a:lvl1pPr>
+          <a:lnSpc>
+            <a:spcPct val="100000"/>
+          </a:lnSpc>
+        </a:lvl1pPr>
+        <a:lvl2pPr>
+          <a:lnSpc>
+            <a:spcPct val="100000"/>
+          </a:lnSpc>
+        </a:lvl2pPr>
+      </dgm1612:lstStyle>
+    </a:ext>
+  </dgm:extLst>
+</dgm:layoutDef>
+</file>
+
+<file path=ppt/diagrams/quickStyle1.xml><?xml version="1.0" encoding="utf-8"?>
+<dgm:styleDef xmlns:dgm="http://schemas.openxmlformats.org/drawingml/2006/diagram" xmlns:a="http://schemas.openxmlformats.org/drawingml/2006/main" uniqueId="urn:microsoft.com/office/officeart/2005/8/quickstyle/simple1">
+  <dgm:title val=""/>
+  <dgm:desc val=""/>
+  <dgm:catLst>
+    <dgm:cat type="simple" pri="10100"/>
+  </dgm:catLst>
+  <dgm:scene3d>
+    <a:camera prst="orthographicFront"/>
+    <a:lightRig rig="threePt" dir="t"/>
+  </dgm:scene3d>
+  <dgm:styleLbl name="node0">
+    <dgm:scene3d>
+      <a:camera prst="orthographicFront"/>
+      <a:lightRig rig="threePt" dir="t"/>
+    </dgm:scene3d>
+    <dgm:sp3d/>
+    <dgm:txPr/>
+    <dgm:style>
+      <a:lnRef idx="2">
+        <a:scrgbClr r="0" g="0" b="0"/>
+      </a:lnRef>
+      <a:fillRef idx="1">
+        <a:scrgbClr r="0" g="0" b="0"/>
+      </a:fillRef>
+      <a:effectRef idx="0">
+        <a:scrgbClr r="0" g="0" b="0"/>
+      </a:effectRef>
+      <a:fontRef idx="minor">
+        <a:schemeClr val="lt1"/>
+      </a:fontRef>
+    </dgm:style>
+  </dgm:styleLbl>
+  <dgm:styleLbl name="lnNode1">
+    <dgm:scene3d>
+      <a:camera prst="orthographicFront"/>
+      <a:lightRig rig="threePt" dir="t"/>
+    </dgm:scene3d>
+    <dgm:sp3d/>
+    <dgm:txPr/>
+    <dgm:style>
+      <a:lnRef idx="2">
+        <a:scrgbClr r="0" g="0" b="0"/>
+      </a:lnRef>
+      <a:fillRef idx="1">
+        <a:scrgbClr r="0" g="0" b="0"/>
+      </a:fillRef>
+      <a:effectRef idx="0">
+        <a:scrgbClr r="0" g="0" b="0"/>
+      </a:effectRef>
+      <a:fontRef idx="minor">
+        <a:schemeClr val="lt1"/>
+      </a:fontRef>
+    </dgm:style>
+  </dgm:styleLbl>
+  <dgm:styleLbl name="vennNode1">
+    <dgm:scene3d>
+      <a:camera prst="orthographicFront"/>
+      <a:lightRig rig="threePt" dir="t"/>
+    </dgm:scene3d>
+    <dgm:sp3d/>
+    <dgm:txPr/>
+    <dgm:style>
+      <a:lnRef idx="2">
+        <a:scrgbClr r="0" g="0" b="0"/>
+      </a:lnRef>
+      <a:fillRef idx="1">
+        <a:scrgbClr r="0" g="0" b="0"/>
+      </a:fillRef>
+      <a:effectRef idx="0">
+        <a:scrgbClr r="0" g="0" b="0"/>
+      </a:effectRef>
+      <a:fontRef idx="minor">
+        <a:schemeClr val="tx1"/>
+      </a:fontRef>
+    </dgm:style>
+  </dgm:styleLbl>
+  <dgm:styleLbl name="alignNode1">
+    <dgm:scene3d>
+      <a:camera prst="orthographicFront"/>
+      <a:lightRig rig="threePt" dir="t"/>
+    </dgm:scene3d>
+    <dgm:sp3d/>
+    <dgm:txPr/>
+    <dgm:style>
+      <a:lnRef idx="2">
+        <a:scrgbClr r="0" g="0" b="0"/>
+      </a:lnRef>
+      <a:fillRef idx="1">
+        <a:scrgbClr r="0" g="0" b="0"/>
+      </a:fillRef>
+      <a:effectRef idx="0">
+        <a:scrgbClr r="0" g="0" b="0"/>
+      </a:effectRef>
+      <a:fontRef idx="minor">
+        <a:schemeClr val="lt1"/>
+      </a:fontRef>
+    </dgm:style>
+  </dgm:styleLbl>
+  <dgm:styleLbl name="node1">
+    <dgm:scene3d>
+      <a:camera prst="orthographicFront"/>
+      <a:lightRig rig="threePt" dir="t"/>
+    </dgm:scene3d>
+    <dgm:sp3d/>
+    <dgm:txPr/>
+    <dgm:style>
+      <a:lnRef idx="2">
+        <a:scrgbClr r="0" g="0" b="0"/>
+      </a:lnRef>
+      <a:fillRef idx="1">
+        <a:scrgbClr r="0" g="0" b="0"/>
+      </a:fillRef>
+      <a:effectRef idx="0">
+        <a:scrgbClr r="0" g="0" b="0"/>
+      </a:effectRef>
+      <a:fontRef idx="minor">
+        <a:schemeClr val="lt1"/>
+      </a:fontRef>
+    </dgm:style>
+  </dgm:styleLbl>
+  <dgm:styleLbl name="node2">
+    <dgm:scene3d>
+      <a:camera prst="orthographicFront"/>
+      <a:lightRig rig="threePt" dir="t"/>
+    </dgm:scene3d>
+    <dgm:sp3d/>
+    <dgm:txPr/>
+    <dgm:style>
+      <a:lnRef idx="2">
+        <a:scrgbClr r="0" g="0" b="0"/>
+      </a:lnRef>
+      <a:fillRef idx="1">
+        <a:scrgbClr r="0" g="0" b="0"/>
+      </a:fillRef>
+      <a:effectRef idx="0">
+        <a:scrgbClr r="0" g="0" b="0"/>
+      </a:effectRef>
+      <a:fontRef idx="minor">
+        <a:schemeClr val="lt1"/>
+      </a:fontRef>
+    </dgm:style>
+  </dgm:styleLbl>
+  <dgm:styleLbl name="node3">
+    <dgm:scene3d>
+      <a:camera prst="orthographicFront"/>
+      <a:lightRig rig="threePt" dir="t"/>
+    </dgm:scene3d>
+    <dgm:sp3d/>
+    <dgm:txPr/>
+    <dgm:style>
+      <a:lnRef idx="2">
+        <a:scrgbClr r="0" g="0" b="0"/>
+      </a:lnRef>
+      <a:fillRef idx="1">
+        <a:scrgbClr r="0" g="0" b="0"/>
+      </a:fillRef>
+      <a:effectRef idx="0">
+        <a:scrgbClr r="0" g="0" b="0"/>
+      </a:effectRef>
+      <a:fontRef idx="minor">
+        <a:schemeClr val="lt1"/>
+      </a:fontRef>
+    </dgm:style>
+  </dgm:styleLbl>
+  <dgm:styleLbl name="node4">
+    <dgm:scene3d>
+      <a:camera prst="orthographicFront"/>
+      <a:lightRig rig="threePt" dir="t"/>
+    </dgm:scene3d>
+    <dgm:sp3d/>
+    <dgm:txPr/>
+    <dgm:style>
+      <a:lnRef idx="2">
+        <a:scrgbClr r="0" g="0" b="0"/>
+      </a:lnRef>
+      <a:fillRef idx="1">
+        <a:scrgbClr r="0" g="0" b="0"/>
+      </a:fillRef>
+      <a:effectRef idx="0">
+        <a:scrgbClr r="0" g="0" b="0"/>
+      </a:effectRef>
+      <a:fontRef idx="minor">
+        <a:schemeClr val="lt1"/>
+      </a:fontRef>
+    </dgm:style>
+  </dgm:styleLbl>
+  <dgm:styleLbl name="fgImgPlace1">
+    <dgm:scene3d>
+      <a:camera prst="orthographicFront"/>
+      <a:lightRig rig="threePt" dir="t"/>
+    </dgm:scene3d>
+    <dgm:sp3d/>
+    <dgm:txPr/>
+    <dgm:style>
+      <a:lnRef idx="2">
+        <a:scrgbClr r="0" g="0" b="0"/>
+      </a:lnRef>
+      <a:fillRef idx="1">
+        <a:scrgbClr r="0" g="0" b="0"/>
+      </a:fillRef>
+      <a:effectRef idx="0">
+        <a:scrgbClr r="0" g="0" b="0"/>
+      </a:effectRef>
+      <a:fontRef idx="minor"/>
+    </dgm:style>
+  </dgm:styleLbl>
+  <dgm:styleLbl name="alignImgPlace1">
+    <dgm:scene3d>
+      <a:camera prst="orthographicFront"/>
+      <a:lightRig rig="threePt" dir="t"/>
+    </dgm:scene3d>
+    <dgm:sp3d/>
+    <dgm:txPr/>
+    <dgm:style>
+      <a:lnRef idx="2">
+        <a:scrgbClr r="0" g="0" b="0"/>
+      </a:lnRef>
+      <a:fillRef idx="1">
+        <a:scrgbClr r="0" g="0" b="0"/>
+      </a:fillRef>
+      <a:effectRef idx="0">
+        <a:scrgbClr r="0" g="0" b="0"/>
+      </a:effectRef>
+      <a:fontRef idx="minor"/>
+    </dgm:style>
+  </dgm:styleLbl>
+  <dgm:styleLbl name="bgImgPlace1">
+    <dgm:scene3d>
+      <a:camera prst="orthographicFront"/>
+      <a:lightRig rig="threePt" dir="t"/>
+    </dgm:scene3d>
+    <dgm:sp3d/>
+    <dgm:txPr/>
+    <dgm:style>
+      <a:lnRef idx="2">
+        <a:scrgbClr r="0" g="0" b="0"/>
+      </a:lnRef>
+      <a:fillRef idx="1">
+        <a:scrgbClr r="0" g="0" b="0"/>
+      </a:fillRef>
+      <a:effectRef idx="0">
+        <a:scrgbClr r="0" g="0" b="0"/>
+      </a:effectRef>
+      <a:fontRef idx="minor"/>
+    </dgm:style>
+  </dgm:styleLbl>
+  <dgm:styleLbl name="sibTrans2D1">
+    <dgm:scene3d>
+      <a:camera prst="orthographicFront"/>
+      <a:lightRig rig="threePt" dir="t"/>
+    </dgm:scene3d>
+    <dgm:sp3d/>
+    <dgm:txPr/>
+    <dgm:style>
+      <a:lnRef idx="0">
+        <a:scrgbClr r="0" g="0" b="0"/>
+      </a:lnRef>
+      <a:fillRef idx="1">
+        <a:scrgbClr r="0" g="0" b="0"/>
+      </a:fillRef>
+      <a:effectRef idx="0">
+        <a:scrgbClr r="0" g="0" b="0"/>
+      </a:effectRef>
+      <a:fontRef idx="minor">
+        <a:schemeClr val="lt1"/>
+      </a:fontRef>
+    </dgm:style>
+  </dgm:styleLbl>
+  <dgm:styleLbl name="fgSibTrans2D1">
+    <dgm:scene3d>
+      <a:camera prst="orthographicFront"/>
+      <a:lightRig rig="threePt" dir="t"/>
+    </dgm:scene3d>
+    <dgm:sp3d/>
+    <dgm:txPr/>
+    <dgm:style>
+      <a:lnRef idx="0">
+        <a:scrgbClr r="0" g="0" b="0"/>
+      </a:lnRef>
+      <a:fillRef idx="1">
+        <a:scrgbClr r="0" g="0" b="0"/>
+      </a:fillRef>
+      <a:effectRef idx="0">
+        <a:scrgbClr r="0" g="0" b="0"/>
+      </a:effectRef>
+      <a:fontRef idx="minor">
+        <a:schemeClr val="lt1"/>
+      </a:fontRef>
+    </dgm:style>
+  </dgm:styleLbl>
+  <dgm:styleLbl name="bgSibTrans2D1">
+    <dgm:scene3d>
+      <a:camera prst="orthographicFront"/>
+      <a:lightRig rig="threePt" dir="t"/>
+    </dgm:scene3d>
+    <dgm:sp3d/>
+    <dgm:txPr/>
+    <dgm:style>
+      <a:lnRef idx="0">
+        <a:scrgbClr r="0" g="0" b="0"/>
+      </a:lnRef>
+      <a:fillRef idx="1">
+        <a:scrgbClr r="0" g="0" b="0"/>
+      </a:fillRef>
+      <a:effectRef idx="0">
+        <a:scrgbClr r="0" g="0" b="0"/>
+      </a:effectRef>
+      <a:fontRef idx="minor">
+        <a:schemeClr val="lt1"/>
+      </a:fontRef>
+    </dgm:style>
+  </dgm:styleLbl>
+  <dgm:styleLbl name="sibTrans1D1">
+    <dgm:scene3d>
+      <a:camera prst="orthographicFront"/>
+      <a:lightRig rig="threePt" dir="t"/>
+    </dgm:scene3d>
+    <dgm:sp3d/>
+    <dgm:txPr/>
+    <dgm:style>
+      <a:lnRef idx="1">
+        <a:scrgbClr r="0" g="0" b="0"/>
+      </a:lnRef>
+      <a:fillRef idx="0">
+        <a:scrgbClr r="0" g="0" b="0"/>
+      </a:fillRef>
+      <a:effectRef idx="0">
+        <a:scrgbClr r="0" g="0" b="0"/>
+      </a:effectRef>
+      <a:fontRef idx="minor"/>
+    </dgm:style>
+  </dgm:styleLbl>
+  <dgm:styleLbl name="callout">
+    <dgm:scene3d>
+      <a:camera prst="orthographicFront"/>
+      <a:lightRig rig="threePt" dir="t"/>
+    </dgm:scene3d>
+    <dgm:sp3d/>
+    <dgm:txPr/>
+    <dgm:style>
+      <a:lnRef idx="2">
+        <a:scrgbClr r="0" g="0" b="0"/>
+      </a:lnRef>
+      <a:fillRef idx="1">
+        <a:scrgbClr r="0" g="0" b="0"/>
+      </a:fillRef>
+      <a:effectRef idx="0">
+        <a:scrgbClr r="0" g="0" b="0"/>
+      </a:effectRef>
+      <a:fontRef idx="minor"/>
+    </dgm:style>
+  </dgm:styleLbl>
+  <dgm:styleLbl name="asst0">
+    <dgm:scene3d>
+      <a:camera prst="orthographicFront"/>
+      <a:lightRig rig="threePt" dir="t"/>
+    </dgm:scene3d>
+    <dgm:sp3d/>
+    <dgm:txPr/>
+    <dgm:style>
+      <a:lnRef idx="2">
+        <a:scrgbClr r="0" g="0" b="0"/>
+      </a:lnRef>
+      <a:fillRef idx="1">
+        <a:scrgbClr r="0" g="0" b="0"/>
+      </a:fillRef>
+      <a:effectRef idx="0">
+        <a:scrgbClr r="0" g="0" b="0"/>
+      </a:effectRef>
+      <a:fontRef idx="minor">
+        <a:schemeClr val="lt1"/>
+      </a:fontRef>
+    </dgm:style>
+  </dgm:styleLbl>
+  <dgm:styleLbl name="asst1">
+    <dgm:scene3d>
+      <a:camera prst="orthographicFront"/>
+      <a:lightRig rig="threePt" dir="t"/>
+    </dgm:scene3d>
+    <dgm:sp3d/>
+    <dgm:txPr/>
+    <dgm:style>
+      <a:lnRef idx="2">
+        <a:scrgbClr r="0" g="0" b="0"/>
+      </a:lnRef>
+      <a:fillRef idx="1">
+        <a:scrgbClr r="0" g="0" b="0"/>
+      </a:fillRef>
+      <a:effectRef idx="0">
+        <a:scrgbClr r="0" g="0" b="0"/>
+      </a:effectRef>
+      <a:fontRef idx="minor">
+        <a:schemeClr val="lt1"/>
+      </a:fontRef>
+    </dgm:style>
+  </dgm:styleLbl>
+  <dgm:styleLbl name="asst2">
+    <dgm:scene3d>
+      <a:camera prst="orthographicFront"/>
+      <a:lightRig rig="threePt" dir="t"/>
+    </dgm:scene3d>
+    <dgm:sp3d/>
+    <dgm:txPr/>
+    <dgm:style>
+      <a:lnRef idx="2">
+        <a:scrgbClr r="0" g="0" b="0"/>
+      </a:lnRef>
+      <a:fillRef idx="1">
+        <a:scrgbClr r="0" g="0" b="0"/>
+      </a:fillRef>
+      <a:effectRef idx="0">
+        <a:scrgbClr r="0" g="0" b="0"/>
+      </a:effectRef>
+      <a:fontRef idx="minor">
+        <a:schemeClr val="lt1"/>
+      </a:fontRef>
+    </dgm:style>
+  </dgm:styleLbl>
+  <dgm:styleLbl name="asst3">
+    <dgm:scene3d>
+      <a:camera prst="orthographicFront"/>
+      <a:lightRig rig="threePt" dir="t"/>
+    </dgm:scene3d>
+    <dgm:sp3d/>
+    <dgm:txPr/>
+    <dgm:style>
+      <a:lnRef idx="2">
+        <a:scrgbClr r="0" g="0" b="0"/>
+      </a:lnRef>
+      <a:fillRef idx="1">
+        <a:scrgbClr r="0" g="0" b="0"/>
+      </a:fillRef>
+      <a:effectRef idx="0">
+        <a:scrgbClr r="0" g="0" b="0"/>
+      </a:effectRef>
+      <a:fontRef idx="minor">
+        <a:schemeClr val="lt1"/>
+      </a:fontRef>
+    </dgm:style>
+  </dgm:styleLbl>
+  <dgm:styleLbl name="asst4">
+    <dgm:scene3d>
+      <a:camera prst="orthographicFront"/>
+      <a:lightRig rig="threePt" dir="t"/>
+    </dgm:scene3d>
+    <dgm:sp3d/>
+    <dgm:txPr/>
+    <dgm:style>
+      <a:lnRef idx="2">
+        <a:scrgbClr r="0" g="0" b="0"/>
+      </a:lnRef>
+      <a:fillRef idx="1">
+        <a:scrgbClr r="0" g="0" b="0"/>
+      </a:fillRef>
+      <a:effectRef idx="0">
+        <a:scrgbClr r="0" g="0" b="0"/>
+      </a:effectRef>
+      <a:fontRef idx="minor">
+        <a:schemeClr val="lt1"/>
+      </a:fontRef>
+    </dgm:style>
+  </dgm:styleLbl>
+  <dgm:styleLbl name="parChTrans2D1">
+    <dgm:scene3d>
+      <a:camera prst="orthographicFront"/>
+      <a:lightRig rig="threePt" dir="t"/>
+    </dgm:scene3d>
+    <dgm:sp3d/>
+    <dgm:txPr/>
+    <dgm:style>
+      <a:lnRef idx="2">
+        <a:scrgbClr r="0" g="0" b="0"/>
+      </a:lnRef>
+      <a:fillRef idx="1">
+        <a:scrgbClr r="0" g="0" b="0"/>
+      </a:fillRef>
+      <a:effectRef idx="0">
+        <a:scrgbClr r="0" g="0" b="0"/>
+      </a:effectRef>
+      <a:fontRef idx="minor">
+        <a:schemeClr val="lt1"/>
+      </a:fontRef>
+    </dgm:style>
+  </dgm:styleLbl>
+  <dgm:styleLbl name="parChTrans2D2">
+    <dgm:scene3d>
+      <a:camera prst="orthographicFront"/>
+      <a:lightRig rig="threePt" dir="t"/>
+    </dgm:scene3d>
+    <dgm:sp3d/>
+    <dgm:txPr/>
+    <dgm:style>
+      <a:lnRef idx="2">
+        <a:scrgbClr r="0" g="0" b="0"/>
+      </a:lnRef>
+      <a:fillRef idx="1">
+        <a:scrgbClr r="0" g="0" b="0"/>
+      </a:fillRef>
+      <a:effectRef idx="0">
+        <a:scrgbClr r="0" g="0" b="0"/>
+      </a:effectRef>
+      <a:fontRef idx="minor">
+        <a:schemeClr val="lt1"/>
+      </a:fontRef>
+    </dgm:style>
+  </dgm:styleLbl>
+  <dgm:styleLbl name="parChTrans2D3">
+    <dgm:scene3d>
+      <a:camera prst="orthographicFront"/>
+      <a:lightRig rig="threePt" dir="t"/>
+    </dgm:scene3d>
+    <dgm:sp3d/>
+    <dgm:txPr/>
+    <dgm:style>
+      <a:lnRef idx="2">
+        <a:scrgbClr r="0" g="0" b="0"/>
+      </a:lnRef>
+      <a:fillRef idx="1">
+        <a:scrgbClr r="0" g="0" b="0"/>
+      </a:fillRef>
+      <a:effectRef idx="0">
+        <a:scrgbClr r="0" g="0" b="0"/>
+      </a:effectRef>
+      <a:fontRef idx="minor">
+        <a:schemeClr val="lt1"/>
+      </a:fontRef>
+    </dgm:style>
+  </dgm:styleLbl>
+  <dgm:styleLbl name="parChTrans2D4">
+    <dgm:scene3d>
+      <a:camera prst="orthographicFront"/>
+      <a:lightRig rig="threePt" dir="t"/>
+    </dgm:scene3d>
+    <dgm:sp3d/>
+    <dgm:txPr/>
+    <dgm:style>
+      <a:lnRef idx="2">
+        <a:scrgbClr r="0" g="0" b="0"/>
+      </a:lnRef>
+      <a:fillRef idx="1">
+        <a:scrgbClr r="0" g="0" b="0"/>
+      </a:fillRef>
+      <a:effectRef idx="0">
+        <a:scrgbClr r="0" g="0" b="0"/>
+      </a:effectRef>
+      <a:fontRef idx="minor">
+        <a:schemeClr val="lt1"/>
+      </a:fontRef>
+    </dgm:style>
+  </dgm:styleLbl>
+  <dgm:styleLbl name="parChTrans1D1">
+    <dgm:scene3d>
+      <a:camera prst="orthographicFront"/>
+      <a:lightRig rig="threePt" dir="t"/>
+    </dgm:scene3d>
+    <dgm:sp3d/>
+    <dgm:txPr/>
+    <dgm:style>
+      <a:lnRef idx="2">
+        <a:scrgbClr r="0" g="0" b="0"/>
+      </a:lnRef>
+      <a:fillRef idx="0">
+        <a:scrgbClr r="0" g="0" b="0"/>
+      </a:fillRef>
+      <a:effectRef idx="0">
+        <a:scrgbClr r="0" g="0" b="0"/>
+      </a:effectRef>
+      <a:fontRef idx="minor"/>
+    </dgm:style>
+  </dgm:styleLbl>
+  <dgm:styleLbl name="parChTrans1D2">
+    <dgm:scene3d>
+      <a:camera prst="orthographicFront"/>
+      <a:lightRig rig="threePt" dir="t"/>
+    </dgm:scene3d>
+    <dgm:sp3d/>
+    <dgm:txPr/>
+    <dgm:style>
+      <a:lnRef idx="2">
+        <a:scrgbClr r="0" g="0" b="0"/>
+      </a:lnRef>
+      <a:fillRef idx="0">
+        <a:scrgbClr r="0" g="0" b="0"/>
+      </a:fillRef>
+      <a:effectRef idx="0">
+        <a:scrgbClr r="0" g="0" b="0"/>
+      </a:effectRef>
+      <a:fontRef idx="minor"/>
+    </dgm:style>
+  </dgm:styleLbl>
+  <dgm:styleLbl name="parChTrans1D3">
+    <dgm:scene3d>
+      <a:camera prst="orthographicFront"/>
+      <a:lightRig rig="threePt" dir="t"/>
+    </dgm:scene3d>
+    <dgm:sp3d/>
+    <dgm:txPr/>
+    <dgm:style>
+      <a:lnRef idx="2">
+        <a:scrgbClr r="0" g="0" b="0"/>
+      </a:lnRef>
+      <a:fillRef idx="0">
+        <a:scrgbClr r="0" g="0" b="0"/>
+      </a:fillRef>
+      <a:effectRef idx="0">
+        <a:scrgbClr r="0" g="0" b="0"/>
+      </a:effectRef>
+      <a:fontRef idx="minor"/>
+    </dgm:style>
+  </dgm:styleLbl>
+  <dgm:styleLbl name="parChTrans1D4">
+    <dgm:scene3d>
+      <a:camera prst="orthographicFront"/>
+      <a:lightRig rig="threePt" dir="t"/>
+    </dgm:scene3d>
+    <dgm:sp3d/>
+    <dgm:txPr/>
+    <dgm:style>
+      <a:lnRef idx="2">
+        <a:scrgbClr r="0" g="0" b="0"/>
+      </a:lnRef>
+      <a:fillRef idx="0">
+        <a:scrgbClr r="0" g="0" b="0"/>
+      </a:fillRef>
+      <a:effectRef idx="0">
+        <a:scrgbClr r="0" g="0" b="0"/>
+      </a:effectRef>
+      <a:fontRef idx="minor"/>
+    </dgm:style>
+  </dgm:styleLbl>
+  <dgm:styleLbl name="fgAcc1">
+    <dgm:scene3d>
+      <a:camera prst="orthographicFront"/>
+      <a:lightRig rig="threePt" dir="t"/>
+    </dgm:scene3d>
+    <dgm:sp3d/>
+    <dgm:txPr/>
+    <dgm:style>
+      <a:lnRef idx="2">
+        <a:scrgbClr r="0" g="0" b="0"/>
+      </a:lnRef>
+      <a:fillRef idx="1">
+        <a:scrgbClr r="0" g="0" b="0"/>
+      </a:fillRef>
+      <a:effectRef idx="0">
+        <a:scrgbClr r="0" g="0" b="0"/>
+      </a:effectRef>
+      <a:fontRef idx="minor"/>
+    </dgm:style>
+  </dgm:styleLbl>
+  <dgm:styleLbl name="conFgAcc1">
+    <dgm:scene3d>
+      <a:camera prst="orthographicFront"/>
+      <a:lightRig rig="threePt" dir="t"/>
+    </dgm:scene3d>
+    <dgm:sp3d/>
+    <dgm:txPr/>
+    <dgm:style>
+      <a:lnRef idx="2">
+        <a:scrgbClr r="0" g="0" b="0"/>
+      </a:lnRef>
+      <a:fillRef idx="1">
+        <a:scrgbClr r="0" g="0" b="0"/>
+      </a:fillRef>
+      <a:effectRef idx="0">
+        <a:scrgbClr r="0" g="0" b="0"/>
+      </a:effectRef>
+      <a:fontRef idx="minor"/>
+    </dgm:style>
+  </dgm:styleLbl>
+  <dgm:styleLbl name="alignAcc1">
+    <dgm:scene3d>
+      <a:camera prst="orthographicFront"/>
+      <a:lightRig rig="threePt" dir="t"/>
+    </dgm:scene3d>
+    <dgm:sp3d/>
+    <dgm:txPr/>
+    <dgm:style>
+      <a:lnRef idx="2">
+        <a:scrgbClr r="0" g="0" b="0"/>
+      </a:lnRef>
+      <a:fillRef idx="1">
+        <a:scrgbClr r="0" g="0" b="0"/>
+      </a:fillRef>
+      <a:effectRef idx="0">
+        <a:scrgbClr r="0" g="0" b="0"/>
+      </a:effectRef>
+      <a:fontRef idx="minor"/>
+    </dgm:style>
+  </dgm:styleLbl>
+  <dgm:styleLbl name="trAlignAcc1">
+    <dgm:scene3d>
+      <a:camera prst="orthographicFront"/>
+      <a:lightRig rig="threePt" dir="t"/>
+    </dgm:scene3d>
+    <dgm:sp3d/>
+    <dgm:txPr/>
+    <dgm:style>
+      <a:lnRef idx="1">
+        <a:scrgbClr r="0" g="0" b="0"/>
+      </a:lnRef>
+      <a:fillRef idx="1">
+        <a:scrgbClr r="0" g="0" b="0"/>
+      </a:fillRef>
+      <a:effectRef idx="0">
+        <a:scrgbClr r="0" g="0" b="0"/>
+      </a:effectRef>
+      <a:fontRef idx="minor"/>
+    </dgm:style>
+  </dgm:styleLbl>
+  <dgm:styleLbl name="bgAcc1">
+    <dgm:scene3d>
+      <a:camera prst="orthographicFront"/>
+      <a:lightRig rig="threePt" dir="t"/>
+    </dgm:scene3d>
+    <dgm:sp3d/>
+    <dgm:txPr/>
+    <dgm:style>
+      <a:lnRef idx="2">
+        <a:scrgbClr r="0" g="0" b="0"/>
+      </a:lnRef>
+      <a:fillRef idx="1">
+        <a:scrgbClr r="0" g="0" b="0"/>
+      </a:fillRef>
+      <a:effectRef idx="0">
+        <a:scrgbClr r="0" g="0" b="0"/>
+      </a:effectRef>
+      <a:fontRef idx="minor"/>
+    </dgm:style>
+  </dgm:styleLbl>
+  <dgm:styleLbl name="solidFgAcc1">
+    <dgm:scene3d>
+      <a:camera prst="orthographicFront"/>
+      <a:lightRig rig="threePt" dir="t"/>
+    </dgm:scene3d>
+    <dgm:sp3d/>
+    <dgm:txPr/>
+    <dgm:style>
+      <a:lnRef idx="2">
+        <a:scrgbClr r="0" g="0" b="0"/>
+      </a:lnRef>
+      <a:fillRef idx="1">
+        <a:scrgbClr r="0" g="0" b="0"/>
+      </a:fillRef>
+      <a:effectRef idx="0">
+        <a:scrgbClr r="0" g="0" b="0"/>
+      </a:effectRef>
+      <a:fontRef idx="minor"/>
+    </dgm:style>
+  </dgm:styleLbl>
+  <dgm:styleLbl name="solidAlignAcc1">
+    <dgm:scene3d>
+      <a:camera prst="orthographicFront"/>
+      <a:lightRig rig="threePt" dir="t"/>
+    </dgm:scene3d>
+    <dgm:sp3d/>
+    <dgm:txPr/>
+    <dgm:style>
+      <a:lnRef idx="2">
+        <a:scrgbClr r="0" g="0" b="0"/>
+      </a:lnRef>
+      <a:fillRef idx="1">
+        <a:scrgbClr r="0" g="0" b="0"/>
+      </a:fillRef>
+      <a:effectRef idx="0">
+        <a:scrgbClr r="0" g="0" b="0"/>
+      </a:effectRef>
+      <a:fontRef idx="minor"/>
+    </dgm:style>
+  </dgm:styleLbl>
+  <dgm:styleLbl name="solidBgAcc1">
+    <dgm:scene3d>
+      <a:camera prst="orthographicFront"/>
+      <a:lightRig rig="threePt" dir="t"/>
+    </dgm:scene3d>
+    <dgm:sp3d/>
+    <dgm:txPr/>
+    <dgm:style>
+      <a:lnRef idx="2">
+        <a:scrgbClr r="0" g="0" b="0"/>
+      </a:lnRef>
+      <a:fillRef idx="1">
+        <a:scrgbClr r="0" g="0" b="0"/>
+      </a:fillRef>
+      <a:effectRef idx="0">
+        <a:scrgbClr r="0" g="0" b="0"/>
+      </a:effectRef>
+      <a:fontRef idx="minor"/>
+    </dgm:style>
+  </dgm:styleLbl>
+  <dgm:styleLbl name="fgAccFollowNode1">
+    <dgm:scene3d>
+      <a:camera prst="orthographicFront"/>
+      <a:lightRig rig="threePt" dir="t"/>
+    </dgm:scene3d>
+    <dgm:sp3d/>
+    <dgm:txPr/>
+    <dgm:style>
+      <a:lnRef idx="2">
+        <a:scrgbClr r="0" g="0" b="0"/>
+      </a:lnRef>
+      <a:fillRef idx="1">
+        <a:scrgbClr r="0" g="0" b="0"/>
+      </a:fillRef>
+      <a:effectRef idx="0">
+        <a:scrgbClr r="0" g="0" b="0"/>
+      </a:effectRef>
+      <a:fontRef idx="minor"/>
+    </dgm:style>
+  </dgm:styleLbl>
+  <dgm:styleLbl name="alignAccFollowNode1">
+    <dgm:scene3d>
+      <a:camera prst="orthographicFront"/>
+      <a:lightRig rig="threePt" dir="t"/>
+    </dgm:scene3d>
+    <dgm:sp3d/>
+    <dgm:txPr/>
+    <dgm:style>
+      <a:lnRef idx="2">
+        <a:scrgbClr r="0" g="0" b="0"/>
+      </a:lnRef>
+      <a:fillRef idx="1">
+        <a:scrgbClr r="0" g="0" b="0"/>
+      </a:fillRef>
+      <a:effectRef idx="0">
+        <a:scrgbClr r="0" g="0" b="0"/>
+      </a:effectRef>
+      <a:fontRef idx="minor"/>
+    </dgm:style>
+  </dgm:styleLbl>
+  <dgm:styleLbl name="bgAccFollowNode1">
+    <dgm:scene3d>
+      <a:camera prst="orthographicFront"/>
+      <a:lightRig rig="threePt" dir="t"/>
+    </dgm:scene3d>
+    <dgm:sp3d/>
+    <dgm:txPr/>
+    <dgm:style>
+      <a:lnRef idx="2">
+        <a:scrgbClr r="0" g="0" b="0"/>
+      </a:lnRef>
+      <a:fillRef idx="1">
+        <a:scrgbClr r="0" g="0" b="0"/>
+      </a:fillRef>
+      <a:effectRef idx="0">
+        <a:scrgbClr r="0" g="0" b="0"/>
+      </a:effectRef>
+      <a:fontRef idx="minor"/>
+    </dgm:style>
+  </dgm:styleLbl>
+  <dgm:styleLbl name="fgAcc0">
+    <dgm:scene3d>
+      <a:camera prst="orthographicFront"/>
+      <a:lightRig rig="threePt" dir="t"/>
+    </dgm:scene3d>
+    <dgm:sp3d/>
+    <dgm:txPr/>
+    <dgm:style>
+      <a:lnRef idx="2">
+        <a:scrgbClr r="0" g="0" b="0"/>
+      </a:lnRef>
+      <a:fillRef idx="1">
+        <a:scrgbClr r="0" g="0" b="0"/>
+      </a:fillRef>
+      <a:effectRef idx="0">
+        <a:scrgbClr r="0" g="0" b="0"/>
+      </a:effectRef>
+      <a:fontRef idx="minor"/>
+    </dgm:style>
+  </dgm:styleLbl>
+  <dgm:styleLbl name="fgAcc2">
+    <dgm:scene3d>
+      <a:camera prst="orthographicFront"/>
+      <a:lightRig rig="threePt" dir="t"/>
+    </dgm:scene3d>
+    <dgm:sp3d/>
+    <dgm:txPr/>
+    <dgm:style>
+      <a:lnRef idx="2">
+        <a:scrgbClr r="0" g="0" b="0"/>
+      </a:lnRef>
+      <a:fillRef idx="1">
+        <a:scrgbClr r="0" g="0" b="0"/>
+      </a:fillRef>
+      <a:effectRef idx="0">
+        <a:scrgbClr r="0" g="0" b="0"/>
+      </a:effectRef>
+      <a:fontRef idx="minor"/>
+    </dgm:style>
+  </dgm:styleLbl>
+  <dgm:styleLbl name="fgAcc3">
+    <dgm:scene3d>
+      <a:camera prst="orthographicFront"/>
+      <a:lightRig rig="threePt" dir="t"/>
+    </dgm:scene3d>
+    <dgm:sp3d/>
+    <dgm:txPr/>
+    <dgm:style>
+      <a:lnRef idx="2">
+        <a:scrgbClr r="0" g="0" b="0"/>
+      </a:lnRef>
+      <a:fillRef idx="1">
+        <a:scrgbClr r="0" g="0" b="0"/>
+      </a:fillRef>
+      <a:effectRef idx="0">
+        <a:scrgbClr r="0" g="0" b="0"/>
+      </a:effectRef>
+      <a:fontRef idx="minor"/>
+    </dgm:style>
+  </dgm:styleLbl>
+  <dgm:styleLbl name="fgAcc4">
+    <dgm:scene3d>
+      <a:camera prst="orthographicFront"/>
+      <a:lightRig rig="threePt" dir="t"/>
+    </dgm:scene3d>
+    <dgm:sp3d/>
+    <dgm:txPr/>
+    <dgm:style>
+      <a:lnRef idx="2">
+        <a:scrgbClr r="0" g="0" b="0"/>
+      </a:lnRef>
+      <a:fillRef idx="1">
+        <a:scrgbClr r="0" g="0" b="0"/>
+      </a:fillRef>
+      <a:effectRef idx="0">
+        <a:scrgbClr r="0" g="0" b="0"/>
+      </a:effectRef>
+      <a:fontRef idx="minor"/>
+    </dgm:style>
+  </dgm:styleLbl>
+  <dgm:styleLbl name="bgShp">
+    <dgm:scene3d>
+      <a:camera prst="orthographicFront"/>
+      <a:lightRig rig="threePt" dir="t"/>
+    </dgm:scene3d>
+    <dgm:sp3d/>
+    <dgm:txPr/>
+    <dgm:style>
+      <a:lnRef idx="0">
+        <a:scrgbClr r="0" g="0" b="0"/>
+      </a:lnRef>
+      <a:fillRef idx="1">
+        <a:scrgbClr r="0" g="0" b="0"/>
+      </a:fillRef>
+      <a:effectRef idx="0">
+        <a:scrgbClr r="0" g="0" b="0"/>
+      </a:effectRef>
+      <a:fontRef idx="minor"/>
+    </dgm:style>
+  </dgm:styleLbl>
+  <dgm:styleLbl name="dkBgShp">
+    <dgm:scene3d>
+      <a:camera prst="orthographicFront"/>
+      <a:lightRig rig="threePt" dir="t"/>
+    </dgm:scene3d>
+    <dgm:sp3d/>
+    <dgm:txPr/>
+    <dgm:style>
+      <a:lnRef idx="0">
+        <a:scrgbClr r="0" g="0" b="0"/>
+      </a:lnRef>
+      <a:fillRef idx="1">
+        <a:scrgbClr r="0" g="0" b="0"/>
+      </a:fillRef>
+      <a:effectRef idx="0">
+        <a:scrgbClr r="0" g="0" b="0"/>
+      </a:effectRef>
+      <a:fontRef idx="minor"/>
+    </dgm:style>
+  </dgm:styleLbl>
+  <dgm:styleLbl name="trBgShp">
+    <dgm:scene3d>
+      <a:camera prst="orthographicFront"/>
+      <a:lightRig rig="threePt" dir="t"/>
+    </dgm:scene3d>
+    <dgm:sp3d/>
+    <dgm:txPr/>
+    <dgm:style>
+      <a:lnRef idx="0">
+        <a:scrgbClr r="0" g="0" b="0"/>
+      </a:lnRef>
+      <a:fillRef idx="1">
+        <a:scrgbClr r="0" g="0" b="0"/>
+      </a:fillRef>
+      <a:effectRef idx="0">
+        <a:scrgbClr r="0" g="0" b="0"/>
+      </a:effectRef>
+      <a:fontRef idx="minor"/>
+    </dgm:style>
+  </dgm:styleLbl>
+  <dgm:styleLbl name="fgShp">
+    <dgm:scene3d>
+      <a:camera prst="orthographicFront"/>
+      <a:lightRig rig="threePt" dir="t"/>
+    </dgm:scene3d>
+    <dgm:sp3d/>
+    <dgm:txPr/>
+    <dgm:style>
+      <a:lnRef idx="2">
+        <a:scrgbClr r="0" g="0" b="0"/>
+      </a:lnRef>
+      <a:fillRef idx="1">
+        <a:scrgbClr r="0" g="0" b="0"/>
+      </a:fillRef>
+      <a:effectRef idx="0">
+        <a:scrgbClr r="0" g="0" b="0"/>
+      </a:effectRef>
+      <a:fontRef idx="minor"/>
+    </dgm:style>
+  </dgm:styleLbl>
+  <dgm:styleLbl name="revTx">
+    <dgm:scene3d>
+      <a:camera prst="orthographicFront"/>
+      <a:lightRig rig="threePt" dir="t"/>
+    </dgm:scene3d>
+    <dgm:sp3d/>
+    <dgm:txPr/>
+    <dgm:style>
+      <a:lnRef idx="0">
+        <a:scrgbClr r="0" g="0" b="0"/>
+      </a:lnRef>
+      <a:fillRef idx="0">
+        <a:scrgbClr r="0" g="0" b="0"/>
+      </a:fillRef>
+      <a:effectRef idx="0">
+        <a:scrgbClr r="0" g="0" b="0"/>
+      </a:effectRef>
+      <a:fontRef idx="minor"/>
+    </dgm:style>
+  </dgm:styleLbl>
+</dgm:styleDef>
 </file>
 
 <file path=ppt/slideLayouts/slideLayout1.xml><?xml version="1.0" encoding="utf-8"?>
@@ -1866,7 +4958,7 @@
           <a:p>
             <a:fld id="{53B48873-1367-441C-BC17-31F743A3F448}" type="datetimeFigureOut">
               <a:rPr lang="en-US" smtClean="0"/>
-              <a:t>10-Apr-20</a:t>
+              <a:t>15-Apr-20</a:t>
             </a:fld>
             <a:endParaRPr lang="en-US"/>
           </a:p>
@@ -2074,7 +5166,7 @@
           <a:p>
             <a:fld id="{53B48873-1367-441C-BC17-31F743A3F448}" type="datetimeFigureOut">
               <a:rPr lang="en-US" smtClean="0"/>
-              <a:t>10-Apr-20</a:t>
+              <a:t>15-Apr-20</a:t>
             </a:fld>
             <a:endParaRPr lang="en-US"/>
           </a:p>
@@ -2330,7 +5422,7 @@
           <a:p>
             <a:fld id="{53B48873-1367-441C-BC17-31F743A3F448}" type="datetimeFigureOut">
               <a:rPr lang="en-US" smtClean="0"/>
-              <a:t>10-Apr-20</a:t>
+              <a:t>15-Apr-20</a:t>
             </a:fld>
             <a:endParaRPr lang="en-US"/>
           </a:p>
@@ -2504,7 +5596,7 @@
           <a:p>
             <a:fld id="{53B48873-1367-441C-BC17-31F743A3F448}" type="datetimeFigureOut">
               <a:rPr lang="en-US" smtClean="0"/>
-              <a:t>10-Apr-20</a:t>
+              <a:t>15-Apr-20</a:t>
             </a:fld>
             <a:endParaRPr lang="en-US"/>
           </a:p>
@@ -2847,7 +5939,7 @@
           <a:p>
             <a:fld id="{53B48873-1367-441C-BC17-31F743A3F448}" type="datetimeFigureOut">
               <a:rPr lang="en-US" smtClean="0"/>
-              <a:t>10-Apr-20</a:t>
+              <a:t>15-Apr-20</a:t>
             </a:fld>
             <a:endParaRPr lang="en-US"/>
           </a:p>
@@ -3122,7 +6214,7 @@
           <a:p>
             <a:fld id="{53B48873-1367-441C-BC17-31F743A3F448}" type="datetimeFigureOut">
               <a:rPr lang="en-US" smtClean="0"/>
-              <a:t>10-Apr-20</a:t>
+              <a:t>15-Apr-20</a:t>
             </a:fld>
             <a:endParaRPr lang="en-US"/>
           </a:p>
@@ -3501,7 +6593,7 @@
           <a:p>
             <a:fld id="{53B48873-1367-441C-BC17-31F743A3F448}" type="datetimeFigureOut">
               <a:rPr lang="en-US" smtClean="0"/>
-              <a:t>10-Apr-20</a:t>
+              <a:t>15-Apr-20</a:t>
             </a:fld>
             <a:endParaRPr lang="en-US"/>
           </a:p>
@@ -3619,7 +6711,7 @@
           <a:p>
             <a:fld id="{53B48873-1367-441C-BC17-31F743A3F448}" type="datetimeFigureOut">
               <a:rPr lang="en-US" smtClean="0"/>
-              <a:t>10-Apr-20</a:t>
+              <a:t>15-Apr-20</a:t>
             </a:fld>
             <a:endParaRPr lang="en-US"/>
           </a:p>
@@ -3790,7 +6882,7 @@
           <a:p>
             <a:fld id="{53B48873-1367-441C-BC17-31F743A3F448}" type="datetimeFigureOut">
               <a:rPr lang="en-US" smtClean="0"/>
-              <a:t>10-Apr-20</a:t>
+              <a:t>15-Apr-20</a:t>
             </a:fld>
             <a:endParaRPr lang="en-US"/>
           </a:p>
@@ -4144,7 +7236,7 @@
           <a:p>
             <a:fld id="{53B48873-1367-441C-BC17-31F743A3F448}" type="datetimeFigureOut">
               <a:rPr lang="en-US" smtClean="0"/>
-              <a:t>10-Apr-20</a:t>
+              <a:t>15-Apr-20</a:t>
             </a:fld>
             <a:endParaRPr lang="en-US"/>
           </a:p>
@@ -4526,7 +7618,7 @@
           <a:p>
             <a:fld id="{53B48873-1367-441C-BC17-31F743A3F448}" type="datetimeFigureOut">
               <a:rPr lang="en-US" smtClean="0"/>
-              <a:t>10-Apr-20</a:t>
+              <a:t>15-Apr-20</a:t>
             </a:fld>
             <a:endParaRPr lang="en-US"/>
           </a:p>
@@ -4813,7 +7905,7 @@
           <a:p>
             <a:fld id="{53B48873-1367-441C-BC17-31F743A3F448}" type="datetimeFigureOut">
               <a:rPr lang="en-US" smtClean="0"/>
-              <a:t>10-Apr-20</a:t>
+              <a:t>15-Apr-20</a:t>
             </a:fld>
             <a:endParaRPr lang="en-US"/>
           </a:p>
@@ -5714,12 +8806,12 @@
           <a:chExt cx="0" cy="0"/>
         </a:xfrm>
       </p:grpSpPr>
-      <p:sp>
-        <p:nvSpPr>
-          <p:cNvPr id="10" name="Rectangle 12">
+      <p:sp useBgFill="1">
+        <p:nvSpPr>
+          <p:cNvPr id="36" name="Rectangle 35">
             <a:extLst>
               <a:ext uri="{FF2B5EF4-FFF2-40B4-BE49-F238E27FC236}">
-                <a16:creationId xmlns:a16="http://schemas.microsoft.com/office/drawing/2014/main" id="{4E4490D0-3672-446A-AC12-B4830333BDDD}"/>
+                <a16:creationId xmlns:a16="http://schemas.microsoft.com/office/drawing/2014/main" id="{990D0034-F768-41E7-85D4-F38C4DE85770}"/>
               </a:ext>
               <a:ext uri="{C183D7F6-B498-43B3-948B-1728B52AA6E4}">
                 <adec:decorative xmlns:adec="http://schemas.microsoft.com/office/drawing/2017/decorative" val="1"/>
@@ -5739,8 +8831,68 @@
         </p:nvSpPr>
         <p:spPr>
           <a:xfrm>
-            <a:off x="3175" y="6400800"/>
-            <a:ext cx="12188825" cy="457200"/>
+            <a:off x="0" y="0"/>
+            <a:ext cx="12186315" cy="6858000"/>
+          </a:xfrm>
+          <a:prstGeom prst="rect">
+            <a:avLst/>
+          </a:prstGeom>
+          <a:ln>
+            <a:noFill/>
+          </a:ln>
+        </p:spPr>
+        <p:style>
+          <a:lnRef idx="2">
+            <a:schemeClr val="accent6">
+              <a:shade val="50000"/>
+            </a:schemeClr>
+          </a:lnRef>
+          <a:fillRef idx="1001">
+            <a:schemeClr val="lt1"/>
+          </a:fillRef>
+          <a:effectRef idx="0">
+            <a:schemeClr val="accent6"/>
+          </a:effectRef>
+          <a:fontRef idx="minor">
+            <a:schemeClr val="lt1"/>
+          </a:fontRef>
+        </p:style>
+        <p:txBody>
+          <a:bodyPr rtlCol="0" anchor="ctr"/>
+          <a:lstStyle/>
+          <a:p>
+            <a:pPr algn="ctr"/>
+            <a:endParaRPr lang="en-US"/>
+          </a:p>
+        </p:txBody>
+      </p:sp>
+      <p:sp>
+        <p:nvSpPr>
+          <p:cNvPr id="38" name="Rectangle 37">
+            <a:extLst>
+              <a:ext uri="{FF2B5EF4-FFF2-40B4-BE49-F238E27FC236}">
+                <a16:creationId xmlns:a16="http://schemas.microsoft.com/office/drawing/2014/main" id="{C4F7E42D-8B5A-4FC8-81CD-9E60171F7FA8}"/>
+              </a:ext>
+              <a:ext uri="{C183D7F6-B498-43B3-948B-1728B52AA6E4}">
+                <adec:decorative xmlns:adec="http://schemas.microsoft.com/office/drawing/2017/decorative" val="1"/>
+              </a:ext>
+            </a:extLst>
+          </p:cNvPr>
+          <p:cNvSpPr>
+            <a:spLocks noGrp="1" noRot="1" noChangeAspect="1" noMove="1" noResize="1" noEditPoints="1" noAdjustHandles="1" noChangeArrowheads="1" noChangeShapeType="1" noTextEdit="1"/>
+          </p:cNvSpPr>
+          <p:nvPr>
+            <p:extLst>
+              <p:ext uri="{386F3935-93C4-4BCD-93E2-E3B085C9AB24}">
+                <p16:designElem xmlns:p16="http://schemas.microsoft.com/office/powerpoint/2015/main" val="1"/>
+              </p:ext>
+            </p:extLst>
+          </p:nvPr>
+        </p:nvSpPr>
+        <p:spPr>
+          <a:xfrm>
+            <a:off x="16" y="0"/>
+            <a:ext cx="4050791" cy="6858000"/>
           </a:xfrm>
           <a:prstGeom prst="rect">
             <a:avLst/>
@@ -5771,10 +8923,342 @@
       </p:sp>
       <p:sp>
         <p:nvSpPr>
-          <p:cNvPr id="11" name="Rectangle 14">
+          <p:cNvPr id="8" name="Rectangle 7">
             <a:extLst>
               <a:ext uri="{FF2B5EF4-FFF2-40B4-BE49-F238E27FC236}">
-                <a16:creationId xmlns:a16="http://schemas.microsoft.com/office/drawing/2014/main" id="{39CB82C2-DF65-4EC1-8280-F201D50F570B}"/>
+                <a16:creationId xmlns:a16="http://schemas.microsoft.com/office/drawing/2014/main" id="{90E4248E-0AB2-4168-82D5-4D95494DEA86}"/>
+              </a:ext>
+            </a:extLst>
+          </p:cNvPr>
+          <p:cNvSpPr/>
+          <p:nvPr/>
+        </p:nvSpPr>
+        <p:spPr>
+          <a:xfrm>
+            <a:off x="492370" y="516835"/>
+            <a:ext cx="3084844" cy="1066433"/>
+          </a:xfrm>
+          <a:prstGeom prst="rect">
+            <a:avLst/>
+          </a:prstGeom>
+        </p:spPr>
+        <p:txBody>
+          <a:bodyPr vert="horz" lIns="91440" tIns="45720" rIns="91440" bIns="45720" rtlCol="0" anchor="b">
+            <a:normAutofit/>
+          </a:bodyPr>
+          <a:lstStyle/>
+          <a:p>
+            <a:pPr defTabSz="914400">
+              <a:lnSpc>
+                <a:spcPct val="85000"/>
+              </a:lnSpc>
+              <a:spcBef>
+                <a:spcPct val="0"/>
+              </a:spcBef>
+              <a:spcAft>
+                <a:spcPts val="600"/>
+              </a:spcAft>
+            </a:pPr>
+            <a:r>
+              <a:rPr lang="en-US" altLang="en-US" sz="3600" kern="1200" spc="-50" baseline="0" dirty="0">
+                <a:solidFill>
+                  <a:srgbClr val="FFFFFF"/>
+                </a:solidFill>
+                <a:latin typeface="+mj-lt"/>
+                <a:ea typeface="+mj-ea"/>
+                <a:cs typeface="+mj-cs"/>
+              </a:rPr>
+              <a:t>Logistic Regression</a:t>
+            </a:r>
+            <a:endParaRPr lang="en-US" sz="3600" kern="1200" spc="-50" baseline="0" dirty="0">
+              <a:solidFill>
+                <a:srgbClr val="FFFFFF"/>
+              </a:solidFill>
+              <a:latin typeface="+mj-lt"/>
+              <a:ea typeface="+mj-ea"/>
+              <a:cs typeface="+mj-cs"/>
+            </a:endParaRPr>
+          </a:p>
+        </p:txBody>
+      </p:sp>
+      <p:sp>
+        <p:nvSpPr>
+          <p:cNvPr id="3" name="Rectangle 2">
+            <a:extLst>
+              <a:ext uri="{FF2B5EF4-FFF2-40B4-BE49-F238E27FC236}">
+                <a16:creationId xmlns:a16="http://schemas.microsoft.com/office/drawing/2014/main" id="{9CAFEBF6-002D-4929-AEAB-02A5EFF74615}"/>
+              </a:ext>
+            </a:extLst>
+          </p:cNvPr>
+          <p:cNvSpPr/>
+          <p:nvPr/>
+        </p:nvSpPr>
+        <p:spPr>
+          <a:xfrm>
+            <a:off x="492371" y="1583268"/>
+            <a:ext cx="3084844" cy="4406052"/>
+          </a:xfrm>
+          <a:prstGeom prst="rect">
+            <a:avLst/>
+          </a:prstGeom>
+        </p:spPr>
+        <p:style>
+          <a:lnRef idx="2">
+            <a:schemeClr val="accent1">
+              <a:shade val="50000"/>
+            </a:schemeClr>
+          </a:lnRef>
+          <a:fillRef idx="1">
+            <a:schemeClr val="accent1"/>
+          </a:fillRef>
+          <a:effectRef idx="0">
+            <a:schemeClr val="accent1"/>
+          </a:effectRef>
+          <a:fontRef idx="minor">
+            <a:schemeClr val="lt1"/>
+          </a:fontRef>
+        </p:style>
+        <p:txBody>
+          <a:bodyPr vert="horz" lIns="0" tIns="45720" rIns="0" bIns="45720" rtlCol="0">
+            <a:normAutofit lnSpcReduction="10000"/>
+          </a:bodyPr>
+          <a:lstStyle/>
+          <a:p>
+            <a:pPr defTabSz="914400">
+              <a:lnSpc>
+                <a:spcPct val="90000"/>
+              </a:lnSpc>
+              <a:spcAft>
+                <a:spcPts val="600"/>
+              </a:spcAft>
+              <a:buClr>
+                <a:schemeClr val="accent1"/>
+              </a:buClr>
+              <a:buFont typeface="Calibri" panose="020F0502020204030204" pitchFamily="34" charset="0"/>
+            </a:pPr>
+            <a:r>
+              <a:rPr lang="en-US" sz="1400" dirty="0">
+                <a:solidFill>
+                  <a:srgbClr val="FFFFFF"/>
+                </a:solidFill>
+              </a:rPr>
+              <a:t>Applying logistic to predict required number of docks based on predictor variables a. </a:t>
+            </a:r>
+            <a:r>
+              <a:rPr lang="en-US" sz="1400" dirty="0" err="1">
+                <a:solidFill>
+                  <a:srgbClr val="FFFFFF"/>
+                </a:solidFill>
+              </a:rPr>
+              <a:t>tripduration</a:t>
+            </a:r>
+            <a:r>
+              <a:rPr lang="en-US" sz="1400" dirty="0">
+                <a:solidFill>
+                  <a:srgbClr val="FFFFFF"/>
+                </a:solidFill>
+              </a:rPr>
+              <a:t> b. </a:t>
+            </a:r>
+            <a:r>
+              <a:rPr lang="en-US" sz="1400" dirty="0" err="1">
+                <a:solidFill>
+                  <a:srgbClr val="FFFFFF"/>
+                </a:solidFill>
+              </a:rPr>
+              <a:t>to_station_id</a:t>
+            </a:r>
+            <a:r>
+              <a:rPr lang="en-US" sz="1400" dirty="0">
+                <a:solidFill>
+                  <a:srgbClr val="FFFFFF"/>
+                </a:solidFill>
+              </a:rPr>
+              <a:t> c. </a:t>
+            </a:r>
+            <a:r>
+              <a:rPr lang="en-US" sz="1400" dirty="0" err="1">
+                <a:solidFill>
+                  <a:srgbClr val="FFFFFF"/>
+                </a:solidFill>
+              </a:rPr>
+              <a:t>to_longitude</a:t>
+            </a:r>
+            <a:r>
+              <a:rPr lang="en-US" sz="1400" dirty="0">
+                <a:solidFill>
+                  <a:srgbClr val="FFFFFF"/>
+                </a:solidFill>
+              </a:rPr>
+              <a:t> d. </a:t>
+            </a:r>
+            <a:r>
+              <a:rPr lang="en-US" sz="1400" dirty="0" err="1">
+                <a:solidFill>
+                  <a:srgbClr val="FFFFFF"/>
+                </a:solidFill>
+              </a:rPr>
+              <a:t>from_longitude</a:t>
+            </a:r>
+            <a:r>
+              <a:rPr lang="en-US" sz="1400" dirty="0">
+                <a:solidFill>
+                  <a:srgbClr val="FFFFFF"/>
+                </a:solidFill>
+              </a:rPr>
+              <a:t> d. revenue identified using correlation matrix. </a:t>
+            </a:r>
+          </a:p>
+          <a:p>
+            <a:pPr defTabSz="914400">
+              <a:lnSpc>
+                <a:spcPct val="90000"/>
+              </a:lnSpc>
+              <a:spcAft>
+                <a:spcPts val="600"/>
+              </a:spcAft>
+              <a:buClr>
+                <a:schemeClr val="accent1"/>
+              </a:buClr>
+              <a:buFont typeface="Calibri" panose="020F0502020204030204" pitchFamily="34" charset="0"/>
+            </a:pPr>
+            <a:endParaRPr lang="en-US" sz="1400" dirty="0">
+              <a:solidFill>
+                <a:srgbClr val="FFFFFF"/>
+              </a:solidFill>
+            </a:endParaRPr>
+          </a:p>
+          <a:p>
+            <a:pPr defTabSz="914400">
+              <a:lnSpc>
+                <a:spcPct val="90000"/>
+              </a:lnSpc>
+              <a:spcAft>
+                <a:spcPts val="600"/>
+              </a:spcAft>
+              <a:buClr>
+                <a:schemeClr val="accent1"/>
+              </a:buClr>
+              <a:buFont typeface="Calibri" panose="020F0502020204030204" pitchFamily="34" charset="0"/>
+            </a:pPr>
+            <a:r>
+              <a:rPr lang="en-US" sz="1400" dirty="0">
+                <a:solidFill>
+                  <a:srgbClr val="FFFFFF"/>
+                </a:solidFill>
+              </a:rPr>
+              <a:t>Obtained output was used to compare it with existing docks and the difference was used to identify which station need extra docks or which one has extra docks. Costing was calculated assuming each dock setup requires $400</a:t>
+            </a:r>
+          </a:p>
+          <a:p>
+            <a:pPr defTabSz="914400">
+              <a:lnSpc>
+                <a:spcPct val="90000"/>
+              </a:lnSpc>
+              <a:spcAft>
+                <a:spcPts val="600"/>
+              </a:spcAft>
+              <a:buClr>
+                <a:schemeClr val="accent1"/>
+              </a:buClr>
+              <a:buFont typeface="Calibri" panose="020F0502020204030204" pitchFamily="34" charset="0"/>
+            </a:pPr>
+            <a:endParaRPr lang="en-US" sz="1400" dirty="0">
+              <a:solidFill>
+                <a:srgbClr val="FFFFFF"/>
+              </a:solidFill>
+            </a:endParaRPr>
+          </a:p>
+          <a:p>
+            <a:pPr defTabSz="914400">
+              <a:lnSpc>
+                <a:spcPct val="90000"/>
+              </a:lnSpc>
+              <a:spcAft>
+                <a:spcPts val="600"/>
+              </a:spcAft>
+              <a:buClr>
+                <a:schemeClr val="accent1"/>
+              </a:buClr>
+              <a:buFont typeface="Calibri" panose="020F0502020204030204" pitchFamily="34" charset="0"/>
+            </a:pPr>
+            <a:r>
+              <a:rPr lang="en-US" sz="1400" dirty="0">
+                <a:solidFill>
+                  <a:srgbClr val="FFFFFF"/>
+                </a:solidFill>
+              </a:rPr>
+              <a:t>Conclusion: Assuming $400 for each dock using logistic regression,  it is estimated that Divvy can save $ 46,800  if setup dock as per prediction made by this model</a:t>
+            </a:r>
+          </a:p>
+          <a:p>
+            <a:pPr defTabSz="914400">
+              <a:lnSpc>
+                <a:spcPct val="90000"/>
+              </a:lnSpc>
+              <a:spcAft>
+                <a:spcPts val="600"/>
+              </a:spcAft>
+              <a:buClr>
+                <a:schemeClr val="accent1"/>
+              </a:buClr>
+              <a:buFont typeface="Calibri" panose="020F0502020204030204" pitchFamily="34" charset="0"/>
+            </a:pPr>
+            <a:endParaRPr lang="en-US" sz="1400" dirty="0">
+              <a:solidFill>
+                <a:srgbClr val="FFFFFF"/>
+              </a:solidFill>
+            </a:endParaRPr>
+          </a:p>
+          <a:p>
+            <a:pPr defTabSz="914400">
+              <a:lnSpc>
+                <a:spcPct val="90000"/>
+              </a:lnSpc>
+              <a:spcAft>
+                <a:spcPts val="600"/>
+              </a:spcAft>
+              <a:buClr>
+                <a:schemeClr val="accent1"/>
+              </a:buClr>
+              <a:buFont typeface="Calibri" panose="020F0502020204030204" pitchFamily="34" charset="0"/>
+            </a:pPr>
+            <a:r>
+              <a:rPr lang="en-US" sz="1400" dirty="0">
+                <a:solidFill>
+                  <a:srgbClr val="FFFFFF"/>
+                </a:solidFill>
+              </a:rPr>
+              <a:t>There are 281 docks which require extra docks and if implemented can serve to customer in better way</a:t>
+            </a:r>
+          </a:p>
+          <a:p>
+            <a:pPr defTabSz="914400">
+              <a:lnSpc>
+                <a:spcPct val="90000"/>
+              </a:lnSpc>
+              <a:spcAft>
+                <a:spcPts val="600"/>
+              </a:spcAft>
+              <a:buClr>
+                <a:schemeClr val="accent1"/>
+              </a:buClr>
+              <a:buFont typeface="Calibri" panose="020F0502020204030204" pitchFamily="34" charset="0"/>
+            </a:pPr>
+            <a:endParaRPr lang="en-US" sz="1400" dirty="0">
+              <a:solidFill>
+                <a:srgbClr val="FFFFFF"/>
+              </a:solidFill>
+            </a:endParaRPr>
+          </a:p>
+        </p:txBody>
+      </p:sp>
+      <p:sp>
+        <p:nvSpPr>
+          <p:cNvPr id="40" name="Rectangle 39">
+            <a:extLst>
+              <a:ext uri="{FF2B5EF4-FFF2-40B4-BE49-F238E27FC236}">
+                <a16:creationId xmlns:a16="http://schemas.microsoft.com/office/drawing/2014/main" id="{8C04651D-B9F4-4935-A02D-364153FBDF54}"/>
               </a:ext>
               <a:ext uri="{C183D7F6-B498-43B3-948B-1728B52AA6E4}">
                 <adec:decorative xmlns:adec="http://schemas.microsoft.com/office/drawing/2017/decorative" val="1"/>
@@ -5794,8 +9278,8 @@
         </p:nvSpPr>
         <p:spPr>
           <a:xfrm>
-            <a:off x="15" y="6334316"/>
-            <a:ext cx="12188825" cy="64008"/>
+            <a:off x="4040071" y="0"/>
+            <a:ext cx="64008" cy="6858000"/>
           </a:xfrm>
           <a:prstGeom prst="rect">
             <a:avLst/>
@@ -5824,67 +9308,80 @@
           </a:fontRef>
         </p:style>
       </p:sp>
-      <p:cxnSp>
-        <p:nvCxnSpPr>
-          <p:cNvPr id="12" name="Straight Connector 16">
+      <p:pic>
+        <p:nvPicPr>
+          <p:cNvPr id="5" name="Picture 4">
             <a:extLst>
               <a:ext uri="{FF2B5EF4-FFF2-40B4-BE49-F238E27FC236}">
-                <a16:creationId xmlns:a16="http://schemas.microsoft.com/office/drawing/2014/main" id="{7E1D4427-852B-4B37-8E76-0E9F1810BA2A}"/>
-              </a:ext>
-              <a:ext uri="{C183D7F6-B498-43B3-948B-1728B52AA6E4}">
-                <adec:decorative xmlns:adec="http://schemas.microsoft.com/office/drawing/2017/decorative" val="1"/>
+                <a16:creationId xmlns:a16="http://schemas.microsoft.com/office/drawing/2014/main" id="{E64537AC-C6EA-4ABE-948B-3D1F9ABFCF7F}"/>
               </a:ext>
             </a:extLst>
           </p:cNvPr>
-          <p:cNvCxnSpPr>
-            <a:cxnSpLocks noGrp="1" noRot="1" noChangeAspect="1" noMove="1" noResize="1" noEditPoints="1" noAdjustHandles="1" noChangeArrowheads="1" noChangeShapeType="1"/>
-          </p:cNvCxnSpPr>
-          <p:nvPr>
-            <p:extLst>
-              <p:ext uri="{386F3935-93C4-4BCD-93E2-E3B085C9AB24}">
-                <p16:designElem xmlns:p16="http://schemas.microsoft.com/office/powerpoint/2015/main" val="1"/>
-              </p:ext>
-            </p:extLst>
-          </p:nvPr>
-        </p:nvCxnSpPr>
+          <p:cNvPicPr>
+            <a:picLocks noChangeAspect="1"/>
+          </p:cNvPicPr>
+          <p:nvPr/>
+        </p:nvPicPr>
+        <p:blipFill>
+          <a:blip r:embed="rId2"/>
+          <a:stretch>
+            <a:fillRect/>
+          </a:stretch>
+        </p:blipFill>
         <p:spPr>
           <a:xfrm>
-            <a:off x="1207658" y="4343400"/>
-            <a:ext cx="9875520" cy="0"/>
+            <a:off x="4745290" y="350992"/>
+            <a:ext cx="6685265" cy="6156015"/>
           </a:xfrm>
-          <a:prstGeom prst="line">
+          <a:prstGeom prst="rect">
             <a:avLst/>
           </a:prstGeom>
-          <a:ln w="6350">
-            <a:solidFill>
-              <a:schemeClr val="tx1">
-                <a:lumMod val="50000"/>
-                <a:lumOff val="50000"/>
-              </a:schemeClr>
-            </a:solidFill>
-          </a:ln>
         </p:spPr>
-        <p:style>
-          <a:lnRef idx="1">
-            <a:schemeClr val="accent1"/>
-          </a:lnRef>
-          <a:fillRef idx="0">
-            <a:schemeClr val="accent1"/>
-          </a:fillRef>
-          <a:effectRef idx="0">
-            <a:schemeClr val="accent1"/>
-          </a:effectRef>
-          <a:fontRef idx="minor">
-            <a:schemeClr val="tx1"/>
-          </a:fontRef>
-        </p:style>
-      </p:cxnSp>
+      </p:pic>
+    </p:spTree>
+    <p:extLst>
+      <p:ext uri="{BB962C8B-B14F-4D97-AF65-F5344CB8AC3E}">
+        <p14:creationId xmlns:p14="http://schemas.microsoft.com/office/powerpoint/2010/main" val="1497257817"/>
+      </p:ext>
+    </p:extLst>
+  </p:cSld>
+  <p:clrMapOvr>
+    <a:masterClrMapping/>
+  </p:clrMapOvr>
+</p:sld>
+</file>
+
+<file path=ppt/slides/slide11.xml><?xml version="1.0" encoding="utf-8"?>
+<p:sld xmlns:a="http://schemas.openxmlformats.org/drawingml/2006/main" xmlns:r="http://schemas.openxmlformats.org/officeDocument/2006/relationships" xmlns:p="http://schemas.openxmlformats.org/presentationml/2006/main">
+  <p:cSld>
+    <p:bg>
+      <p:bgPr>
+        <a:solidFill>
+          <a:schemeClr val="bg1"/>
+        </a:solidFill>
+        <a:effectLst/>
+      </p:bgPr>
+    </p:bg>
+    <p:spTree>
+      <p:nvGrpSpPr>
+        <p:cNvPr id="1" name=""/>
+        <p:cNvGrpSpPr/>
+        <p:nvPr/>
+      </p:nvGrpSpPr>
+      <p:grpSpPr>
+        <a:xfrm>
+          <a:off x="0" y="0"/>
+          <a:ext cx="0" cy="0"/>
+          <a:chOff x="0" y="0"/>
+          <a:chExt cx="0" cy="0"/>
+        </a:xfrm>
+      </p:grpSpPr>
       <p:sp useBgFill="1">
         <p:nvSpPr>
-          <p:cNvPr id="14" name="Rectangle 18">
+          <p:cNvPr id="45" name="Rectangle 44">
             <a:extLst>
               <a:ext uri="{FF2B5EF4-FFF2-40B4-BE49-F238E27FC236}">
-                <a16:creationId xmlns:a16="http://schemas.microsoft.com/office/drawing/2014/main" id="{5A1B47C8-47A0-4A88-8830-6DEA3B5DE392}"/>
+                <a16:creationId xmlns:a16="http://schemas.microsoft.com/office/drawing/2014/main" id="{990D0034-F768-41E7-85D4-F38C4DE85770}"/>
               </a:ext>
               <a:ext uri="{C183D7F6-B498-43B3-948B-1728B52AA6E4}">
                 <adec:decorative xmlns:adec="http://schemas.microsoft.com/office/drawing/2017/decorative" val="1"/>
@@ -5905,7 +9402,7 @@
         <p:spPr>
           <a:xfrm>
             <a:off x="0" y="0"/>
-            <a:ext cx="12192000" cy="6858000"/>
+            <a:ext cx="12186315" cy="6858000"/>
           </a:xfrm>
           <a:prstGeom prst="rect">
             <a:avLst/>
@@ -5916,7 +9413,7 @@
         </p:spPr>
         <p:style>
           <a:lnRef idx="2">
-            <a:schemeClr val="accent1">
+            <a:schemeClr val="accent6">
               <a:shade val="50000"/>
             </a:schemeClr>
           </a:lnRef>
@@ -5924,7 +9421,7 @@
             <a:schemeClr val="lt1"/>
           </a:fillRef>
           <a:effectRef idx="0">
-            <a:schemeClr val="accent1"/>
+            <a:schemeClr val="accent6"/>
           </a:effectRef>
           <a:fontRef idx="minor">
             <a:schemeClr val="lt1"/>
@@ -5941,10 +9438,10 @@
       </p:sp>
       <p:sp>
         <p:nvSpPr>
-          <p:cNvPr id="16" name="Rectangle 20">
+          <p:cNvPr id="47" name="Rectangle 46">
             <a:extLst>
               <a:ext uri="{FF2B5EF4-FFF2-40B4-BE49-F238E27FC236}">
-                <a16:creationId xmlns:a16="http://schemas.microsoft.com/office/drawing/2014/main" id="{984BBFDD-E720-4805-A9C8-129FBBF6DD70}"/>
+                <a16:creationId xmlns:a16="http://schemas.microsoft.com/office/drawing/2014/main" id="{C4F7E42D-8B5A-4FC8-81CD-9E60171F7FA8}"/>
               </a:ext>
               <a:ext uri="{C183D7F6-B498-43B3-948B-1728B52AA6E4}">
                 <adec:decorative xmlns:adec="http://schemas.microsoft.com/office/drawing/2017/decorative" val="1"/>
@@ -5962,10 +9459,10 @@
             </p:extLst>
           </p:nvPr>
         </p:nvSpPr>
-        <p:spPr bwMode="white">
+        <p:spPr>
           <a:xfrm>
-            <a:off x="7613486" y="0"/>
-            <a:ext cx="4584734" cy="6858000"/>
+            <a:off x="16" y="0"/>
+            <a:ext cx="4050791" cy="6858000"/>
           </a:xfrm>
           <a:prstGeom prst="rect">
             <a:avLst/>
@@ -6008,8 +9505,8 @@
         </p:nvSpPr>
         <p:spPr>
           <a:xfrm>
-            <a:off x="8096885" y="640080"/>
-            <a:ext cx="3659246" cy="2926080"/>
+            <a:off x="492370" y="516835"/>
+            <a:ext cx="3084844" cy="1184965"/>
           </a:xfrm>
           <a:prstGeom prst="rect">
             <a:avLst/>
@@ -6033,7 +9530,7 @@
               </a:spcAft>
             </a:pPr>
             <a:r>
-              <a:rPr lang="en-US" altLang="en-US" sz="4400" spc="-50" dirty="0">
+              <a:rPr lang="en-US" altLang="en-US" sz="3600" kern="1200" spc="-50" baseline="0" dirty="0">
                 <a:solidFill>
                   <a:srgbClr val="FFFFFF"/>
                 </a:solidFill>
@@ -6041,22 +9538,9 @@
                 <a:ea typeface="+mj-ea"/>
                 <a:cs typeface="+mj-cs"/>
               </a:rPr>
-              <a:t>Model 1 Naïve Bayes Classification</a:t>
+              <a:t>Naïve Bayes Classification</a:t>
             </a:r>
-          </a:p>
-          <a:p>
-            <a:pPr defTabSz="914400">
-              <a:lnSpc>
-                <a:spcPct val="85000"/>
-              </a:lnSpc>
-              <a:spcBef>
-                <a:spcPct val="0"/>
-              </a:spcBef>
-              <a:spcAft>
-                <a:spcPts val="600"/>
-              </a:spcAft>
-            </a:pPr>
-            <a:endParaRPr lang="en-US" sz="4400" spc="-50" dirty="0">
+            <a:endParaRPr lang="en-US" sz="3600" kern="1200" spc="-50" baseline="0" dirty="0">
               <a:solidFill>
                 <a:srgbClr val="FFFFFF"/>
               </a:solidFill>
@@ -6065,35 +9549,286 @@
               <a:cs typeface="+mj-cs"/>
             </a:endParaRPr>
           </a:p>
+        </p:txBody>
+      </p:sp>
+      <p:sp>
+        <p:nvSpPr>
+          <p:cNvPr id="3" name="Rectangle 2">
+            <a:extLst>
+              <a:ext uri="{FF2B5EF4-FFF2-40B4-BE49-F238E27FC236}">
+                <a16:creationId xmlns:a16="http://schemas.microsoft.com/office/drawing/2014/main" id="{9CAFEBF6-002D-4929-AEAB-02A5EFF74615}"/>
+              </a:ext>
+            </a:extLst>
+          </p:cNvPr>
+          <p:cNvSpPr/>
+          <p:nvPr/>
+        </p:nvSpPr>
+        <p:spPr>
+          <a:xfrm>
+            <a:off x="492371" y="1625600"/>
+            <a:ext cx="3084844" cy="4953000"/>
+          </a:xfrm>
+          <a:prstGeom prst="rect">
+            <a:avLst/>
+          </a:prstGeom>
+        </p:spPr>
+        <p:style>
+          <a:lnRef idx="2">
+            <a:schemeClr val="accent1">
+              <a:shade val="50000"/>
+            </a:schemeClr>
+          </a:lnRef>
+          <a:fillRef idx="1">
+            <a:schemeClr val="accent1"/>
+          </a:fillRef>
+          <a:effectRef idx="0">
+            <a:schemeClr val="accent1"/>
+          </a:effectRef>
+          <a:fontRef idx="minor">
+            <a:schemeClr val="lt1"/>
+          </a:fontRef>
+        </p:style>
+        <p:txBody>
+          <a:bodyPr vert="horz" lIns="0" tIns="45720" rIns="0" bIns="45720" rtlCol="0">
+            <a:noAutofit/>
+          </a:bodyPr>
+          <a:lstStyle/>
           <a:p>
             <a:pPr defTabSz="914400">
               <a:lnSpc>
-                <a:spcPct val="85000"/>
+                <a:spcPct val="90000"/>
               </a:lnSpc>
-              <a:spcBef>
-                <a:spcPct val="0"/>
-              </a:spcBef>
               <a:spcAft>
                 <a:spcPts val="600"/>
               </a:spcAft>
+              <a:buClr>
+                <a:schemeClr val="accent1"/>
+              </a:buClr>
+              <a:buFont typeface="Calibri" panose="020F0502020204030204" pitchFamily="34" charset="0"/>
             </a:pPr>
-            <a:endParaRPr lang="en-US" sz="4400" spc="-50" dirty="0">
+            <a:r>
+              <a:rPr lang="en-US" sz="1400" dirty="0">
+                <a:solidFill>
+                  <a:srgbClr val="FFFFFF"/>
+                </a:solidFill>
+              </a:rPr>
+              <a:t>Applying NB Classification to predict required number of docks based on predictor variables a. </a:t>
+            </a:r>
+            <a:r>
+              <a:rPr lang="en-US" sz="1400" dirty="0" err="1">
+                <a:solidFill>
+                  <a:srgbClr val="FFFFFF"/>
+                </a:solidFill>
+              </a:rPr>
+              <a:t>tripduration</a:t>
+            </a:r>
+            <a:r>
+              <a:rPr lang="en-US" sz="1400" dirty="0">
+                <a:solidFill>
+                  <a:srgbClr val="FFFFFF"/>
+                </a:solidFill>
+              </a:rPr>
+              <a:t> b. </a:t>
+            </a:r>
+            <a:r>
+              <a:rPr lang="en-US" sz="1400" dirty="0" err="1">
+                <a:solidFill>
+                  <a:srgbClr val="FFFFFF"/>
+                </a:solidFill>
+              </a:rPr>
+              <a:t>to_station_id</a:t>
+            </a:r>
+            <a:r>
+              <a:rPr lang="en-US" sz="1400" dirty="0">
+                <a:solidFill>
+                  <a:srgbClr val="FFFFFF"/>
+                </a:solidFill>
+              </a:rPr>
+              <a:t> c. </a:t>
+            </a:r>
+            <a:r>
+              <a:rPr lang="en-US" sz="1400" dirty="0" err="1">
+                <a:solidFill>
+                  <a:srgbClr val="FFFFFF"/>
+                </a:solidFill>
+              </a:rPr>
+              <a:t>to_longitude</a:t>
+            </a:r>
+            <a:r>
+              <a:rPr lang="en-US" sz="1400" dirty="0">
+                <a:solidFill>
+                  <a:srgbClr val="FFFFFF"/>
+                </a:solidFill>
+              </a:rPr>
+              <a:t> d. </a:t>
+            </a:r>
+            <a:r>
+              <a:rPr lang="en-US" sz="1400" dirty="0" err="1">
+                <a:solidFill>
+                  <a:srgbClr val="FFFFFF"/>
+                </a:solidFill>
+              </a:rPr>
+              <a:t>from_longitude</a:t>
+            </a:r>
+            <a:r>
+              <a:rPr lang="en-US" sz="1400" dirty="0">
+                <a:solidFill>
+                  <a:srgbClr val="FFFFFF"/>
+                </a:solidFill>
+              </a:rPr>
+              <a:t> d. revenue identified using correlation matrix. </a:t>
+            </a:r>
+          </a:p>
+          <a:p>
+            <a:pPr defTabSz="914400">
+              <a:lnSpc>
+                <a:spcPct val="90000"/>
+              </a:lnSpc>
+              <a:spcAft>
+                <a:spcPts val="600"/>
+              </a:spcAft>
+              <a:buClr>
+                <a:schemeClr val="accent1"/>
+              </a:buClr>
+              <a:buFont typeface="Calibri" panose="020F0502020204030204" pitchFamily="34" charset="0"/>
+            </a:pPr>
+            <a:endParaRPr lang="en-US" sz="1400" dirty="0">
               <a:solidFill>
                 <a:srgbClr val="FFFFFF"/>
               </a:solidFill>
-              <a:latin typeface="+mj-lt"/>
-              <a:ea typeface="+mj-ea"/>
-              <a:cs typeface="+mj-cs"/>
             </a:endParaRPr>
           </a:p>
+          <a:p>
+            <a:pPr defTabSz="914400">
+              <a:lnSpc>
+                <a:spcPct val="90000"/>
+              </a:lnSpc>
+              <a:spcAft>
+                <a:spcPts val="600"/>
+              </a:spcAft>
+              <a:buClr>
+                <a:schemeClr val="accent1"/>
+              </a:buClr>
+              <a:buFont typeface="Calibri" panose="020F0502020204030204" pitchFamily="34" charset="0"/>
+            </a:pPr>
+            <a:r>
+              <a:rPr lang="en-US" sz="1400" dirty="0">
+                <a:solidFill>
+                  <a:srgbClr val="FFFFFF"/>
+                </a:solidFill>
+              </a:rPr>
+              <a:t>Obtained output was used to compare it with existing docks and the difference was used to identify which station need extra docks or which one has extra docks. Costing was calculated assuming each dock setup requires $400</a:t>
+            </a:r>
+          </a:p>
+          <a:p>
+            <a:pPr defTabSz="914400">
+              <a:lnSpc>
+                <a:spcPct val="90000"/>
+              </a:lnSpc>
+              <a:spcAft>
+                <a:spcPts val="600"/>
+              </a:spcAft>
+              <a:buClr>
+                <a:schemeClr val="accent1"/>
+              </a:buClr>
+              <a:buFont typeface="Calibri" panose="020F0502020204030204" pitchFamily="34" charset="0"/>
+            </a:pPr>
+            <a:endParaRPr lang="en-US" sz="1400" dirty="0">
+              <a:solidFill>
+                <a:srgbClr val="FFFFFF"/>
+              </a:solidFill>
+            </a:endParaRPr>
+          </a:p>
+          <a:p>
+            <a:pPr defTabSz="914400">
+              <a:lnSpc>
+                <a:spcPct val="90000"/>
+              </a:lnSpc>
+              <a:spcAft>
+                <a:spcPts val="600"/>
+              </a:spcAft>
+              <a:buClr>
+                <a:schemeClr val="accent1"/>
+              </a:buClr>
+              <a:buFont typeface="Calibri" panose="020F0502020204030204" pitchFamily="34" charset="0"/>
+            </a:pPr>
+            <a:r>
+              <a:rPr lang="en-US" sz="1400" dirty="0">
+                <a:solidFill>
+                  <a:srgbClr val="FFFFFF"/>
+                </a:solidFill>
+              </a:rPr>
+              <a:t>Conclusion: Assuming $400 for each dock using logistic regression,  it is estimated that Divvy can save $ 5,28,400  if setup dock as per prediction made by this model</a:t>
+            </a:r>
+          </a:p>
+          <a:p>
+            <a:pPr defTabSz="914400">
+              <a:lnSpc>
+                <a:spcPct val="90000"/>
+              </a:lnSpc>
+              <a:spcAft>
+                <a:spcPts val="600"/>
+              </a:spcAft>
+              <a:buClr>
+                <a:schemeClr val="accent1"/>
+              </a:buClr>
+              <a:buFont typeface="Calibri" panose="020F0502020204030204" pitchFamily="34" charset="0"/>
+            </a:pPr>
+            <a:endParaRPr lang="en-US" sz="1400" dirty="0">
+              <a:solidFill>
+                <a:srgbClr val="FFFFFF"/>
+              </a:solidFill>
+            </a:endParaRPr>
+          </a:p>
+          <a:p>
+            <a:pPr defTabSz="914400">
+              <a:lnSpc>
+                <a:spcPct val="90000"/>
+              </a:lnSpc>
+              <a:spcAft>
+                <a:spcPts val="600"/>
+              </a:spcAft>
+              <a:buClr>
+                <a:schemeClr val="accent1"/>
+              </a:buClr>
+              <a:buFont typeface="Calibri" panose="020F0502020204030204" pitchFamily="34" charset="0"/>
+            </a:pPr>
+            <a:r>
+              <a:rPr lang="en-US" sz="1400" dirty="0">
+                <a:solidFill>
+                  <a:srgbClr val="FFFFFF"/>
+                </a:solidFill>
+              </a:rPr>
+              <a:t>There are 287 docks which require extra docks and if implemented can serve to customer in better way</a:t>
+            </a:r>
+          </a:p>
+          <a:p>
+            <a:pPr defTabSz="914400">
+              <a:lnSpc>
+                <a:spcPct val="90000"/>
+              </a:lnSpc>
+              <a:spcAft>
+                <a:spcPts val="600"/>
+              </a:spcAft>
+              <a:buClr>
+                <a:schemeClr val="accent1"/>
+              </a:buClr>
+              <a:buFont typeface="Calibri" panose="020F0502020204030204" pitchFamily="34" charset="0"/>
+            </a:pPr>
+            <a:endParaRPr lang="en-US" sz="1400" dirty="0">
+              <a:solidFill>
+                <a:srgbClr val="FFFFFF"/>
+              </a:solidFill>
+            </a:endParaRPr>
+          </a:p>
         </p:txBody>
       </p:sp>
       <p:sp>
         <p:nvSpPr>
-          <p:cNvPr id="18" name="Rectangle 22">
+          <p:cNvPr id="49" name="Rectangle 48">
             <a:extLst>
               <a:ext uri="{FF2B5EF4-FFF2-40B4-BE49-F238E27FC236}">
-                <a16:creationId xmlns:a16="http://schemas.microsoft.com/office/drawing/2014/main" id="{5AC4BE46-4A77-42FE-9D15-065CDB2F847C}"/>
+                <a16:creationId xmlns:a16="http://schemas.microsoft.com/office/drawing/2014/main" id="{8C04651D-B9F4-4935-A02D-364153FBDF54}"/>
               </a:ext>
               <a:ext uri="{C183D7F6-B498-43B3-948B-1728B52AA6E4}">
                 <adec:decorative xmlns:adec="http://schemas.microsoft.com/office/drawing/2017/decorative" val="1"/>
@@ -6113,7 +9848,7 @@
         </p:nvSpPr>
         <p:spPr>
           <a:xfrm>
-            <a:off x="7556906" y="0"/>
+            <a:off x="4040071" y="0"/>
             <a:ext cx="64008" cy="6858000"/>
           </a:xfrm>
           <a:prstGeom prst="rect">
@@ -6143,130 +9878,12 @@
           </a:fontRef>
         </p:style>
       </p:sp>
-      <p:sp>
-        <p:nvSpPr>
-          <p:cNvPr id="3" name="Rectangle 2">
+      <p:pic>
+        <p:nvPicPr>
+          <p:cNvPr id="2" name="Picture 1">
             <a:extLst>
               <a:ext uri="{FF2B5EF4-FFF2-40B4-BE49-F238E27FC236}">
-                <a16:creationId xmlns:a16="http://schemas.microsoft.com/office/drawing/2014/main" id="{9CAFEBF6-002D-4929-AEAB-02A5EFF74615}"/>
-              </a:ext>
-            </a:extLst>
-          </p:cNvPr>
-          <p:cNvSpPr/>
-          <p:nvPr/>
-        </p:nvSpPr>
-        <p:spPr>
-          <a:xfrm>
-            <a:off x="7897091" y="2479964"/>
-            <a:ext cx="4107873" cy="4301836"/>
-          </a:xfrm>
-          <a:prstGeom prst="rect">
-            <a:avLst/>
-          </a:prstGeom>
-        </p:spPr>
-        <p:style>
-          <a:lnRef idx="2">
-            <a:schemeClr val="accent1">
-              <a:shade val="50000"/>
-            </a:schemeClr>
-          </a:lnRef>
-          <a:fillRef idx="1">
-            <a:schemeClr val="accent1"/>
-          </a:fillRef>
-          <a:effectRef idx="0">
-            <a:schemeClr val="accent1"/>
-          </a:effectRef>
-          <a:fontRef idx="minor">
-            <a:schemeClr val="lt1"/>
-          </a:fontRef>
-        </p:style>
-        <p:txBody>
-          <a:bodyPr rtlCol="0" anchor="ctr"/>
-          <a:lstStyle/>
-          <a:p>
-            <a:r>
-              <a:rPr lang="en-US" sz="1400" dirty="0"/>
-              <a:t>Applying naïve Bayes Classification to predict required number of docks based on predictor variables a. </a:t>
-            </a:r>
-            <a:r>
-              <a:rPr lang="en-US" sz="1400" dirty="0" err="1"/>
-              <a:t>tripduration</a:t>
-            </a:r>
-            <a:r>
-              <a:rPr lang="en-US" sz="1400" dirty="0"/>
-              <a:t> b. </a:t>
-            </a:r>
-            <a:r>
-              <a:rPr lang="en-US" sz="1400" dirty="0" err="1"/>
-              <a:t>to_station_id</a:t>
-            </a:r>
-            <a:r>
-              <a:rPr lang="en-US" sz="1400" dirty="0"/>
-              <a:t> c. </a:t>
-            </a:r>
-            <a:r>
-              <a:rPr lang="en-US" sz="1400" dirty="0" err="1"/>
-              <a:t>to_longitude</a:t>
-            </a:r>
-            <a:r>
-              <a:rPr lang="en-US" sz="1400" dirty="0"/>
-              <a:t> d. </a:t>
-            </a:r>
-            <a:r>
-              <a:rPr lang="en-US" sz="1400" dirty="0" err="1"/>
-              <a:t>from_longitude</a:t>
-            </a:r>
-            <a:r>
-              <a:rPr lang="en-US" sz="1400" dirty="0"/>
-              <a:t> d. revenue identified using correlation matrix. </a:t>
-            </a:r>
-          </a:p>
-          <a:p>
-            <a:endParaRPr lang="en-US" sz="1400" dirty="0"/>
-          </a:p>
-          <a:p>
-            <a:r>
-              <a:rPr lang="en-US" sz="1400" dirty="0"/>
-              <a:t>Obtained output was used to compare it with existing docks and the difference was used to identify which station need extra docks or which one has extra docks. Costing was calculated assuming each dock setup requires $400</a:t>
-            </a:r>
-          </a:p>
-          <a:p>
-            <a:endParaRPr lang="en-US" sz="1400" dirty="0"/>
-          </a:p>
-          <a:p>
-            <a:r>
-              <a:rPr lang="en-US" sz="1400" dirty="0"/>
-              <a:t>Conclusion: Assuming $400 for each dock using </a:t>
-            </a:r>
-            <a:r>
-              <a:rPr lang="en-US" sz="1400" dirty="0" err="1"/>
-              <a:t>knn</a:t>
-            </a:r>
-            <a:r>
-              <a:rPr lang="en-US" sz="1400" dirty="0"/>
-              <a:t> Model Classification it is estimated that Divvy can save $ M  if setup dock as per prediction made by this model</a:t>
-            </a:r>
-          </a:p>
-          <a:p>
-            <a:endParaRPr lang="en-US" sz="1400" dirty="0"/>
-          </a:p>
-          <a:p>
-            <a:r>
-              <a:rPr lang="en-US" sz="1400" dirty="0"/>
-              <a:t>There are 304 docks which require extra docks and if implemented can serve to customer in better way</a:t>
-            </a:r>
-          </a:p>
-          <a:p>
-            <a:endParaRPr lang="en-US" sz="1200" dirty="0"/>
-          </a:p>
-        </p:txBody>
-      </p:sp>
-      <p:pic>
-        <p:nvPicPr>
-          <p:cNvPr id="4" name="Picture 3">
-            <a:extLst>
-              <a:ext uri="{FF2B5EF4-FFF2-40B4-BE49-F238E27FC236}">
-                <a16:creationId xmlns:a16="http://schemas.microsoft.com/office/drawing/2014/main" id="{83CA2106-5F03-4247-9E23-5C2438BFB97A}"/>
+                <a16:creationId xmlns:a16="http://schemas.microsoft.com/office/drawing/2014/main" id="{1B9FFC25-5CAC-488B-8079-320941DD1763}"/>
               </a:ext>
             </a:extLst>
           </p:cNvPr>
@@ -6275,16 +9892,15 @@
           </p:cNvPicPr>
           <p:nvPr/>
         </p:nvPicPr>
-        <p:blipFill>
+        <p:blipFill rotWithShape="1">
           <a:blip r:embed="rId2"/>
-          <a:stretch>
-            <a:fillRect/>
-          </a:stretch>
+          <a:srcRect r="-1" b="1968"/>
+          <a:stretch/>
         </p:blipFill>
         <p:spPr>
           <a:xfrm>
-            <a:off x="1715798" y="653934"/>
-            <a:ext cx="4442153" cy="4964077"/>
+            <a:off x="4742017" y="640080"/>
+            <a:ext cx="6798082" cy="5577840"/>
           </a:xfrm>
           <a:prstGeom prst="rect">
             <a:avLst/>
@@ -6294,7 +9910,336 @@
     </p:spTree>
     <p:extLst>
       <p:ext uri="{BB962C8B-B14F-4D97-AF65-F5344CB8AC3E}">
-        <p14:creationId xmlns:p14="http://schemas.microsoft.com/office/powerpoint/2010/main" val="3606752019"/>
+        <p14:creationId xmlns:p14="http://schemas.microsoft.com/office/powerpoint/2010/main" val="4267199908"/>
+      </p:ext>
+    </p:extLst>
+  </p:cSld>
+  <p:clrMapOvr>
+    <a:masterClrMapping/>
+  </p:clrMapOvr>
+</p:sld>
+</file>
+
+<file path=ppt/slides/slide12.xml><?xml version="1.0" encoding="utf-8"?>
+<p:sld xmlns:a="http://schemas.openxmlformats.org/drawingml/2006/main" xmlns:r="http://schemas.openxmlformats.org/officeDocument/2006/relationships" xmlns:p="http://schemas.openxmlformats.org/presentationml/2006/main">
+  <p:cSld>
+    <p:bg>
+      <p:bgPr>
+        <a:solidFill>
+          <a:schemeClr val="bg1"/>
+        </a:solidFill>
+        <a:effectLst/>
+      </p:bgPr>
+    </p:bg>
+    <p:spTree>
+      <p:nvGrpSpPr>
+        <p:cNvPr id="1" name=""/>
+        <p:cNvGrpSpPr/>
+        <p:nvPr/>
+      </p:nvGrpSpPr>
+      <p:grpSpPr>
+        <a:xfrm>
+          <a:off x="0" y="0"/>
+          <a:ext cx="0" cy="0"/>
+          <a:chOff x="0" y="0"/>
+          <a:chExt cx="0" cy="0"/>
+        </a:xfrm>
+      </p:grpSpPr>
+      <p:sp useBgFill="1">
+        <p:nvSpPr>
+          <p:cNvPr id="10" name="Rectangle 9">
+            <a:extLst>
+              <a:ext uri="{FF2B5EF4-FFF2-40B4-BE49-F238E27FC236}">
+                <a16:creationId xmlns:a16="http://schemas.microsoft.com/office/drawing/2014/main" id="{A6B16355-27FB-445B-B646-02AB73637459}"/>
+              </a:ext>
+              <a:ext uri="{C183D7F6-B498-43B3-948B-1728B52AA6E4}">
+                <adec:decorative xmlns:adec="http://schemas.microsoft.com/office/drawing/2017/decorative" val="1"/>
+              </a:ext>
+            </a:extLst>
+          </p:cNvPr>
+          <p:cNvSpPr>
+            <a:spLocks noGrp="1" noRot="1" noChangeAspect="1" noMove="1" noResize="1" noEditPoints="1" noAdjustHandles="1" noChangeArrowheads="1" noChangeShapeType="1" noTextEdit="1"/>
+          </p:cNvSpPr>
+          <p:nvPr>
+            <p:extLst>
+              <p:ext uri="{386F3935-93C4-4BCD-93E2-E3B085C9AB24}">
+                <p16:designElem xmlns:p16="http://schemas.microsoft.com/office/powerpoint/2015/main" val="1"/>
+              </p:ext>
+            </p:extLst>
+          </p:nvPr>
+        </p:nvSpPr>
+        <p:spPr>
+          <a:xfrm>
+            <a:off x="0" y="0"/>
+            <a:ext cx="12192001" cy="6334316"/>
+          </a:xfrm>
+          <a:prstGeom prst="rect">
+            <a:avLst/>
+          </a:prstGeom>
+          <a:ln>
+            <a:noFill/>
+          </a:ln>
+        </p:spPr>
+        <p:style>
+          <a:lnRef idx="2">
+            <a:schemeClr val="accent1">
+              <a:shade val="50000"/>
+            </a:schemeClr>
+          </a:lnRef>
+          <a:fillRef idx="1">
+            <a:schemeClr val="accent1"/>
+          </a:fillRef>
+          <a:effectRef idx="0">
+            <a:schemeClr val="accent1"/>
+          </a:effectRef>
+          <a:fontRef idx="minor">
+            <a:schemeClr val="lt1"/>
+          </a:fontRef>
+        </p:style>
+        <p:txBody>
+          <a:bodyPr rtlCol="0" anchor="ctr"/>
+          <a:lstStyle/>
+          <a:p>
+            <a:pPr algn="ctr"/>
+            <a:endParaRPr lang="en-US" dirty="0"/>
+          </a:p>
+        </p:txBody>
+      </p:sp>
+      <p:sp>
+        <p:nvSpPr>
+          <p:cNvPr id="2" name="Title 1">
+            <a:extLst>
+              <a:ext uri="{FF2B5EF4-FFF2-40B4-BE49-F238E27FC236}">
+                <a16:creationId xmlns:a16="http://schemas.microsoft.com/office/drawing/2014/main" id="{A1280B7F-B8B4-4A78-A7DC-8B7750EAB7C8}"/>
+              </a:ext>
+            </a:extLst>
+          </p:cNvPr>
+          <p:cNvSpPr>
+            <a:spLocks noGrp="1"/>
+          </p:cNvSpPr>
+          <p:nvPr>
+            <p:ph type="title"/>
+          </p:nvPr>
+        </p:nvSpPr>
+        <p:spPr>
+          <a:xfrm>
+            <a:off x="8177212" y="634946"/>
+            <a:ext cx="3372529" cy="5055904"/>
+          </a:xfrm>
+        </p:spPr>
+        <p:txBody>
+          <a:bodyPr anchor="ctr">
+            <a:normAutofit/>
+          </a:bodyPr>
+          <a:lstStyle/>
+          <a:p>
+            <a:r>
+              <a:rPr lang="en-US" dirty="0"/>
+              <a:t>Conclusion</a:t>
+            </a:r>
+          </a:p>
+        </p:txBody>
+      </p:sp>
+      <p:cxnSp>
+        <p:nvCxnSpPr>
+          <p:cNvPr id="12" name="Straight Connector 11">
+            <a:extLst>
+              <a:ext uri="{FF2B5EF4-FFF2-40B4-BE49-F238E27FC236}">
+                <a16:creationId xmlns:a16="http://schemas.microsoft.com/office/drawing/2014/main" id="{06DA680F-F6AC-453E-A8BF-C5BDED2851DE}"/>
+              </a:ext>
+              <a:ext uri="{C183D7F6-B498-43B3-948B-1728B52AA6E4}">
+                <adec:decorative xmlns:adec="http://schemas.microsoft.com/office/drawing/2017/decorative" val="1"/>
+              </a:ext>
+            </a:extLst>
+          </p:cNvPr>
+          <p:cNvCxnSpPr>
+            <a:cxnSpLocks noGrp="1" noRot="1" noChangeAspect="1" noMove="1" noResize="1" noEditPoints="1" noAdjustHandles="1" noChangeArrowheads="1" noChangeShapeType="1"/>
+          </p:cNvCxnSpPr>
+          <p:nvPr>
+            <p:extLst>
+              <p:ext uri="{386F3935-93C4-4BCD-93E2-E3B085C9AB24}">
+                <p16:designElem xmlns:p16="http://schemas.microsoft.com/office/powerpoint/2015/main" val="1"/>
+              </p:ext>
+            </p:extLst>
+          </p:nvPr>
+        </p:nvCxnSpPr>
+        <p:spPr>
+          <a:xfrm>
+            <a:off x="7856978" y="1791298"/>
+            <a:ext cx="0" cy="2743200"/>
+          </a:xfrm>
+          <a:prstGeom prst="line">
+            <a:avLst/>
+          </a:prstGeom>
+          <a:ln w="6350">
+            <a:solidFill>
+              <a:schemeClr val="tx1">
+                <a:lumMod val="50000"/>
+                <a:lumOff val="50000"/>
+              </a:schemeClr>
+            </a:solidFill>
+          </a:ln>
+        </p:spPr>
+        <p:style>
+          <a:lnRef idx="1">
+            <a:schemeClr val="accent1"/>
+          </a:lnRef>
+          <a:fillRef idx="0">
+            <a:schemeClr val="accent1"/>
+          </a:fillRef>
+          <a:effectRef idx="0">
+            <a:schemeClr val="accent1"/>
+          </a:effectRef>
+          <a:fontRef idx="minor">
+            <a:schemeClr val="tx1"/>
+          </a:fontRef>
+        </p:style>
+      </p:cxnSp>
+      <p:sp>
+        <p:nvSpPr>
+          <p:cNvPr id="14" name="Rectangle 13">
+            <a:extLst>
+              <a:ext uri="{FF2B5EF4-FFF2-40B4-BE49-F238E27FC236}">
+                <a16:creationId xmlns:a16="http://schemas.microsoft.com/office/drawing/2014/main" id="{6B3BF2E5-C3AB-441F-A430-491119C56D26}"/>
+              </a:ext>
+              <a:ext uri="{C183D7F6-B498-43B3-948B-1728B52AA6E4}">
+                <adec:decorative xmlns:adec="http://schemas.microsoft.com/office/drawing/2017/decorative" val="1"/>
+              </a:ext>
+            </a:extLst>
+          </p:cNvPr>
+          <p:cNvSpPr>
+            <a:spLocks noGrp="1" noRot="1" noChangeAspect="1" noMove="1" noResize="1" noEditPoints="1" noAdjustHandles="1" noChangeArrowheads="1" noChangeShapeType="1" noTextEdit="1"/>
+          </p:cNvSpPr>
+          <p:nvPr>
+            <p:extLst>
+              <p:ext uri="{386F3935-93C4-4BCD-93E2-E3B085C9AB24}">
+                <p16:designElem xmlns:p16="http://schemas.microsoft.com/office/powerpoint/2015/main" val="1"/>
+              </p:ext>
+            </p:extLst>
+          </p:nvPr>
+        </p:nvSpPr>
+        <p:spPr>
+          <a:xfrm>
+            <a:off x="15" y="6334316"/>
+            <a:ext cx="12191985" cy="66484"/>
+          </a:xfrm>
+          <a:prstGeom prst="rect">
+            <a:avLst/>
+          </a:prstGeom>
+          <a:solidFill>
+            <a:schemeClr val="accent1"/>
+          </a:solidFill>
+          <a:ln>
+            <a:noFill/>
+          </a:ln>
+        </p:spPr>
+        <p:style>
+          <a:lnRef idx="2">
+            <a:schemeClr val="accent1">
+              <a:shade val="50000"/>
+            </a:schemeClr>
+          </a:lnRef>
+          <a:fillRef idx="1">
+            <a:schemeClr val="accent1"/>
+          </a:fillRef>
+          <a:effectRef idx="0">
+            <a:schemeClr val="accent1"/>
+          </a:effectRef>
+          <a:fontRef idx="minor">
+            <a:schemeClr val="lt1"/>
+          </a:fontRef>
+        </p:style>
+      </p:sp>
+      <p:sp>
+        <p:nvSpPr>
+          <p:cNvPr id="16" name="Rectangle 15">
+            <a:extLst>
+              <a:ext uri="{FF2B5EF4-FFF2-40B4-BE49-F238E27FC236}">
+                <a16:creationId xmlns:a16="http://schemas.microsoft.com/office/drawing/2014/main" id="{DD07C90B-B81A-473B-8919-CA924E61FFCF}"/>
+              </a:ext>
+              <a:ext uri="{C183D7F6-B498-43B3-948B-1728B52AA6E4}">
+                <adec:decorative xmlns:adec="http://schemas.microsoft.com/office/drawing/2017/decorative" val="1"/>
+              </a:ext>
+            </a:extLst>
+          </p:cNvPr>
+          <p:cNvSpPr>
+            <a:spLocks noGrp="1" noRot="1" noChangeAspect="1" noMove="1" noResize="1" noEditPoints="1" noAdjustHandles="1" noChangeArrowheads="1" noChangeShapeType="1" noTextEdit="1"/>
+          </p:cNvSpPr>
+          <p:nvPr>
+            <p:extLst>
+              <p:ext uri="{386F3935-93C4-4BCD-93E2-E3B085C9AB24}">
+                <p16:designElem xmlns:p16="http://schemas.microsoft.com/office/powerpoint/2015/main" val="1"/>
+              </p:ext>
+            </p:extLst>
+          </p:nvPr>
+        </p:nvSpPr>
+        <p:spPr>
+          <a:xfrm>
+            <a:off x="1" y="6400800"/>
+            <a:ext cx="12192000" cy="457200"/>
+          </a:xfrm>
+          <a:prstGeom prst="rect">
+            <a:avLst/>
+          </a:prstGeom>
+          <a:solidFill>
+            <a:schemeClr val="accent2"/>
+          </a:solidFill>
+          <a:ln>
+            <a:noFill/>
+          </a:ln>
+        </p:spPr>
+        <p:style>
+          <a:lnRef idx="2">
+            <a:schemeClr val="accent1">
+              <a:shade val="50000"/>
+            </a:schemeClr>
+          </a:lnRef>
+          <a:fillRef idx="1">
+            <a:schemeClr val="accent1"/>
+          </a:fillRef>
+          <a:effectRef idx="0">
+            <a:schemeClr val="accent1"/>
+          </a:effectRef>
+          <a:fontRef idx="minor">
+            <a:schemeClr val="lt1"/>
+          </a:fontRef>
+        </p:style>
+      </p:sp>
+      <p:graphicFrame>
+        <p:nvGraphicFramePr>
+          <p:cNvPr id="5" name="Content Placeholder 2">
+            <a:extLst>
+              <a:ext uri="{FF2B5EF4-FFF2-40B4-BE49-F238E27FC236}">
+                <a16:creationId xmlns:a16="http://schemas.microsoft.com/office/drawing/2014/main" id="{E0A1C58A-C70C-4BA9-B7BC-AB94DD8E2947}"/>
+              </a:ext>
+            </a:extLst>
+          </p:cNvPr>
+          <p:cNvGraphicFramePr>
+            <a:graphicFrameLocks noGrp="1"/>
+          </p:cNvGraphicFramePr>
+          <p:nvPr>
+            <p:ph idx="1"/>
+            <p:extLst>
+              <p:ext uri="{D42A27DB-BD31-4B8C-83A1-F6EECF244321}">
+                <p14:modId xmlns:p14="http://schemas.microsoft.com/office/powerpoint/2010/main" val="818090506"/>
+              </p:ext>
+            </p:extLst>
+          </p:nvPr>
+        </p:nvGraphicFramePr>
+        <p:xfrm>
+          <a:off x="633413" y="639763"/>
+          <a:ext cx="6910387" cy="5051425"/>
+        </p:xfrm>
+        <a:graphic>
+          <a:graphicData uri="http://schemas.openxmlformats.org/drawingml/2006/diagram">
+            <dgm:relIds xmlns:dgm="http://schemas.openxmlformats.org/drawingml/2006/diagram" xmlns:r="http://schemas.openxmlformats.org/officeDocument/2006/relationships" r:dm="rId2" r:lo="rId3" r:qs="rId4" r:cs="rId5"/>
+          </a:graphicData>
+        </a:graphic>
+      </p:graphicFrame>
+    </p:spTree>
+    <p:extLst>
+      <p:ext uri="{BB962C8B-B14F-4D97-AF65-F5344CB8AC3E}">
+        <p14:creationId xmlns:p14="http://schemas.microsoft.com/office/powerpoint/2010/main" val="3288825768"/>
       </p:ext>
     </p:extLst>
   </p:cSld>
@@ -9178,7 +13123,7 @@
         <p:spPr>
           <a:xfrm>
             <a:off x="492371" y="2653800"/>
-            <a:ext cx="3084844" cy="3335519"/>
+            <a:ext cx="3084844" cy="1666079"/>
           </a:xfrm>
           <a:prstGeom prst="rect">
             <a:avLst/>
@@ -9202,7 +13147,7 @@
         </p:style>
         <p:txBody>
           <a:bodyPr vert="horz" lIns="0" tIns="45720" rIns="0" bIns="45720" rtlCol="0">
-            <a:normAutofit/>
+            <a:normAutofit fontScale="92500" lnSpcReduction="20000"/>
           </a:bodyPr>
           <a:lstStyle/>
           <a:p>
@@ -9219,7 +13164,7 @@
               <a:buFont typeface="Calibri" panose="020F0502020204030204" pitchFamily="34" charset="0"/>
             </a:pPr>
             <a:r>
-              <a:rPr lang="en-US" sz="1500" dirty="0">
+              <a:rPr lang="en-US" sz="2800" dirty="0">
                 <a:solidFill>
                   <a:srgbClr val="FFFFFF"/>
                 </a:solidFill>
@@ -9697,8 +13642,8 @@
         </p:nvSpPr>
         <p:spPr>
           <a:xfrm>
-            <a:off x="492371" y="2653800"/>
-            <a:ext cx="3084844" cy="3335519"/>
+            <a:off x="492371" y="2653801"/>
+            <a:ext cx="3084844" cy="1901266"/>
           </a:xfrm>
           <a:prstGeom prst="rect">
             <a:avLst/>
@@ -10328,12 +14273,12 @@
           <a:chExt cx="0" cy="0"/>
         </a:xfrm>
       </p:grpSpPr>
-      <p:sp>
-        <p:nvSpPr>
-          <p:cNvPr id="10" name="Rectangle 12">
+      <p:sp useBgFill="1">
+        <p:nvSpPr>
+          <p:cNvPr id="29" name="Rectangle 22">
             <a:extLst>
               <a:ext uri="{FF2B5EF4-FFF2-40B4-BE49-F238E27FC236}">
-                <a16:creationId xmlns:a16="http://schemas.microsoft.com/office/drawing/2014/main" id="{4E4490D0-3672-446A-AC12-B4830333BDDD}"/>
+                <a16:creationId xmlns:a16="http://schemas.microsoft.com/office/drawing/2014/main" id="{990D0034-F768-41E7-85D4-F38C4DE85770}"/>
               </a:ext>
               <a:ext uri="{C183D7F6-B498-43B3-948B-1728B52AA6E4}">
                 <adec:decorative xmlns:adec="http://schemas.microsoft.com/office/drawing/2017/decorative" val="1"/>
@@ -10353,8 +14298,68 @@
         </p:nvSpPr>
         <p:spPr>
           <a:xfrm>
-            <a:off x="3175" y="6400800"/>
-            <a:ext cx="12188825" cy="457200"/>
+            <a:off x="0" y="0"/>
+            <a:ext cx="12186315" cy="6858000"/>
+          </a:xfrm>
+          <a:prstGeom prst="rect">
+            <a:avLst/>
+          </a:prstGeom>
+          <a:ln>
+            <a:noFill/>
+          </a:ln>
+        </p:spPr>
+        <p:style>
+          <a:lnRef idx="2">
+            <a:schemeClr val="accent6">
+              <a:shade val="50000"/>
+            </a:schemeClr>
+          </a:lnRef>
+          <a:fillRef idx="1001">
+            <a:schemeClr val="lt1"/>
+          </a:fillRef>
+          <a:effectRef idx="0">
+            <a:schemeClr val="accent6"/>
+          </a:effectRef>
+          <a:fontRef idx="minor">
+            <a:schemeClr val="lt1"/>
+          </a:fontRef>
+        </p:style>
+        <p:txBody>
+          <a:bodyPr rtlCol="0" anchor="ctr"/>
+          <a:lstStyle/>
+          <a:p>
+            <a:pPr algn="ctr"/>
+            <a:endParaRPr lang="en-US"/>
+          </a:p>
+        </p:txBody>
+      </p:sp>
+      <p:sp>
+        <p:nvSpPr>
+          <p:cNvPr id="30" name="Rectangle 24">
+            <a:extLst>
+              <a:ext uri="{FF2B5EF4-FFF2-40B4-BE49-F238E27FC236}">
+                <a16:creationId xmlns:a16="http://schemas.microsoft.com/office/drawing/2014/main" id="{C4F7E42D-8B5A-4FC8-81CD-9E60171F7FA8}"/>
+              </a:ext>
+              <a:ext uri="{C183D7F6-B498-43B3-948B-1728B52AA6E4}">
+                <adec:decorative xmlns:adec="http://schemas.microsoft.com/office/drawing/2017/decorative" val="1"/>
+              </a:ext>
+            </a:extLst>
+          </p:cNvPr>
+          <p:cNvSpPr>
+            <a:spLocks noGrp="1" noRot="1" noChangeAspect="1" noMove="1" noResize="1" noEditPoints="1" noAdjustHandles="1" noChangeArrowheads="1" noChangeShapeType="1" noTextEdit="1"/>
+          </p:cNvSpPr>
+          <p:nvPr>
+            <p:extLst>
+              <p:ext uri="{386F3935-93C4-4BCD-93E2-E3B085C9AB24}">
+                <p16:designElem xmlns:p16="http://schemas.microsoft.com/office/powerpoint/2015/main" val="1"/>
+              </p:ext>
+            </p:extLst>
+          </p:nvPr>
+        </p:nvSpPr>
+        <p:spPr>
+          <a:xfrm>
+            <a:off x="16" y="0"/>
+            <a:ext cx="4050791" cy="6858000"/>
           </a:xfrm>
           <a:prstGeom prst="rect">
             <a:avLst/>
@@ -10385,10 +14390,408 @@
       </p:sp>
       <p:sp>
         <p:nvSpPr>
-          <p:cNvPr id="11" name="Rectangle 14">
+          <p:cNvPr id="8" name="Rectangle 7">
             <a:extLst>
               <a:ext uri="{FF2B5EF4-FFF2-40B4-BE49-F238E27FC236}">
-                <a16:creationId xmlns:a16="http://schemas.microsoft.com/office/drawing/2014/main" id="{39CB82C2-DF65-4EC1-8280-F201D50F570B}"/>
+                <a16:creationId xmlns:a16="http://schemas.microsoft.com/office/drawing/2014/main" id="{90E4248E-0AB2-4168-82D5-4D95494DEA86}"/>
+              </a:ext>
+            </a:extLst>
+          </p:cNvPr>
+          <p:cNvSpPr/>
+          <p:nvPr/>
+        </p:nvSpPr>
+        <p:spPr>
+          <a:xfrm>
+            <a:off x="492370" y="516835"/>
+            <a:ext cx="3084844" cy="2103875"/>
+          </a:xfrm>
+          <a:prstGeom prst="rect">
+            <a:avLst/>
+          </a:prstGeom>
+        </p:spPr>
+        <p:txBody>
+          <a:bodyPr vert="horz" lIns="91440" tIns="45720" rIns="91440" bIns="45720" rtlCol="0" anchor="b">
+            <a:normAutofit/>
+          </a:bodyPr>
+          <a:lstStyle/>
+          <a:p>
+            <a:pPr defTabSz="914400">
+              <a:lnSpc>
+                <a:spcPct val="85000"/>
+              </a:lnSpc>
+              <a:spcBef>
+                <a:spcPct val="0"/>
+              </a:spcBef>
+              <a:spcAft>
+                <a:spcPts val="600"/>
+              </a:spcAft>
+            </a:pPr>
+            <a:r>
+              <a:rPr lang="en-US" altLang="en-US" sz="3600" kern="1200" spc="-50" baseline="0">
+                <a:solidFill>
+                  <a:srgbClr val="FFFFFF"/>
+                </a:solidFill>
+                <a:latin typeface="+mj-lt"/>
+                <a:ea typeface="+mj-ea"/>
+                <a:cs typeface="+mj-cs"/>
+              </a:rPr>
+              <a:t>Model 1 knn Classification</a:t>
+            </a:r>
+          </a:p>
+          <a:p>
+            <a:pPr defTabSz="914400">
+              <a:lnSpc>
+                <a:spcPct val="85000"/>
+              </a:lnSpc>
+              <a:spcBef>
+                <a:spcPct val="0"/>
+              </a:spcBef>
+              <a:spcAft>
+                <a:spcPts val="600"/>
+              </a:spcAft>
+            </a:pPr>
+            <a:endParaRPr lang="en-US" sz="3600" kern="1200" spc="-50" baseline="0">
+              <a:solidFill>
+                <a:srgbClr val="FFFFFF"/>
+              </a:solidFill>
+              <a:latin typeface="+mj-lt"/>
+              <a:ea typeface="+mj-ea"/>
+              <a:cs typeface="+mj-cs"/>
+            </a:endParaRPr>
+          </a:p>
+          <a:p>
+            <a:pPr defTabSz="914400">
+              <a:lnSpc>
+                <a:spcPct val="85000"/>
+              </a:lnSpc>
+              <a:spcBef>
+                <a:spcPct val="0"/>
+              </a:spcBef>
+              <a:spcAft>
+                <a:spcPts val="600"/>
+              </a:spcAft>
+            </a:pPr>
+            <a:endParaRPr lang="en-US" sz="3600" kern="1200" spc="-50" baseline="0">
+              <a:solidFill>
+                <a:srgbClr val="FFFFFF"/>
+              </a:solidFill>
+              <a:latin typeface="+mj-lt"/>
+              <a:ea typeface="+mj-ea"/>
+              <a:cs typeface="+mj-cs"/>
+            </a:endParaRPr>
+          </a:p>
+        </p:txBody>
+      </p:sp>
+      <p:sp>
+        <p:nvSpPr>
+          <p:cNvPr id="3" name="Rectangle 2">
+            <a:extLst>
+              <a:ext uri="{FF2B5EF4-FFF2-40B4-BE49-F238E27FC236}">
+                <a16:creationId xmlns:a16="http://schemas.microsoft.com/office/drawing/2014/main" id="{9CAFEBF6-002D-4929-AEAB-02A5EFF74615}"/>
+              </a:ext>
+            </a:extLst>
+          </p:cNvPr>
+          <p:cNvSpPr/>
+          <p:nvPr/>
+        </p:nvSpPr>
+        <p:spPr>
+          <a:xfrm>
+            <a:off x="313267" y="1617134"/>
+            <a:ext cx="3263948" cy="4372186"/>
+          </a:xfrm>
+          <a:prstGeom prst="rect">
+            <a:avLst/>
+          </a:prstGeom>
+        </p:spPr>
+        <p:style>
+          <a:lnRef idx="2">
+            <a:schemeClr val="accent1">
+              <a:shade val="50000"/>
+            </a:schemeClr>
+          </a:lnRef>
+          <a:fillRef idx="1">
+            <a:schemeClr val="accent1"/>
+          </a:fillRef>
+          <a:effectRef idx="0">
+            <a:schemeClr val="accent1"/>
+          </a:effectRef>
+          <a:fontRef idx="minor">
+            <a:schemeClr val="lt1"/>
+          </a:fontRef>
+        </p:style>
+        <p:txBody>
+          <a:bodyPr vert="horz" lIns="0" tIns="45720" rIns="0" bIns="45720" rtlCol="0">
+            <a:normAutofit fontScale="92500" lnSpcReduction="20000"/>
+          </a:bodyPr>
+          <a:lstStyle/>
+          <a:p>
+            <a:pPr defTabSz="914400">
+              <a:lnSpc>
+                <a:spcPct val="90000"/>
+              </a:lnSpc>
+              <a:spcAft>
+                <a:spcPts val="600"/>
+              </a:spcAft>
+              <a:buClr>
+                <a:schemeClr val="accent1"/>
+              </a:buClr>
+              <a:buFont typeface="Calibri" panose="020F0502020204030204" pitchFamily="34" charset="0"/>
+            </a:pPr>
+            <a:r>
+              <a:rPr lang="en-US" sz="1500" dirty="0">
+                <a:solidFill>
+                  <a:srgbClr val="FFFFFF"/>
+                </a:solidFill>
+              </a:rPr>
+              <a:t>Applying </a:t>
+            </a:r>
+            <a:r>
+              <a:rPr lang="en-US" sz="1500" dirty="0" err="1">
+                <a:solidFill>
+                  <a:srgbClr val="FFFFFF"/>
+                </a:solidFill>
+              </a:rPr>
+              <a:t>knn</a:t>
+            </a:r>
+            <a:r>
+              <a:rPr lang="en-US" sz="1500" dirty="0">
+                <a:solidFill>
+                  <a:srgbClr val="FFFFFF"/>
+                </a:solidFill>
+              </a:rPr>
+              <a:t> Mode Classification to predict required number of docks based on predictor variables a. </a:t>
+            </a:r>
+            <a:r>
+              <a:rPr lang="en-US" sz="1500" dirty="0" err="1">
+                <a:solidFill>
+                  <a:srgbClr val="FFFFFF"/>
+                </a:solidFill>
+              </a:rPr>
+              <a:t>tripduration</a:t>
+            </a:r>
+            <a:r>
+              <a:rPr lang="en-US" sz="1500" dirty="0">
+                <a:solidFill>
+                  <a:srgbClr val="FFFFFF"/>
+                </a:solidFill>
+              </a:rPr>
+              <a:t> b. </a:t>
+            </a:r>
+            <a:r>
+              <a:rPr lang="en-US" sz="1500" dirty="0" err="1">
+                <a:solidFill>
+                  <a:srgbClr val="FFFFFF"/>
+                </a:solidFill>
+              </a:rPr>
+              <a:t>to_station_id</a:t>
+            </a:r>
+            <a:r>
+              <a:rPr lang="en-US" sz="1500" dirty="0">
+                <a:solidFill>
+                  <a:srgbClr val="FFFFFF"/>
+                </a:solidFill>
+              </a:rPr>
+              <a:t> c. </a:t>
+            </a:r>
+            <a:r>
+              <a:rPr lang="en-US" sz="1500" dirty="0" err="1">
+                <a:solidFill>
+                  <a:srgbClr val="FFFFFF"/>
+                </a:solidFill>
+              </a:rPr>
+              <a:t>to_longitude</a:t>
+            </a:r>
+            <a:r>
+              <a:rPr lang="en-US" sz="1500" dirty="0">
+                <a:solidFill>
+                  <a:srgbClr val="FFFFFF"/>
+                </a:solidFill>
+              </a:rPr>
+              <a:t> d. </a:t>
+            </a:r>
+            <a:r>
+              <a:rPr lang="en-US" sz="1500" dirty="0" err="1">
+                <a:solidFill>
+                  <a:srgbClr val="FFFFFF"/>
+                </a:solidFill>
+              </a:rPr>
+              <a:t>from_longitude</a:t>
+            </a:r>
+            <a:r>
+              <a:rPr lang="en-US" sz="1500" dirty="0">
+                <a:solidFill>
+                  <a:srgbClr val="FFFFFF"/>
+                </a:solidFill>
+              </a:rPr>
+              <a:t> d. revenue identified using correlation matrix. </a:t>
+            </a:r>
+          </a:p>
+          <a:p>
+            <a:pPr defTabSz="914400">
+              <a:lnSpc>
+                <a:spcPct val="90000"/>
+              </a:lnSpc>
+              <a:spcAft>
+                <a:spcPts val="600"/>
+              </a:spcAft>
+              <a:buClr>
+                <a:schemeClr val="accent1"/>
+              </a:buClr>
+              <a:buFont typeface="Calibri" panose="020F0502020204030204" pitchFamily="34" charset="0"/>
+            </a:pPr>
+            <a:endParaRPr lang="en-US" sz="1500" dirty="0">
+              <a:solidFill>
+                <a:srgbClr val="FFFFFF"/>
+              </a:solidFill>
+            </a:endParaRPr>
+          </a:p>
+          <a:p>
+            <a:pPr defTabSz="914400">
+              <a:lnSpc>
+                <a:spcPct val="90000"/>
+              </a:lnSpc>
+              <a:spcAft>
+                <a:spcPts val="600"/>
+              </a:spcAft>
+              <a:buClr>
+                <a:schemeClr val="accent1"/>
+              </a:buClr>
+              <a:buFont typeface="Calibri" panose="020F0502020204030204" pitchFamily="34" charset="0"/>
+            </a:pPr>
+            <a:r>
+              <a:rPr lang="en-US" sz="1500" dirty="0">
+                <a:solidFill>
+                  <a:srgbClr val="FFFFFF"/>
+                </a:solidFill>
+              </a:rPr>
+              <a:t>Obtained output was used to compare it with existing docks and the difference was used to identify which station need extra docks or which one has extra docks. Costing was calculated assuming each dock setup requires $400</a:t>
+            </a:r>
+          </a:p>
+          <a:p>
+            <a:pPr defTabSz="914400">
+              <a:lnSpc>
+                <a:spcPct val="90000"/>
+              </a:lnSpc>
+              <a:spcAft>
+                <a:spcPts val="600"/>
+              </a:spcAft>
+              <a:buClr>
+                <a:schemeClr val="accent1"/>
+              </a:buClr>
+              <a:buFont typeface="Calibri" panose="020F0502020204030204" pitchFamily="34" charset="0"/>
+            </a:pPr>
+            <a:endParaRPr lang="en-US" sz="1500" dirty="0">
+              <a:solidFill>
+                <a:srgbClr val="FFFFFF"/>
+              </a:solidFill>
+            </a:endParaRPr>
+          </a:p>
+          <a:p>
+            <a:pPr defTabSz="914400">
+              <a:lnSpc>
+                <a:spcPct val="90000"/>
+              </a:lnSpc>
+              <a:spcAft>
+                <a:spcPts val="600"/>
+              </a:spcAft>
+              <a:buClr>
+                <a:schemeClr val="accent1"/>
+              </a:buClr>
+              <a:buFont typeface="Calibri" panose="020F0502020204030204" pitchFamily="34" charset="0"/>
+            </a:pPr>
+            <a:r>
+              <a:rPr lang="en-US" sz="1500" dirty="0">
+                <a:solidFill>
+                  <a:srgbClr val="FFFFFF"/>
+                </a:solidFill>
+              </a:rPr>
+              <a:t>Conclusion: Assuming $400 for each dock using </a:t>
+            </a:r>
+            <a:r>
+              <a:rPr lang="en-US" sz="1500" dirty="0" err="1">
+                <a:solidFill>
+                  <a:srgbClr val="FFFFFF"/>
+                </a:solidFill>
+              </a:rPr>
+              <a:t>knn</a:t>
+            </a:r>
+            <a:r>
+              <a:rPr lang="en-US" sz="1500" dirty="0">
+                <a:solidFill>
+                  <a:srgbClr val="FFFFFF"/>
+                </a:solidFill>
+              </a:rPr>
+              <a:t> Model Classification it is estimated that Divvy can save $ 3M  if setup dock as per prediction made by this model</a:t>
+            </a:r>
+          </a:p>
+          <a:p>
+            <a:pPr defTabSz="914400">
+              <a:lnSpc>
+                <a:spcPct val="90000"/>
+              </a:lnSpc>
+              <a:spcAft>
+                <a:spcPts val="600"/>
+              </a:spcAft>
+              <a:buClr>
+                <a:schemeClr val="accent1"/>
+              </a:buClr>
+              <a:buFont typeface="Calibri" panose="020F0502020204030204" pitchFamily="34" charset="0"/>
+            </a:pPr>
+            <a:endParaRPr lang="en-US" sz="1500" dirty="0">
+              <a:solidFill>
+                <a:srgbClr val="FFFFFF"/>
+              </a:solidFill>
+            </a:endParaRPr>
+          </a:p>
+          <a:p>
+            <a:pPr defTabSz="914400">
+              <a:lnSpc>
+                <a:spcPct val="90000"/>
+              </a:lnSpc>
+              <a:spcAft>
+                <a:spcPts val="600"/>
+              </a:spcAft>
+              <a:buClr>
+                <a:schemeClr val="accent1"/>
+              </a:buClr>
+              <a:buFont typeface="Calibri" panose="020F0502020204030204" pitchFamily="34" charset="0"/>
+            </a:pPr>
+            <a:r>
+              <a:rPr lang="en-US" sz="1500" dirty="0">
+                <a:solidFill>
+                  <a:srgbClr val="FFFFFF"/>
+                </a:solidFill>
+              </a:rPr>
+              <a:t>There are 281 docks which require extra docks and if implemented can serve to customer in better way</a:t>
+            </a:r>
+          </a:p>
+          <a:p>
+            <a:pPr defTabSz="914400">
+              <a:lnSpc>
+                <a:spcPct val="90000"/>
+              </a:lnSpc>
+              <a:spcAft>
+                <a:spcPts val="600"/>
+              </a:spcAft>
+              <a:buClr>
+                <a:schemeClr val="accent1"/>
+              </a:buClr>
+              <a:buFont typeface="Calibri" panose="020F0502020204030204" pitchFamily="34" charset="0"/>
+            </a:pPr>
+            <a:endParaRPr lang="en-US" sz="1400" dirty="0">
+              <a:solidFill>
+                <a:srgbClr val="FFFFFF"/>
+              </a:solidFill>
+            </a:endParaRPr>
+          </a:p>
+        </p:txBody>
+      </p:sp>
+      <p:sp>
+        <p:nvSpPr>
+          <p:cNvPr id="31" name="Rectangle 26">
+            <a:extLst>
+              <a:ext uri="{FF2B5EF4-FFF2-40B4-BE49-F238E27FC236}">
+                <a16:creationId xmlns:a16="http://schemas.microsoft.com/office/drawing/2014/main" id="{8C04651D-B9F4-4935-A02D-364153FBDF54}"/>
               </a:ext>
               <a:ext uri="{C183D7F6-B498-43B3-948B-1728B52AA6E4}">
                 <adec:decorative xmlns:adec="http://schemas.microsoft.com/office/drawing/2017/decorative" val="1"/>
@@ -10408,8 +14811,8 @@
         </p:nvSpPr>
         <p:spPr>
           <a:xfrm>
-            <a:off x="15" y="6334316"/>
-            <a:ext cx="12188825" cy="64008"/>
+            <a:off x="4040071" y="0"/>
+            <a:ext cx="64008" cy="6858000"/>
           </a:xfrm>
           <a:prstGeom prst="rect">
             <a:avLst/>
@@ -10438,127 +14841,12 @@
           </a:fontRef>
         </p:style>
       </p:sp>
-      <p:cxnSp>
-        <p:nvCxnSpPr>
-          <p:cNvPr id="12" name="Straight Connector 16">
+      <p:pic>
+        <p:nvPicPr>
+          <p:cNvPr id="4" name="Picture 3">
             <a:extLst>
               <a:ext uri="{FF2B5EF4-FFF2-40B4-BE49-F238E27FC236}">
-                <a16:creationId xmlns:a16="http://schemas.microsoft.com/office/drawing/2014/main" id="{7E1D4427-852B-4B37-8E76-0E9F1810BA2A}"/>
-              </a:ext>
-              <a:ext uri="{C183D7F6-B498-43B3-948B-1728B52AA6E4}">
-                <adec:decorative xmlns:adec="http://schemas.microsoft.com/office/drawing/2017/decorative" val="1"/>
-              </a:ext>
-            </a:extLst>
-          </p:cNvPr>
-          <p:cNvCxnSpPr>
-            <a:cxnSpLocks noGrp="1" noRot="1" noChangeAspect="1" noMove="1" noResize="1" noEditPoints="1" noAdjustHandles="1" noChangeArrowheads="1" noChangeShapeType="1"/>
-          </p:cNvCxnSpPr>
-          <p:nvPr>
-            <p:extLst>
-              <p:ext uri="{386F3935-93C4-4BCD-93E2-E3B085C9AB24}">
-                <p16:designElem xmlns:p16="http://schemas.microsoft.com/office/powerpoint/2015/main" val="1"/>
-              </p:ext>
-            </p:extLst>
-          </p:nvPr>
-        </p:nvCxnSpPr>
-        <p:spPr>
-          <a:xfrm>
-            <a:off x="1207658" y="4343400"/>
-            <a:ext cx="9875520" cy="0"/>
-          </a:xfrm>
-          <a:prstGeom prst="line">
-            <a:avLst/>
-          </a:prstGeom>
-          <a:ln w="6350">
-            <a:solidFill>
-              <a:schemeClr val="tx1">
-                <a:lumMod val="50000"/>
-                <a:lumOff val="50000"/>
-              </a:schemeClr>
-            </a:solidFill>
-          </a:ln>
-        </p:spPr>
-        <p:style>
-          <a:lnRef idx="1">
-            <a:schemeClr val="accent1"/>
-          </a:lnRef>
-          <a:fillRef idx="0">
-            <a:schemeClr val="accent1"/>
-          </a:fillRef>
-          <a:effectRef idx="0">
-            <a:schemeClr val="accent1"/>
-          </a:effectRef>
-          <a:fontRef idx="minor">
-            <a:schemeClr val="tx1"/>
-          </a:fontRef>
-        </p:style>
-      </p:cxnSp>
-      <p:sp useBgFill="1">
-        <p:nvSpPr>
-          <p:cNvPr id="14" name="Rectangle 18">
-            <a:extLst>
-              <a:ext uri="{FF2B5EF4-FFF2-40B4-BE49-F238E27FC236}">
-                <a16:creationId xmlns:a16="http://schemas.microsoft.com/office/drawing/2014/main" id="{5A1B47C8-47A0-4A88-8830-6DEA3B5DE392}"/>
-              </a:ext>
-              <a:ext uri="{C183D7F6-B498-43B3-948B-1728B52AA6E4}">
-                <adec:decorative xmlns:adec="http://schemas.microsoft.com/office/drawing/2017/decorative" val="1"/>
-              </a:ext>
-            </a:extLst>
-          </p:cNvPr>
-          <p:cNvSpPr>
-            <a:spLocks noGrp="1" noRot="1" noChangeAspect="1" noMove="1" noResize="1" noEditPoints="1" noAdjustHandles="1" noChangeArrowheads="1" noChangeShapeType="1" noTextEdit="1"/>
-          </p:cNvSpPr>
-          <p:nvPr>
-            <p:extLst>
-              <p:ext uri="{386F3935-93C4-4BCD-93E2-E3B085C9AB24}">
-                <p16:designElem xmlns:p16="http://schemas.microsoft.com/office/powerpoint/2015/main" val="1"/>
-              </p:ext>
-            </p:extLst>
-          </p:nvPr>
-        </p:nvSpPr>
-        <p:spPr>
-          <a:xfrm>
-            <a:off x="0" y="0"/>
-            <a:ext cx="12192000" cy="6858000"/>
-          </a:xfrm>
-          <a:prstGeom prst="rect">
-            <a:avLst/>
-          </a:prstGeom>
-          <a:ln>
-            <a:noFill/>
-          </a:ln>
-        </p:spPr>
-        <p:style>
-          <a:lnRef idx="2">
-            <a:schemeClr val="accent1">
-              <a:shade val="50000"/>
-            </a:schemeClr>
-          </a:lnRef>
-          <a:fillRef idx="1001">
-            <a:schemeClr val="lt1"/>
-          </a:fillRef>
-          <a:effectRef idx="0">
-            <a:schemeClr val="accent1"/>
-          </a:effectRef>
-          <a:fontRef idx="minor">
-            <a:schemeClr val="lt1"/>
-          </a:fontRef>
-        </p:style>
-        <p:txBody>
-          <a:bodyPr rtlCol="0" anchor="ctr"/>
-          <a:lstStyle/>
-          <a:p>
-            <a:pPr algn="ctr"/>
-            <a:endParaRPr lang="en-US"/>
-          </a:p>
-        </p:txBody>
-      </p:sp>
-      <p:pic>
-        <p:nvPicPr>
-          <p:cNvPr id="2" name="Picture 1" descr="A screenshot of a cell phone&#10;&#10;Description automatically generated">
-            <a:extLst>
-              <a:ext uri="{FF2B5EF4-FFF2-40B4-BE49-F238E27FC236}">
-                <a16:creationId xmlns:a16="http://schemas.microsoft.com/office/drawing/2014/main" id="{88BEEAD2-3B77-4F0A-B623-EAFA73FD859D}"/>
+                <a16:creationId xmlns:a16="http://schemas.microsoft.com/office/drawing/2014/main" id="{31F2F6CD-AAC2-4A47-8D65-CC63957CFDD7}"/>
               </a:ext>
             </a:extLst>
           </p:cNvPr>
@@ -10567,374 +14855,21 @@
           </p:cNvPicPr>
           <p:nvPr/>
         </p:nvPicPr>
-        <p:blipFill>
+        <p:blipFill rotWithShape="1">
           <a:blip r:embed="rId2"/>
-          <a:stretch>
-            <a:fillRect/>
-          </a:stretch>
+          <a:srcRect t="1661" r="3" b="7381"/>
+          <a:stretch/>
         </p:blipFill>
         <p:spPr>
           <a:xfrm>
-            <a:off x="1098582" y="640080"/>
-            <a:ext cx="5068461" cy="4688191"/>
+            <a:off x="4742017" y="640080"/>
+            <a:ext cx="6798082" cy="5577840"/>
           </a:xfrm>
           <a:prstGeom prst="rect">
             <a:avLst/>
           </a:prstGeom>
         </p:spPr>
       </p:pic>
-      <p:sp>
-        <p:nvSpPr>
-          <p:cNvPr id="16" name="Rectangle 20">
-            <a:extLst>
-              <a:ext uri="{FF2B5EF4-FFF2-40B4-BE49-F238E27FC236}">
-                <a16:creationId xmlns:a16="http://schemas.microsoft.com/office/drawing/2014/main" id="{984BBFDD-E720-4805-A9C8-129FBBF6DD70}"/>
-              </a:ext>
-              <a:ext uri="{C183D7F6-B498-43B3-948B-1728B52AA6E4}">
-                <adec:decorative xmlns:adec="http://schemas.microsoft.com/office/drawing/2017/decorative" val="1"/>
-              </a:ext>
-            </a:extLst>
-          </p:cNvPr>
-          <p:cNvSpPr>
-            <a:spLocks noGrp="1" noRot="1" noChangeAspect="1" noMove="1" noResize="1" noEditPoints="1" noAdjustHandles="1" noChangeArrowheads="1" noChangeShapeType="1" noTextEdit="1"/>
-          </p:cNvSpPr>
-          <p:nvPr>
-            <p:extLst>
-              <p:ext uri="{386F3935-93C4-4BCD-93E2-E3B085C9AB24}">
-                <p16:designElem xmlns:p16="http://schemas.microsoft.com/office/powerpoint/2015/main" val="1"/>
-              </p:ext>
-            </p:extLst>
-          </p:nvPr>
-        </p:nvSpPr>
-        <p:spPr bwMode="white">
-          <a:xfrm>
-            <a:off x="7613486" y="0"/>
-            <a:ext cx="4584734" cy="6858000"/>
-          </a:xfrm>
-          <a:prstGeom prst="rect">
-            <a:avLst/>
-          </a:prstGeom>
-          <a:solidFill>
-            <a:schemeClr val="accent2"/>
-          </a:solidFill>
-          <a:ln>
-            <a:noFill/>
-          </a:ln>
-        </p:spPr>
-        <p:style>
-          <a:lnRef idx="2">
-            <a:schemeClr val="accent1">
-              <a:shade val="50000"/>
-            </a:schemeClr>
-          </a:lnRef>
-          <a:fillRef idx="1">
-            <a:schemeClr val="accent1"/>
-          </a:fillRef>
-          <a:effectRef idx="0">
-            <a:schemeClr val="accent1"/>
-          </a:effectRef>
-          <a:fontRef idx="minor">
-            <a:schemeClr val="lt1"/>
-          </a:fontRef>
-        </p:style>
-      </p:sp>
-      <p:sp>
-        <p:nvSpPr>
-          <p:cNvPr id="8" name="Rectangle 7">
-            <a:extLst>
-              <a:ext uri="{FF2B5EF4-FFF2-40B4-BE49-F238E27FC236}">
-                <a16:creationId xmlns:a16="http://schemas.microsoft.com/office/drawing/2014/main" id="{90E4248E-0AB2-4168-82D5-4D95494DEA86}"/>
-              </a:ext>
-            </a:extLst>
-          </p:cNvPr>
-          <p:cNvSpPr/>
-          <p:nvPr/>
-        </p:nvSpPr>
-        <p:spPr>
-          <a:xfrm>
-            <a:off x="8096885" y="640080"/>
-            <a:ext cx="3659246" cy="2926080"/>
-          </a:xfrm>
-          <a:prstGeom prst="rect">
-            <a:avLst/>
-          </a:prstGeom>
-        </p:spPr>
-        <p:txBody>
-          <a:bodyPr vert="horz" lIns="91440" tIns="45720" rIns="91440" bIns="45720" rtlCol="0" anchor="b">
-            <a:normAutofit/>
-          </a:bodyPr>
-          <a:lstStyle/>
-          <a:p>
-            <a:pPr defTabSz="914400">
-              <a:lnSpc>
-                <a:spcPct val="85000"/>
-              </a:lnSpc>
-              <a:spcBef>
-                <a:spcPct val="0"/>
-              </a:spcBef>
-              <a:spcAft>
-                <a:spcPts val="600"/>
-              </a:spcAft>
-            </a:pPr>
-            <a:r>
-              <a:rPr lang="en-US" altLang="en-US" sz="4400" spc="-50" dirty="0">
-                <a:solidFill>
-                  <a:srgbClr val="FFFFFF"/>
-                </a:solidFill>
-                <a:latin typeface="+mj-lt"/>
-                <a:ea typeface="+mj-ea"/>
-                <a:cs typeface="+mj-cs"/>
-              </a:rPr>
-              <a:t>Model 1 </a:t>
-            </a:r>
-            <a:r>
-              <a:rPr lang="en-US" altLang="en-US" sz="4400" spc="-50" dirty="0" err="1">
-                <a:solidFill>
-                  <a:srgbClr val="FFFFFF"/>
-                </a:solidFill>
-                <a:latin typeface="+mj-lt"/>
-                <a:ea typeface="+mj-ea"/>
-                <a:cs typeface="+mj-cs"/>
-              </a:rPr>
-              <a:t>knn</a:t>
-            </a:r>
-            <a:r>
-              <a:rPr lang="en-US" altLang="en-US" sz="4400" spc="-50" dirty="0">
-                <a:solidFill>
-                  <a:srgbClr val="FFFFFF"/>
-                </a:solidFill>
-                <a:latin typeface="+mj-lt"/>
-                <a:ea typeface="+mj-ea"/>
-                <a:cs typeface="+mj-cs"/>
-              </a:rPr>
-              <a:t> Classification</a:t>
-            </a:r>
-          </a:p>
-          <a:p>
-            <a:pPr defTabSz="914400">
-              <a:lnSpc>
-                <a:spcPct val="85000"/>
-              </a:lnSpc>
-              <a:spcBef>
-                <a:spcPct val="0"/>
-              </a:spcBef>
-              <a:spcAft>
-                <a:spcPts val="600"/>
-              </a:spcAft>
-            </a:pPr>
-            <a:endParaRPr lang="en-US" sz="4400" spc="-50" dirty="0">
-              <a:solidFill>
-                <a:srgbClr val="FFFFFF"/>
-              </a:solidFill>
-              <a:latin typeface="+mj-lt"/>
-              <a:ea typeface="+mj-ea"/>
-              <a:cs typeface="+mj-cs"/>
-            </a:endParaRPr>
-          </a:p>
-          <a:p>
-            <a:pPr defTabSz="914400">
-              <a:lnSpc>
-                <a:spcPct val="85000"/>
-              </a:lnSpc>
-              <a:spcBef>
-                <a:spcPct val="0"/>
-              </a:spcBef>
-              <a:spcAft>
-                <a:spcPts val="600"/>
-              </a:spcAft>
-            </a:pPr>
-            <a:endParaRPr lang="en-US" sz="4400" spc="-50" dirty="0">
-              <a:solidFill>
-                <a:srgbClr val="FFFFFF"/>
-              </a:solidFill>
-              <a:latin typeface="+mj-lt"/>
-              <a:ea typeface="+mj-ea"/>
-              <a:cs typeface="+mj-cs"/>
-            </a:endParaRPr>
-          </a:p>
-        </p:txBody>
-      </p:sp>
-      <p:sp>
-        <p:nvSpPr>
-          <p:cNvPr id="18" name="Rectangle 22">
-            <a:extLst>
-              <a:ext uri="{FF2B5EF4-FFF2-40B4-BE49-F238E27FC236}">
-                <a16:creationId xmlns:a16="http://schemas.microsoft.com/office/drawing/2014/main" id="{5AC4BE46-4A77-42FE-9D15-065CDB2F847C}"/>
-              </a:ext>
-              <a:ext uri="{C183D7F6-B498-43B3-948B-1728B52AA6E4}">
-                <adec:decorative xmlns:adec="http://schemas.microsoft.com/office/drawing/2017/decorative" val="1"/>
-              </a:ext>
-            </a:extLst>
-          </p:cNvPr>
-          <p:cNvSpPr>
-            <a:spLocks noGrp="1" noRot="1" noChangeAspect="1" noMove="1" noResize="1" noEditPoints="1" noAdjustHandles="1" noChangeArrowheads="1" noChangeShapeType="1" noTextEdit="1"/>
-          </p:cNvSpPr>
-          <p:nvPr>
-            <p:extLst>
-              <p:ext uri="{386F3935-93C4-4BCD-93E2-E3B085C9AB24}">
-                <p16:designElem xmlns:p16="http://schemas.microsoft.com/office/powerpoint/2015/main" val="1"/>
-              </p:ext>
-            </p:extLst>
-          </p:nvPr>
-        </p:nvSpPr>
-        <p:spPr>
-          <a:xfrm>
-            <a:off x="7556906" y="0"/>
-            <a:ext cx="64008" cy="6858000"/>
-          </a:xfrm>
-          <a:prstGeom prst="rect">
-            <a:avLst/>
-          </a:prstGeom>
-          <a:solidFill>
-            <a:schemeClr val="accent1"/>
-          </a:solidFill>
-          <a:ln>
-            <a:noFill/>
-          </a:ln>
-        </p:spPr>
-        <p:style>
-          <a:lnRef idx="2">
-            <a:schemeClr val="accent1">
-              <a:shade val="50000"/>
-            </a:schemeClr>
-          </a:lnRef>
-          <a:fillRef idx="1">
-            <a:schemeClr val="accent1"/>
-          </a:fillRef>
-          <a:effectRef idx="0">
-            <a:schemeClr val="accent1"/>
-          </a:effectRef>
-          <a:fontRef idx="minor">
-            <a:schemeClr val="lt1"/>
-          </a:fontRef>
-        </p:style>
-      </p:sp>
-      <p:sp>
-        <p:nvSpPr>
-          <p:cNvPr id="3" name="Rectangle 2">
-            <a:extLst>
-              <a:ext uri="{FF2B5EF4-FFF2-40B4-BE49-F238E27FC236}">
-                <a16:creationId xmlns:a16="http://schemas.microsoft.com/office/drawing/2014/main" id="{9CAFEBF6-002D-4929-AEAB-02A5EFF74615}"/>
-              </a:ext>
-            </a:extLst>
-          </p:cNvPr>
-          <p:cNvSpPr/>
-          <p:nvPr/>
-        </p:nvSpPr>
-        <p:spPr>
-          <a:xfrm>
-            <a:off x="7897091" y="2479964"/>
-            <a:ext cx="4107873" cy="4301836"/>
-          </a:xfrm>
-          <a:prstGeom prst="rect">
-            <a:avLst/>
-          </a:prstGeom>
-        </p:spPr>
-        <p:style>
-          <a:lnRef idx="2">
-            <a:schemeClr val="accent1">
-              <a:shade val="50000"/>
-            </a:schemeClr>
-          </a:lnRef>
-          <a:fillRef idx="1">
-            <a:schemeClr val="accent1"/>
-          </a:fillRef>
-          <a:effectRef idx="0">
-            <a:schemeClr val="accent1"/>
-          </a:effectRef>
-          <a:fontRef idx="minor">
-            <a:schemeClr val="lt1"/>
-          </a:fontRef>
-        </p:style>
-        <p:txBody>
-          <a:bodyPr rtlCol="0" anchor="ctr"/>
-          <a:lstStyle/>
-          <a:p>
-            <a:r>
-              <a:rPr lang="en-US" sz="1400" dirty="0"/>
-              <a:t>Applying </a:t>
-            </a:r>
-            <a:r>
-              <a:rPr lang="en-US" sz="1400" dirty="0" err="1"/>
-              <a:t>knn</a:t>
-            </a:r>
-            <a:r>
-              <a:rPr lang="en-US" sz="1400" dirty="0"/>
-              <a:t> Mode Classification to predict required number of docks based on predictor variables a. </a:t>
-            </a:r>
-            <a:r>
-              <a:rPr lang="en-US" sz="1400" dirty="0" err="1"/>
-              <a:t>tripduration</a:t>
-            </a:r>
-            <a:r>
-              <a:rPr lang="en-US" sz="1400" dirty="0"/>
-              <a:t> b. </a:t>
-            </a:r>
-            <a:r>
-              <a:rPr lang="en-US" sz="1400" dirty="0" err="1"/>
-              <a:t>to_station_id</a:t>
-            </a:r>
-            <a:r>
-              <a:rPr lang="en-US" sz="1400" dirty="0"/>
-              <a:t> c. </a:t>
-            </a:r>
-            <a:r>
-              <a:rPr lang="en-US" sz="1400" dirty="0" err="1"/>
-              <a:t>to_longitude</a:t>
-            </a:r>
-            <a:r>
-              <a:rPr lang="en-US" sz="1400" dirty="0"/>
-              <a:t> d. </a:t>
-            </a:r>
-            <a:r>
-              <a:rPr lang="en-US" sz="1400" dirty="0" err="1"/>
-              <a:t>from_longitude</a:t>
-            </a:r>
-            <a:r>
-              <a:rPr lang="en-US" sz="1400" dirty="0"/>
-              <a:t> d. revenue identified using correlation matrix. </a:t>
-            </a:r>
-          </a:p>
-          <a:p>
-            <a:endParaRPr lang="en-US" sz="1400" dirty="0"/>
-          </a:p>
-          <a:p>
-            <a:r>
-              <a:rPr lang="en-US" sz="1400" dirty="0"/>
-              <a:t>Obtained output was used to compare it with existing docks and the difference was used to identify which station need extra docks or which one has extra docks. Costing was calculated assuming each dock setup requires $400</a:t>
-            </a:r>
-          </a:p>
-          <a:p>
-            <a:endParaRPr lang="en-US" sz="1400" dirty="0"/>
-          </a:p>
-          <a:p>
-            <a:r>
-              <a:rPr lang="en-US" sz="1400" dirty="0"/>
-              <a:t>Conclusion: Assuming $400 for each dock using </a:t>
-            </a:r>
-            <a:r>
-              <a:rPr lang="en-US" sz="1400" dirty="0" err="1"/>
-              <a:t>knn</a:t>
-            </a:r>
-            <a:r>
-              <a:rPr lang="en-US" sz="1400" dirty="0"/>
-              <a:t> Model Classification it is estimated that Divvy can save $ 3M  if setup dock as per prediction made by this model</a:t>
-            </a:r>
-          </a:p>
-          <a:p>
-            <a:endParaRPr lang="en-US" sz="1200" dirty="0"/>
-          </a:p>
-          <a:p>
-            <a:r>
-              <a:rPr lang="en-US" sz="1400" dirty="0"/>
-              <a:t>There are 304 docks which require extra docks and if implemented can serve to customer in better way</a:t>
-            </a:r>
-          </a:p>
-          <a:p>
-            <a:endParaRPr lang="en-US" sz="1200" dirty="0"/>
-          </a:p>
-        </p:txBody>
-      </p:sp>
     </p:spTree>
     <p:extLst>
       <p:ext uri="{BB962C8B-B14F-4D97-AF65-F5344CB8AC3E}">
